--- a/05-Duragan-Veri-Analizi/03_apache_spark_rdd_low_level_api/01_apache_spark_low_level_rdd_api.pptx
+++ b/05-Duragan-Veri-Analizi/03_apache_spark_rdd_low_level_api/01_apache_spark_low_level_rdd_api.pptx
@@ -217,7 +217,7 @@
           <a:p>
             <a:fld id="{6F77F576-AE14-466D-AA6B-335273622B21}" type="datetimeFigureOut">
               <a:rPr lang="en-US" smtClean="0"/>
-              <a:t>4/13/2018</a:t>
+              <a:t>10/4/2019</a:t>
             </a:fld>
             <a:endParaRPr lang="en-US"/>
           </a:p>
@@ -281,35 +281,35 @@
           <a:p>
             <a:pPr lvl="0"/>
             <a:r>
-              <a:rPr lang="tr-TR" smtClean="0"/>
+              <a:rPr lang="tr-TR"/>
               <a:t>Asıl metin stillerini düzenlemek için tıklatın</a:t>
             </a:r>
           </a:p>
           <a:p>
             <a:pPr lvl="1"/>
             <a:r>
-              <a:rPr lang="tr-TR" smtClean="0"/>
+              <a:rPr lang="tr-TR"/>
               <a:t>İkinci düzey</a:t>
             </a:r>
           </a:p>
           <a:p>
             <a:pPr lvl="2"/>
             <a:r>
-              <a:rPr lang="tr-TR" smtClean="0"/>
+              <a:rPr lang="tr-TR"/>
               <a:t>Üçüncü düzey</a:t>
             </a:r>
           </a:p>
           <a:p>
             <a:pPr lvl="3"/>
             <a:r>
-              <a:rPr lang="tr-TR" smtClean="0"/>
+              <a:rPr lang="tr-TR"/>
               <a:t>Dördüncü düzey</a:t>
             </a:r>
           </a:p>
           <a:p>
             <a:pPr lvl="4"/>
             <a:r>
-              <a:rPr lang="tr-TR" smtClean="0"/>
+              <a:rPr lang="tr-TR"/>
               <a:t>Beşinci düzey</a:t>
             </a:r>
             <a:endParaRPr lang="en-US"/>
@@ -527,7 +527,7 @@
           </a:lstStyle>
           <a:p>
             <a:r>
-              <a:rPr lang="tr-TR" smtClean="0"/>
+              <a:rPr lang="tr-TR"/>
               <a:t>Asıl başlık stili için tıklatın</a:t>
             </a:r>
             <a:endParaRPr lang="en-US"/>
@@ -592,7 +592,7 @@
           </a:lstStyle>
           <a:p>
             <a:r>
-              <a:rPr lang="tr-TR" smtClean="0"/>
+              <a:rPr lang="tr-TR"/>
               <a:t>Asıl alt başlık stilini düzenlemek için tıklatın</a:t>
             </a:r>
             <a:endParaRPr lang="en-US"/>
@@ -616,7 +616,7 @@
           <a:p>
             <a:fld id="{54AA066D-271F-4C1A-B89A-0705A7689EE9}" type="datetimeFigureOut">
               <a:rPr lang="en-US" smtClean="0"/>
-              <a:t>4/13/2018</a:t>
+              <a:t>10/4/2019</a:t>
             </a:fld>
             <a:endParaRPr lang="en-US"/>
           </a:p>
@@ -710,7 +710,7 @@
           <a:lstStyle/>
           <a:p>
             <a:r>
-              <a:rPr lang="tr-TR" smtClean="0"/>
+              <a:rPr lang="tr-TR"/>
               <a:t>Asıl başlık stili için tıklatın</a:t>
             </a:r>
             <a:endParaRPr lang="en-US"/>
@@ -734,35 +734,35 @@
           <a:p>
             <a:pPr lvl="0"/>
             <a:r>
-              <a:rPr lang="tr-TR" smtClean="0"/>
+              <a:rPr lang="tr-TR"/>
               <a:t>Asıl metin stillerini düzenlemek için tıklatın</a:t>
             </a:r>
           </a:p>
           <a:p>
             <a:pPr lvl="1"/>
             <a:r>
-              <a:rPr lang="tr-TR" smtClean="0"/>
+              <a:rPr lang="tr-TR"/>
               <a:t>İkinci düzey</a:t>
             </a:r>
           </a:p>
           <a:p>
             <a:pPr lvl="2"/>
             <a:r>
-              <a:rPr lang="tr-TR" smtClean="0"/>
+              <a:rPr lang="tr-TR"/>
               <a:t>Üçüncü düzey</a:t>
             </a:r>
           </a:p>
           <a:p>
             <a:pPr lvl="3"/>
             <a:r>
-              <a:rPr lang="tr-TR" smtClean="0"/>
+              <a:rPr lang="tr-TR"/>
               <a:t>Dördüncü düzey</a:t>
             </a:r>
           </a:p>
           <a:p>
             <a:pPr lvl="4"/>
             <a:r>
-              <a:rPr lang="tr-TR" smtClean="0"/>
+              <a:rPr lang="tr-TR"/>
               <a:t>Beşinci düzey</a:t>
             </a:r>
             <a:endParaRPr lang="en-US"/>
@@ -786,7 +786,7 @@
           <a:p>
             <a:fld id="{54AA066D-271F-4C1A-B89A-0705A7689EE9}" type="datetimeFigureOut">
               <a:rPr lang="en-US" smtClean="0"/>
-              <a:t>4/13/2018</a:t>
+              <a:t>10/4/2019</a:t>
             </a:fld>
             <a:endParaRPr lang="en-US"/>
           </a:p>
@@ -885,7 +885,7 @@
           <a:lstStyle/>
           <a:p>
             <a:r>
-              <a:rPr lang="tr-TR" smtClean="0"/>
+              <a:rPr lang="tr-TR"/>
               <a:t>Asıl başlık stili için tıklatın</a:t>
             </a:r>
             <a:endParaRPr lang="en-US"/>
@@ -914,35 +914,35 @@
           <a:p>
             <a:pPr lvl="0"/>
             <a:r>
-              <a:rPr lang="tr-TR" smtClean="0"/>
+              <a:rPr lang="tr-TR"/>
               <a:t>Asıl metin stillerini düzenlemek için tıklatın</a:t>
             </a:r>
           </a:p>
           <a:p>
             <a:pPr lvl="1"/>
             <a:r>
-              <a:rPr lang="tr-TR" smtClean="0"/>
+              <a:rPr lang="tr-TR"/>
               <a:t>İkinci düzey</a:t>
             </a:r>
           </a:p>
           <a:p>
             <a:pPr lvl="2"/>
             <a:r>
-              <a:rPr lang="tr-TR" smtClean="0"/>
+              <a:rPr lang="tr-TR"/>
               <a:t>Üçüncü düzey</a:t>
             </a:r>
           </a:p>
           <a:p>
             <a:pPr lvl="3"/>
             <a:r>
-              <a:rPr lang="tr-TR" smtClean="0"/>
+              <a:rPr lang="tr-TR"/>
               <a:t>Dördüncü düzey</a:t>
             </a:r>
           </a:p>
           <a:p>
             <a:pPr lvl="4"/>
             <a:r>
-              <a:rPr lang="tr-TR" smtClean="0"/>
+              <a:rPr lang="tr-TR"/>
               <a:t>Beşinci düzey</a:t>
             </a:r>
             <a:endParaRPr lang="en-US"/>
@@ -966,7 +966,7 @@
           <a:p>
             <a:fld id="{54AA066D-271F-4C1A-B89A-0705A7689EE9}" type="datetimeFigureOut">
               <a:rPr lang="en-US" smtClean="0"/>
-              <a:t>4/13/2018</a:t>
+              <a:t>10/4/2019</a:t>
             </a:fld>
             <a:endParaRPr lang="en-US"/>
           </a:p>
@@ -1060,7 +1060,7 @@
           <a:lstStyle/>
           <a:p>
             <a:r>
-              <a:rPr lang="tr-TR" smtClean="0"/>
+              <a:rPr lang="tr-TR"/>
               <a:t>Asıl başlık stili için tıklatın</a:t>
             </a:r>
             <a:endParaRPr lang="en-US"/>
@@ -1084,35 +1084,35 @@
           <a:p>
             <a:pPr lvl="0"/>
             <a:r>
-              <a:rPr lang="tr-TR" smtClean="0"/>
+              <a:rPr lang="tr-TR"/>
               <a:t>Asıl metin stillerini düzenlemek için tıklatın</a:t>
             </a:r>
           </a:p>
           <a:p>
             <a:pPr lvl="1"/>
             <a:r>
-              <a:rPr lang="tr-TR" smtClean="0"/>
+              <a:rPr lang="tr-TR"/>
               <a:t>İkinci düzey</a:t>
             </a:r>
           </a:p>
           <a:p>
             <a:pPr lvl="2"/>
             <a:r>
-              <a:rPr lang="tr-TR" smtClean="0"/>
+              <a:rPr lang="tr-TR"/>
               <a:t>Üçüncü düzey</a:t>
             </a:r>
           </a:p>
           <a:p>
             <a:pPr lvl="3"/>
             <a:r>
-              <a:rPr lang="tr-TR" smtClean="0"/>
+              <a:rPr lang="tr-TR"/>
               <a:t>Dördüncü düzey</a:t>
             </a:r>
           </a:p>
           <a:p>
             <a:pPr lvl="4"/>
             <a:r>
-              <a:rPr lang="tr-TR" smtClean="0"/>
+              <a:rPr lang="tr-TR"/>
               <a:t>Beşinci düzey</a:t>
             </a:r>
             <a:endParaRPr lang="en-US"/>
@@ -1136,7 +1136,7 @@
           <a:p>
             <a:fld id="{54AA066D-271F-4C1A-B89A-0705A7689EE9}" type="datetimeFigureOut">
               <a:rPr lang="en-US" smtClean="0"/>
-              <a:t>4/13/2018</a:t>
+              <a:t>10/4/2019</a:t>
             </a:fld>
             <a:endParaRPr lang="en-US"/>
           </a:p>
@@ -1239,7 +1239,7 @@
           </a:lstStyle>
           <a:p>
             <a:r>
-              <a:rPr lang="tr-TR" smtClean="0"/>
+              <a:rPr lang="tr-TR"/>
               <a:t>Asıl başlık stili için tıklatın</a:t>
             </a:r>
             <a:endParaRPr lang="en-US"/>
@@ -1359,7 +1359,7 @@
           <a:p>
             <a:pPr lvl="0"/>
             <a:r>
-              <a:rPr lang="tr-TR" smtClean="0"/>
+              <a:rPr lang="tr-TR"/>
               <a:t>Asıl metin stillerini düzenlemek için tıklatın</a:t>
             </a:r>
           </a:p>
@@ -1382,7 +1382,7 @@
           <a:p>
             <a:fld id="{54AA066D-271F-4C1A-B89A-0705A7689EE9}" type="datetimeFigureOut">
               <a:rPr lang="en-US" smtClean="0"/>
-              <a:t>4/13/2018</a:t>
+              <a:t>10/4/2019</a:t>
             </a:fld>
             <a:endParaRPr lang="en-US"/>
           </a:p>
@@ -1476,7 +1476,7 @@
           <a:lstStyle/>
           <a:p>
             <a:r>
-              <a:rPr lang="tr-TR" smtClean="0"/>
+              <a:rPr lang="tr-TR"/>
               <a:t>Asıl başlık stili için tıklatın</a:t>
             </a:r>
             <a:endParaRPr lang="en-US"/>
@@ -1505,35 +1505,35 @@
           <a:p>
             <a:pPr lvl="0"/>
             <a:r>
-              <a:rPr lang="tr-TR" smtClean="0"/>
+              <a:rPr lang="tr-TR"/>
               <a:t>Asıl metin stillerini düzenlemek için tıklatın</a:t>
             </a:r>
           </a:p>
           <a:p>
             <a:pPr lvl="1"/>
             <a:r>
-              <a:rPr lang="tr-TR" smtClean="0"/>
+              <a:rPr lang="tr-TR"/>
               <a:t>İkinci düzey</a:t>
             </a:r>
           </a:p>
           <a:p>
             <a:pPr lvl="2"/>
             <a:r>
-              <a:rPr lang="tr-TR" smtClean="0"/>
+              <a:rPr lang="tr-TR"/>
               <a:t>Üçüncü düzey</a:t>
             </a:r>
           </a:p>
           <a:p>
             <a:pPr lvl="3"/>
             <a:r>
-              <a:rPr lang="tr-TR" smtClean="0"/>
+              <a:rPr lang="tr-TR"/>
               <a:t>Dördüncü düzey</a:t>
             </a:r>
           </a:p>
           <a:p>
             <a:pPr lvl="4"/>
             <a:r>
-              <a:rPr lang="tr-TR" smtClean="0"/>
+              <a:rPr lang="tr-TR"/>
               <a:t>Beşinci düzey</a:t>
             </a:r>
             <a:endParaRPr lang="en-US"/>
@@ -1562,35 +1562,35 @@
           <a:p>
             <a:pPr lvl="0"/>
             <a:r>
-              <a:rPr lang="tr-TR" smtClean="0"/>
+              <a:rPr lang="tr-TR"/>
               <a:t>Asıl metin stillerini düzenlemek için tıklatın</a:t>
             </a:r>
           </a:p>
           <a:p>
             <a:pPr lvl="1"/>
             <a:r>
-              <a:rPr lang="tr-TR" smtClean="0"/>
+              <a:rPr lang="tr-TR"/>
               <a:t>İkinci düzey</a:t>
             </a:r>
           </a:p>
           <a:p>
             <a:pPr lvl="2"/>
             <a:r>
-              <a:rPr lang="tr-TR" smtClean="0"/>
+              <a:rPr lang="tr-TR"/>
               <a:t>Üçüncü düzey</a:t>
             </a:r>
           </a:p>
           <a:p>
             <a:pPr lvl="3"/>
             <a:r>
-              <a:rPr lang="tr-TR" smtClean="0"/>
+              <a:rPr lang="tr-TR"/>
               <a:t>Dördüncü düzey</a:t>
             </a:r>
           </a:p>
           <a:p>
             <a:pPr lvl="4"/>
             <a:r>
-              <a:rPr lang="tr-TR" smtClean="0"/>
+              <a:rPr lang="tr-TR"/>
               <a:t>Beşinci düzey</a:t>
             </a:r>
             <a:endParaRPr lang="en-US"/>
@@ -1614,7 +1614,7 @@
           <a:p>
             <a:fld id="{54AA066D-271F-4C1A-B89A-0705A7689EE9}" type="datetimeFigureOut">
               <a:rPr lang="en-US" smtClean="0"/>
-              <a:t>4/13/2018</a:t>
+              <a:t>10/4/2019</a:t>
             </a:fld>
             <a:endParaRPr lang="en-US"/>
           </a:p>
@@ -1713,7 +1713,7 @@
           <a:lstStyle/>
           <a:p>
             <a:r>
-              <a:rPr lang="tr-TR" smtClean="0"/>
+              <a:rPr lang="tr-TR"/>
               <a:t>Asıl başlık stili için tıklatın</a:t>
             </a:r>
             <a:endParaRPr lang="en-US"/>
@@ -1779,7 +1779,7 @@
           <a:p>
             <a:pPr lvl="0"/>
             <a:r>
-              <a:rPr lang="tr-TR" smtClean="0"/>
+              <a:rPr lang="tr-TR"/>
               <a:t>Asıl metin stillerini düzenlemek için tıklatın</a:t>
             </a:r>
           </a:p>
@@ -1807,35 +1807,35 @@
           <a:p>
             <a:pPr lvl="0"/>
             <a:r>
-              <a:rPr lang="tr-TR" smtClean="0"/>
+              <a:rPr lang="tr-TR"/>
               <a:t>Asıl metin stillerini düzenlemek için tıklatın</a:t>
             </a:r>
           </a:p>
           <a:p>
             <a:pPr lvl="1"/>
             <a:r>
-              <a:rPr lang="tr-TR" smtClean="0"/>
+              <a:rPr lang="tr-TR"/>
               <a:t>İkinci düzey</a:t>
             </a:r>
           </a:p>
           <a:p>
             <a:pPr lvl="2"/>
             <a:r>
-              <a:rPr lang="tr-TR" smtClean="0"/>
+              <a:rPr lang="tr-TR"/>
               <a:t>Üçüncü düzey</a:t>
             </a:r>
           </a:p>
           <a:p>
             <a:pPr lvl="3"/>
             <a:r>
-              <a:rPr lang="tr-TR" smtClean="0"/>
+              <a:rPr lang="tr-TR"/>
               <a:t>Dördüncü düzey</a:t>
             </a:r>
           </a:p>
           <a:p>
             <a:pPr lvl="4"/>
             <a:r>
-              <a:rPr lang="tr-TR" smtClean="0"/>
+              <a:rPr lang="tr-TR"/>
               <a:t>Beşinci düzey</a:t>
             </a:r>
             <a:endParaRPr lang="en-US"/>
@@ -1901,7 +1901,7 @@
           <a:p>
             <a:pPr lvl="0"/>
             <a:r>
-              <a:rPr lang="tr-TR" smtClean="0"/>
+              <a:rPr lang="tr-TR"/>
               <a:t>Asıl metin stillerini düzenlemek için tıklatın</a:t>
             </a:r>
           </a:p>
@@ -1929,35 +1929,35 @@
           <a:p>
             <a:pPr lvl="0"/>
             <a:r>
-              <a:rPr lang="tr-TR" smtClean="0"/>
+              <a:rPr lang="tr-TR"/>
               <a:t>Asıl metin stillerini düzenlemek için tıklatın</a:t>
             </a:r>
           </a:p>
           <a:p>
             <a:pPr lvl="1"/>
             <a:r>
-              <a:rPr lang="tr-TR" smtClean="0"/>
+              <a:rPr lang="tr-TR"/>
               <a:t>İkinci düzey</a:t>
             </a:r>
           </a:p>
           <a:p>
             <a:pPr lvl="2"/>
             <a:r>
-              <a:rPr lang="tr-TR" smtClean="0"/>
+              <a:rPr lang="tr-TR"/>
               <a:t>Üçüncü düzey</a:t>
             </a:r>
           </a:p>
           <a:p>
             <a:pPr lvl="3"/>
             <a:r>
-              <a:rPr lang="tr-TR" smtClean="0"/>
+              <a:rPr lang="tr-TR"/>
               <a:t>Dördüncü düzey</a:t>
             </a:r>
           </a:p>
           <a:p>
             <a:pPr lvl="4"/>
             <a:r>
-              <a:rPr lang="tr-TR" smtClean="0"/>
+              <a:rPr lang="tr-TR"/>
               <a:t>Beşinci düzey</a:t>
             </a:r>
             <a:endParaRPr lang="en-US"/>
@@ -1981,7 +1981,7 @@
           <a:p>
             <a:fld id="{54AA066D-271F-4C1A-B89A-0705A7689EE9}" type="datetimeFigureOut">
               <a:rPr lang="en-US" smtClean="0"/>
-              <a:t>4/13/2018</a:t>
+              <a:t>10/4/2019</a:t>
             </a:fld>
             <a:endParaRPr lang="en-US"/>
           </a:p>
@@ -2075,7 +2075,7 @@
           <a:lstStyle/>
           <a:p>
             <a:r>
-              <a:rPr lang="tr-TR" smtClean="0"/>
+              <a:rPr lang="tr-TR"/>
               <a:t>Asıl başlık stili için tıklatın</a:t>
             </a:r>
             <a:endParaRPr lang="en-US"/>
@@ -2099,7 +2099,7 @@
           <a:p>
             <a:fld id="{54AA066D-271F-4C1A-B89A-0705A7689EE9}" type="datetimeFigureOut">
               <a:rPr lang="en-US" smtClean="0"/>
-              <a:t>4/13/2018</a:t>
+              <a:t>10/4/2019</a:t>
             </a:fld>
             <a:endParaRPr lang="en-US"/>
           </a:p>
@@ -2194,7 +2194,7 @@
           <a:p>
             <a:fld id="{54AA066D-271F-4C1A-B89A-0705A7689EE9}" type="datetimeFigureOut">
               <a:rPr lang="en-US" smtClean="0"/>
-              <a:t>4/13/2018</a:t>
+              <a:t>10/4/2019</a:t>
             </a:fld>
             <a:endParaRPr lang="en-US"/>
           </a:p>
@@ -2297,7 +2297,7 @@
           </a:lstStyle>
           <a:p>
             <a:r>
-              <a:rPr lang="tr-TR" smtClean="0"/>
+              <a:rPr lang="tr-TR"/>
               <a:t>Asıl başlık stili için tıklatın</a:t>
             </a:r>
             <a:endParaRPr lang="en-US"/>
@@ -2354,35 +2354,35 @@
           <a:p>
             <a:pPr lvl="0"/>
             <a:r>
-              <a:rPr lang="tr-TR" smtClean="0"/>
+              <a:rPr lang="tr-TR"/>
               <a:t>Asıl metin stillerini düzenlemek için tıklatın</a:t>
             </a:r>
           </a:p>
           <a:p>
             <a:pPr lvl="1"/>
             <a:r>
-              <a:rPr lang="tr-TR" smtClean="0"/>
+              <a:rPr lang="tr-TR"/>
               <a:t>İkinci düzey</a:t>
             </a:r>
           </a:p>
           <a:p>
             <a:pPr lvl="2"/>
             <a:r>
-              <a:rPr lang="tr-TR" smtClean="0"/>
+              <a:rPr lang="tr-TR"/>
               <a:t>Üçüncü düzey</a:t>
             </a:r>
           </a:p>
           <a:p>
             <a:pPr lvl="3"/>
             <a:r>
-              <a:rPr lang="tr-TR" smtClean="0"/>
+              <a:rPr lang="tr-TR"/>
               <a:t>Dördüncü düzey</a:t>
             </a:r>
           </a:p>
           <a:p>
             <a:pPr lvl="4"/>
             <a:r>
-              <a:rPr lang="tr-TR" smtClean="0"/>
+              <a:rPr lang="tr-TR"/>
               <a:t>Beşinci düzey</a:t>
             </a:r>
             <a:endParaRPr lang="en-US"/>
@@ -2448,7 +2448,7 @@
           <a:p>
             <a:pPr lvl="0"/>
             <a:r>
-              <a:rPr lang="tr-TR" smtClean="0"/>
+              <a:rPr lang="tr-TR"/>
               <a:t>Asıl metin stillerini düzenlemek için tıklatın</a:t>
             </a:r>
           </a:p>
@@ -2471,7 +2471,7 @@
           <a:p>
             <a:fld id="{54AA066D-271F-4C1A-B89A-0705A7689EE9}" type="datetimeFigureOut">
               <a:rPr lang="en-US" smtClean="0"/>
-              <a:t>4/13/2018</a:t>
+              <a:t>10/4/2019</a:t>
             </a:fld>
             <a:endParaRPr lang="en-US"/>
           </a:p>
@@ -2574,7 +2574,7 @@
           </a:lstStyle>
           <a:p>
             <a:r>
-              <a:rPr lang="tr-TR" smtClean="0"/>
+              <a:rPr lang="tr-TR"/>
               <a:t>Asıl başlık stili için tıklatın</a:t>
             </a:r>
             <a:endParaRPr lang="en-US"/>
@@ -2701,7 +2701,7 @@
           <a:p>
             <a:pPr lvl="0"/>
             <a:r>
-              <a:rPr lang="tr-TR" smtClean="0"/>
+              <a:rPr lang="tr-TR"/>
               <a:t>Asıl metin stillerini düzenlemek için tıklatın</a:t>
             </a:r>
           </a:p>
@@ -2724,7 +2724,7 @@
           <a:p>
             <a:fld id="{54AA066D-271F-4C1A-B89A-0705A7689EE9}" type="datetimeFigureOut">
               <a:rPr lang="en-US" smtClean="0"/>
-              <a:t>4/13/2018</a:t>
+              <a:t>10/4/2019</a:t>
             </a:fld>
             <a:endParaRPr lang="en-US"/>
           </a:p>
@@ -2833,7 +2833,7 @@
           <a:lstStyle/>
           <a:p>
             <a:r>
-              <a:rPr lang="tr-TR" smtClean="0"/>
+              <a:rPr lang="tr-TR"/>
               <a:t>Asıl başlık stili için tıklatın</a:t>
             </a:r>
             <a:endParaRPr lang="en-US"/>
@@ -2867,35 +2867,35 @@
           <a:p>
             <a:pPr lvl="0"/>
             <a:r>
-              <a:rPr lang="tr-TR" smtClean="0"/>
+              <a:rPr lang="tr-TR"/>
               <a:t>Asıl metin stillerini düzenlemek için tıklatın</a:t>
             </a:r>
           </a:p>
           <a:p>
             <a:pPr lvl="1"/>
             <a:r>
-              <a:rPr lang="tr-TR" smtClean="0"/>
+              <a:rPr lang="tr-TR"/>
               <a:t>İkinci düzey</a:t>
             </a:r>
           </a:p>
           <a:p>
             <a:pPr lvl="2"/>
             <a:r>
-              <a:rPr lang="tr-TR" smtClean="0"/>
+              <a:rPr lang="tr-TR"/>
               <a:t>Üçüncü düzey</a:t>
             </a:r>
           </a:p>
           <a:p>
             <a:pPr lvl="3"/>
             <a:r>
-              <a:rPr lang="tr-TR" smtClean="0"/>
+              <a:rPr lang="tr-TR"/>
               <a:t>Dördüncü düzey</a:t>
             </a:r>
           </a:p>
           <a:p>
             <a:pPr lvl="4"/>
             <a:r>
-              <a:rPr lang="tr-TR" smtClean="0"/>
+              <a:rPr lang="tr-TR"/>
               <a:t>Beşinci düzey</a:t>
             </a:r>
             <a:endParaRPr lang="en-US"/>
@@ -2937,7 +2937,7 @@
           <a:p>
             <a:fld id="{54AA066D-271F-4C1A-B89A-0705A7689EE9}" type="datetimeFigureOut">
               <a:rPr lang="en-US" smtClean="0"/>
-              <a:t>4/13/2018</a:t>
+              <a:t>10/4/2019</a:t>
             </a:fld>
             <a:endParaRPr lang="en-US"/>
           </a:p>
@@ -3379,369 +3379,6 @@
           </a:fontRef>
         </p:style>
       </p:cxnSp>
-      <p:grpSp>
-        <p:nvGrpSpPr>
-          <p:cNvPr id="15" name="Grup 14"/>
-          <p:cNvGrpSpPr/>
-          <p:nvPr/>
-        </p:nvGrpSpPr>
-        <p:grpSpPr>
-          <a:xfrm>
-            <a:off x="228596" y="6231467"/>
-            <a:ext cx="3041654" cy="492576"/>
-            <a:chOff x="228596" y="6231467"/>
-            <a:chExt cx="3041654" cy="492576"/>
-          </a:xfrm>
-        </p:grpSpPr>
-        <p:grpSp>
-          <p:nvGrpSpPr>
-            <p:cNvPr id="8" name="Grup 7"/>
-            <p:cNvGrpSpPr/>
-            <p:nvPr/>
-          </p:nvGrpSpPr>
-          <p:grpSpPr>
-            <a:xfrm>
-              <a:off x="228596" y="6231467"/>
-              <a:ext cx="2802471" cy="457084"/>
-              <a:chOff x="127000" y="5901146"/>
-              <a:chExt cx="5156200" cy="838200"/>
-            </a:xfrm>
-          </p:grpSpPr>
-          <p:sp>
-            <p:nvSpPr>
-              <p:cNvPr id="7" name="Dikdörtgen 6"/>
-              <p:cNvSpPr/>
-              <p:nvPr/>
-            </p:nvSpPr>
-            <p:spPr>
-              <a:xfrm>
-                <a:off x="127000" y="5901146"/>
-                <a:ext cx="5156200" cy="838200"/>
-              </a:xfrm>
-              <a:prstGeom prst="rect">
-                <a:avLst/>
-              </a:prstGeom>
-              <a:solidFill>
-                <a:schemeClr val="bg1">
-                  <a:lumMod val="95000"/>
-                </a:schemeClr>
-              </a:solidFill>
-              <a:ln>
-                <a:noFill/>
-              </a:ln>
-            </p:spPr>
-            <p:style>
-              <a:lnRef idx="2">
-                <a:schemeClr val="accent1">
-                  <a:shade val="50000"/>
-                </a:schemeClr>
-              </a:lnRef>
-              <a:fillRef idx="1">
-                <a:schemeClr val="accent1"/>
-              </a:fillRef>
-              <a:effectRef idx="0">
-                <a:schemeClr val="accent1"/>
-              </a:effectRef>
-              <a:fontRef idx="minor">
-                <a:schemeClr val="lt1"/>
-              </a:fontRef>
-            </p:style>
-            <p:txBody>
-              <a:bodyPr rtlCol="0" anchor="ctr"/>
-              <a:lstStyle/>
-              <a:p>
-                <a:pPr algn="ctr"/>
-                <a:endParaRPr lang="en-US" sz="2000"/>
-              </a:p>
-            </p:txBody>
-          </p:sp>
-          <p:grpSp>
-            <p:nvGrpSpPr>
-              <p:cNvPr id="6" name="Grup 5"/>
-              <p:cNvGrpSpPr/>
-              <p:nvPr/>
-            </p:nvGrpSpPr>
-            <p:grpSpPr>
-              <a:xfrm>
-                <a:off x="211667" y="6019800"/>
-                <a:ext cx="5012266" cy="605115"/>
-                <a:chOff x="211667" y="6019800"/>
-                <a:chExt cx="5012266" cy="605115"/>
-              </a:xfrm>
-            </p:grpSpPr>
-            <p:pic>
-              <p:nvPicPr>
-                <p:cNvPr id="4" name="Resim 3"/>
-                <p:cNvPicPr>
-                  <a:picLocks noChangeAspect="1"/>
-                </p:cNvPicPr>
-                <p:nvPr/>
-              </p:nvPicPr>
-              <p:blipFill rotWithShape="1">
-                <a:blip r:embed="rId2" cstate="print">
-                  <a:extLst>
-                    <a:ext uri="{28A0092B-C50C-407E-A947-70E740481C1C}">
-                      <a14:useLocalDpi xmlns:a14="http://schemas.microsoft.com/office/drawing/2010/main" val="0"/>
-                    </a:ext>
-                  </a:extLst>
-                </a:blip>
-                <a:srcRect l="24387" t="8319" r="18355" b="50150"/>
-                <a:stretch/>
-              </p:blipFill>
-              <p:spPr>
-                <a:xfrm>
-                  <a:off x="211667" y="6019800"/>
-                  <a:ext cx="1072095" cy="600892"/>
-                </a:xfrm>
-                <a:prstGeom prst="rect">
-                  <a:avLst/>
-                </a:prstGeom>
-              </p:spPr>
-            </p:pic>
-            <p:sp>
-              <p:nvSpPr>
-                <p:cNvPr id="5" name="Unvan 1"/>
-                <p:cNvSpPr txBox="1">
-                  <a:spLocks/>
-                </p:cNvSpPr>
-                <p:nvPr/>
-              </p:nvSpPr>
-              <p:spPr>
-                <a:xfrm>
-                  <a:off x="1283763" y="6024023"/>
-                  <a:ext cx="3940170" cy="600892"/>
-                </a:xfrm>
-                <a:prstGeom prst="rect">
-                  <a:avLst/>
-                </a:prstGeom>
-              </p:spPr>
-              <p:txBody>
-                <a:bodyPr vert="horz" lIns="91440" tIns="45720" rIns="91440" bIns="45720" rtlCol="0" anchor="b">
-                  <a:noAutofit/>
-                </a:bodyPr>
-                <a:lstStyle>
-                  <a:lvl1pPr algn="ctr" defTabSz="914400" rtl="0" eaLnBrk="1" latinLnBrk="0" hangingPunct="1">
-                    <a:lnSpc>
-                      <a:spcPct val="90000"/>
-                    </a:lnSpc>
-                    <a:spcBef>
-                      <a:spcPct val="0"/>
-                    </a:spcBef>
-                    <a:buNone/>
-                    <a:defRPr sz="6000" kern="1200">
-                      <a:solidFill>
-                        <a:schemeClr val="tx1"/>
-                      </a:solidFill>
-                      <a:latin typeface="+mj-lt"/>
-                      <a:ea typeface="+mj-ea"/>
-                      <a:cs typeface="+mj-cs"/>
-                    </a:defRPr>
-                  </a:lvl1pPr>
-                </a:lstStyle>
-                <a:p>
-                  <a:pPr algn="l"/>
-                  <a:r>
-                    <a:rPr lang="tr-TR" sz="2000" dirty="0" smtClean="0">
-                      <a:solidFill>
-                        <a:srgbClr val="CB171F"/>
-                      </a:solidFill>
-                      <a:latin typeface="Constantia" panose="02030602050306030303" pitchFamily="18" charset="0"/>
-                      <a:ea typeface="Verdana" panose="020B0604030504040204" pitchFamily="34" charset="0"/>
-                      <a:cs typeface="Arial" panose="020B0604020202020204" pitchFamily="34" charset="0"/>
-                    </a:rPr>
-                    <a:t>Veri Bilimi Okulu</a:t>
-                  </a:r>
-                  <a:endParaRPr lang="en-US" sz="2000" dirty="0">
-                    <a:solidFill>
-                      <a:srgbClr val="CB171F"/>
-                    </a:solidFill>
-                    <a:latin typeface="Constantia" panose="02030602050306030303" pitchFamily="18" charset="0"/>
-                    <a:ea typeface="Verdana" panose="020B0604030504040204" pitchFamily="34" charset="0"/>
-                    <a:cs typeface="Arial" panose="020B0604020202020204" pitchFamily="34" charset="0"/>
-                  </a:endParaRPr>
-                </a:p>
-              </p:txBody>
-            </p:sp>
-          </p:grpSp>
-        </p:grpSp>
-        <p:sp>
-          <p:nvSpPr>
-            <p:cNvPr id="12" name="Metin kutusu 11"/>
-            <p:cNvSpPr txBox="1"/>
-            <p:nvPr/>
-          </p:nvSpPr>
-          <p:spPr>
-            <a:xfrm>
-              <a:off x="1582782" y="6493211"/>
-              <a:ext cx="1687468" cy="230832"/>
-            </a:xfrm>
-            <a:prstGeom prst="rect">
-              <a:avLst/>
-            </a:prstGeom>
-            <a:noFill/>
-          </p:spPr>
-          <p:txBody>
-            <a:bodyPr wrap="square" rtlCol="0">
-              <a:spAutoFit/>
-            </a:bodyPr>
-            <a:lstStyle/>
-            <a:p>
-              <a:r>
-                <a:rPr lang="en-US" sz="900" dirty="0" smtClean="0">
-                  <a:solidFill>
-                    <a:srgbClr val="0B8043"/>
-                  </a:solidFill>
-                </a:rPr>
-                <a:t>https:</a:t>
-              </a:r>
-              <a:r>
-                <a:rPr lang="en-US" sz="900" dirty="0" smtClean="0">
-                  <a:solidFill>
-                    <a:schemeClr val="bg1">
-                      <a:lumMod val="50000"/>
-                    </a:schemeClr>
-                  </a:solidFill>
-                </a:rPr>
-                <a:t>//www.veribilimi.co</a:t>
-              </a:r>
-              <a:endParaRPr lang="en-US" sz="900" dirty="0">
-                <a:solidFill>
-                  <a:schemeClr val="bg1">
-                    <a:lumMod val="50000"/>
-                  </a:schemeClr>
-                </a:solidFill>
-              </a:endParaRPr>
-            </a:p>
-          </p:txBody>
-        </p:sp>
-      </p:grpSp>
-      <p:grpSp>
-        <p:nvGrpSpPr>
-          <p:cNvPr id="11" name="Grup 10"/>
-          <p:cNvGrpSpPr/>
-          <p:nvPr/>
-        </p:nvGrpSpPr>
-        <p:grpSpPr>
-          <a:xfrm>
-            <a:off x="9194796" y="6231467"/>
-            <a:ext cx="2802471" cy="457084"/>
-            <a:chOff x="184993" y="5905369"/>
-            <a:chExt cx="5156200" cy="838200"/>
-          </a:xfrm>
-        </p:grpSpPr>
-        <p:sp>
-          <p:nvSpPr>
-            <p:cNvPr id="13" name="Dikdörtgen 12"/>
-            <p:cNvSpPr/>
-            <p:nvPr/>
-          </p:nvSpPr>
-          <p:spPr>
-            <a:xfrm>
-              <a:off x="184993" y="5905369"/>
-              <a:ext cx="5156200" cy="838200"/>
-            </a:xfrm>
-            <a:prstGeom prst="rect">
-              <a:avLst/>
-            </a:prstGeom>
-            <a:solidFill>
-              <a:schemeClr val="bg1">
-                <a:lumMod val="95000"/>
-              </a:schemeClr>
-            </a:solidFill>
-            <a:ln>
-              <a:noFill/>
-            </a:ln>
-          </p:spPr>
-          <p:style>
-            <a:lnRef idx="2">
-              <a:schemeClr val="accent1">
-                <a:shade val="50000"/>
-              </a:schemeClr>
-            </a:lnRef>
-            <a:fillRef idx="1">
-              <a:schemeClr val="accent1"/>
-            </a:fillRef>
-            <a:effectRef idx="0">
-              <a:schemeClr val="accent1"/>
-            </a:effectRef>
-            <a:fontRef idx="minor">
-              <a:schemeClr val="lt1"/>
-            </a:fontRef>
-          </p:style>
-          <p:txBody>
-            <a:bodyPr rtlCol="0" anchor="ctr"/>
-            <a:lstStyle/>
-            <a:p>
-              <a:pPr algn="ctr"/>
-              <a:endParaRPr lang="en-US" sz="2000"/>
-            </a:p>
-          </p:txBody>
-        </p:sp>
-        <p:sp>
-          <p:nvSpPr>
-            <p:cNvPr id="14" name="Unvan 1"/>
-            <p:cNvSpPr txBox="1">
-              <a:spLocks/>
-            </p:cNvSpPr>
-            <p:nvPr/>
-          </p:nvSpPr>
-          <p:spPr>
-            <a:xfrm>
-              <a:off x="302252" y="6024023"/>
-              <a:ext cx="4921678" cy="600892"/>
-            </a:xfrm>
-            <a:prstGeom prst="rect">
-              <a:avLst/>
-            </a:prstGeom>
-          </p:spPr>
-          <p:txBody>
-            <a:bodyPr vert="horz" lIns="91440" tIns="45720" rIns="91440" bIns="45720" rtlCol="0" anchor="b">
-              <a:noAutofit/>
-            </a:bodyPr>
-            <a:lstStyle>
-              <a:lvl1pPr algn="ctr" defTabSz="914400" rtl="0" eaLnBrk="1" latinLnBrk="0" hangingPunct="1">
-                <a:lnSpc>
-                  <a:spcPct val="90000"/>
-                </a:lnSpc>
-                <a:spcBef>
-                  <a:spcPct val="0"/>
-                </a:spcBef>
-                <a:buNone/>
-                <a:defRPr sz="6000" kern="1200">
-                  <a:solidFill>
-                    <a:schemeClr val="tx1"/>
-                  </a:solidFill>
-                  <a:latin typeface="+mj-lt"/>
-                  <a:ea typeface="+mj-ea"/>
-                  <a:cs typeface="+mj-cs"/>
-                </a:defRPr>
-              </a:lvl1pPr>
-            </a:lstStyle>
-            <a:p>
-              <a:pPr algn="l"/>
-              <a:r>
-                <a:rPr lang="tr-TR" sz="2000" dirty="0">
-                  <a:solidFill>
-                    <a:srgbClr val="CB171F"/>
-                  </a:solidFill>
-                  <a:latin typeface="Constantia" panose="02030602050306030303" pitchFamily="18" charset="0"/>
-                  <a:ea typeface="Verdana" panose="020B0604030504040204" pitchFamily="34" charset="0"/>
-                  <a:cs typeface="Arial" panose="020B0604020202020204" pitchFamily="34" charset="0"/>
-                </a:rPr>
-                <a:t>A’dan Z’ye Büyük Veri</a:t>
-              </a:r>
-              <a:endParaRPr lang="en-US" sz="2000" dirty="0">
-                <a:solidFill>
-                  <a:srgbClr val="CB171F"/>
-                </a:solidFill>
-                <a:latin typeface="Constantia" panose="02030602050306030303" pitchFamily="18" charset="0"/>
-                <a:ea typeface="Verdana" panose="020B0604030504040204" pitchFamily="34" charset="0"/>
-                <a:cs typeface="Arial" panose="020B0604020202020204" pitchFamily="34" charset="0"/>
-              </a:endParaRPr>
-            </a:p>
-          </p:txBody>
-        </p:sp>
-      </p:grpSp>
       <p:pic>
         <p:nvPicPr>
           <p:cNvPr id="2" name="Resim 1"/>
@@ -3751,7 +3388,7 @@
           <p:nvPr/>
         </p:nvPicPr>
         <p:blipFill>
-          <a:blip r:embed="rId3">
+          <a:blip r:embed="rId2">
             <a:extLst>
               <a:ext uri="{28A0092B-C50C-407E-A947-70E740481C1C}">
                 <a14:useLocalDpi xmlns:a14="http://schemas.microsoft.com/office/drawing/2010/main" val="0"/>
@@ -3795,7 +3432,7 @@
           <a:lstStyle/>
           <a:p>
             <a:r>
-              <a:rPr lang="tr-TR" sz="4200" b="1" dirty="0" err="1" smtClean="0">
+              <a:rPr lang="tr-TR" sz="4200" b="1" dirty="0" err="1">
                 <a:solidFill>
                   <a:srgbClr val="CD1F26"/>
                 </a:solidFill>
@@ -3806,7 +3443,7 @@
               <a:t>Low</a:t>
             </a:r>
             <a:r>
-              <a:rPr lang="tr-TR" sz="4200" b="1" dirty="0" smtClean="0">
+              <a:rPr lang="tr-TR" sz="4200" b="1" dirty="0">
                 <a:solidFill>
                   <a:srgbClr val="CD1F26"/>
                 </a:solidFill>
@@ -3837,13 +3474,6 @@
   <p:clrMapOvr>
     <a:masterClrMapping/>
   </p:clrMapOvr>
-  <p:timing>
-    <p:tnLst>
-      <p:par>
-        <p:cTn id="1" dur="indefinite" restart="never" nodeType="tmRoot"/>
-      </p:par>
-    </p:tnLst>
-  </p:timing>
 </p:sld>
 </file>
 
@@ -3901,369 +3531,6 @@
           </a:fontRef>
         </p:style>
       </p:cxnSp>
-      <p:grpSp>
-        <p:nvGrpSpPr>
-          <p:cNvPr id="15" name="Grup 14"/>
-          <p:cNvGrpSpPr/>
-          <p:nvPr/>
-        </p:nvGrpSpPr>
-        <p:grpSpPr>
-          <a:xfrm>
-            <a:off x="228596" y="6231467"/>
-            <a:ext cx="3041654" cy="492576"/>
-            <a:chOff x="228596" y="6231467"/>
-            <a:chExt cx="3041654" cy="492576"/>
-          </a:xfrm>
-        </p:grpSpPr>
-        <p:grpSp>
-          <p:nvGrpSpPr>
-            <p:cNvPr id="8" name="Grup 7"/>
-            <p:cNvGrpSpPr/>
-            <p:nvPr/>
-          </p:nvGrpSpPr>
-          <p:grpSpPr>
-            <a:xfrm>
-              <a:off x="228596" y="6231467"/>
-              <a:ext cx="2802471" cy="457084"/>
-              <a:chOff x="127000" y="5901146"/>
-              <a:chExt cx="5156200" cy="838200"/>
-            </a:xfrm>
-          </p:grpSpPr>
-          <p:sp>
-            <p:nvSpPr>
-              <p:cNvPr id="7" name="Dikdörtgen 6"/>
-              <p:cNvSpPr/>
-              <p:nvPr/>
-            </p:nvSpPr>
-            <p:spPr>
-              <a:xfrm>
-                <a:off x="127000" y="5901146"/>
-                <a:ext cx="5156200" cy="838200"/>
-              </a:xfrm>
-              <a:prstGeom prst="rect">
-                <a:avLst/>
-              </a:prstGeom>
-              <a:solidFill>
-                <a:schemeClr val="bg1">
-                  <a:lumMod val="95000"/>
-                </a:schemeClr>
-              </a:solidFill>
-              <a:ln>
-                <a:noFill/>
-              </a:ln>
-            </p:spPr>
-            <p:style>
-              <a:lnRef idx="2">
-                <a:schemeClr val="accent1">
-                  <a:shade val="50000"/>
-                </a:schemeClr>
-              </a:lnRef>
-              <a:fillRef idx="1">
-                <a:schemeClr val="accent1"/>
-              </a:fillRef>
-              <a:effectRef idx="0">
-                <a:schemeClr val="accent1"/>
-              </a:effectRef>
-              <a:fontRef idx="minor">
-                <a:schemeClr val="lt1"/>
-              </a:fontRef>
-            </p:style>
-            <p:txBody>
-              <a:bodyPr rtlCol="0" anchor="ctr"/>
-              <a:lstStyle/>
-              <a:p>
-                <a:pPr algn="ctr"/>
-                <a:endParaRPr lang="en-US" sz="2000"/>
-              </a:p>
-            </p:txBody>
-          </p:sp>
-          <p:grpSp>
-            <p:nvGrpSpPr>
-              <p:cNvPr id="6" name="Grup 5"/>
-              <p:cNvGrpSpPr/>
-              <p:nvPr/>
-            </p:nvGrpSpPr>
-            <p:grpSpPr>
-              <a:xfrm>
-                <a:off x="211667" y="6019800"/>
-                <a:ext cx="5012266" cy="605115"/>
-                <a:chOff x="211667" y="6019800"/>
-                <a:chExt cx="5012266" cy="605115"/>
-              </a:xfrm>
-            </p:grpSpPr>
-            <p:pic>
-              <p:nvPicPr>
-                <p:cNvPr id="4" name="Resim 3"/>
-                <p:cNvPicPr>
-                  <a:picLocks noChangeAspect="1"/>
-                </p:cNvPicPr>
-                <p:nvPr/>
-              </p:nvPicPr>
-              <p:blipFill rotWithShape="1">
-                <a:blip r:embed="rId2" cstate="print">
-                  <a:extLst>
-                    <a:ext uri="{28A0092B-C50C-407E-A947-70E740481C1C}">
-                      <a14:useLocalDpi xmlns:a14="http://schemas.microsoft.com/office/drawing/2010/main" val="0"/>
-                    </a:ext>
-                  </a:extLst>
-                </a:blip>
-                <a:srcRect l="24387" t="8319" r="18355" b="50150"/>
-                <a:stretch/>
-              </p:blipFill>
-              <p:spPr>
-                <a:xfrm>
-                  <a:off x="211667" y="6019800"/>
-                  <a:ext cx="1072095" cy="600892"/>
-                </a:xfrm>
-                <a:prstGeom prst="rect">
-                  <a:avLst/>
-                </a:prstGeom>
-              </p:spPr>
-            </p:pic>
-            <p:sp>
-              <p:nvSpPr>
-                <p:cNvPr id="5" name="Unvan 1"/>
-                <p:cNvSpPr txBox="1">
-                  <a:spLocks/>
-                </p:cNvSpPr>
-                <p:nvPr/>
-              </p:nvSpPr>
-              <p:spPr>
-                <a:xfrm>
-                  <a:off x="1283763" y="6024023"/>
-                  <a:ext cx="3940170" cy="600892"/>
-                </a:xfrm>
-                <a:prstGeom prst="rect">
-                  <a:avLst/>
-                </a:prstGeom>
-              </p:spPr>
-              <p:txBody>
-                <a:bodyPr vert="horz" lIns="91440" tIns="45720" rIns="91440" bIns="45720" rtlCol="0" anchor="b">
-                  <a:noAutofit/>
-                </a:bodyPr>
-                <a:lstStyle>
-                  <a:lvl1pPr algn="ctr" defTabSz="914400" rtl="0" eaLnBrk="1" latinLnBrk="0" hangingPunct="1">
-                    <a:lnSpc>
-                      <a:spcPct val="90000"/>
-                    </a:lnSpc>
-                    <a:spcBef>
-                      <a:spcPct val="0"/>
-                    </a:spcBef>
-                    <a:buNone/>
-                    <a:defRPr sz="6000" kern="1200">
-                      <a:solidFill>
-                        <a:schemeClr val="tx1"/>
-                      </a:solidFill>
-                      <a:latin typeface="+mj-lt"/>
-                      <a:ea typeface="+mj-ea"/>
-                      <a:cs typeface="+mj-cs"/>
-                    </a:defRPr>
-                  </a:lvl1pPr>
-                </a:lstStyle>
-                <a:p>
-                  <a:pPr algn="l"/>
-                  <a:r>
-                    <a:rPr lang="tr-TR" sz="2000" dirty="0" smtClean="0">
-                      <a:solidFill>
-                        <a:srgbClr val="CB171F"/>
-                      </a:solidFill>
-                      <a:latin typeface="Constantia" panose="02030602050306030303" pitchFamily="18" charset="0"/>
-                      <a:ea typeface="Verdana" panose="020B0604030504040204" pitchFamily="34" charset="0"/>
-                      <a:cs typeface="Arial" panose="020B0604020202020204" pitchFamily="34" charset="0"/>
-                    </a:rPr>
-                    <a:t>Veri Bilimi Okulu</a:t>
-                  </a:r>
-                  <a:endParaRPr lang="en-US" sz="2000" dirty="0">
-                    <a:solidFill>
-                      <a:srgbClr val="CB171F"/>
-                    </a:solidFill>
-                    <a:latin typeface="Constantia" panose="02030602050306030303" pitchFamily="18" charset="0"/>
-                    <a:ea typeface="Verdana" panose="020B0604030504040204" pitchFamily="34" charset="0"/>
-                    <a:cs typeface="Arial" panose="020B0604020202020204" pitchFamily="34" charset="0"/>
-                  </a:endParaRPr>
-                </a:p>
-              </p:txBody>
-            </p:sp>
-          </p:grpSp>
-        </p:grpSp>
-        <p:sp>
-          <p:nvSpPr>
-            <p:cNvPr id="12" name="Metin kutusu 11"/>
-            <p:cNvSpPr txBox="1"/>
-            <p:nvPr/>
-          </p:nvSpPr>
-          <p:spPr>
-            <a:xfrm>
-              <a:off x="1582782" y="6493211"/>
-              <a:ext cx="1687468" cy="230832"/>
-            </a:xfrm>
-            <a:prstGeom prst="rect">
-              <a:avLst/>
-            </a:prstGeom>
-            <a:noFill/>
-          </p:spPr>
-          <p:txBody>
-            <a:bodyPr wrap="square" rtlCol="0">
-              <a:spAutoFit/>
-            </a:bodyPr>
-            <a:lstStyle/>
-            <a:p>
-              <a:r>
-                <a:rPr lang="en-US" sz="900" dirty="0" smtClean="0">
-                  <a:solidFill>
-                    <a:srgbClr val="0B8043"/>
-                  </a:solidFill>
-                </a:rPr>
-                <a:t>https:</a:t>
-              </a:r>
-              <a:r>
-                <a:rPr lang="en-US" sz="900" dirty="0" smtClean="0">
-                  <a:solidFill>
-                    <a:schemeClr val="bg1">
-                      <a:lumMod val="50000"/>
-                    </a:schemeClr>
-                  </a:solidFill>
-                </a:rPr>
-                <a:t>//www.veribilimi.co</a:t>
-              </a:r>
-              <a:endParaRPr lang="en-US" sz="900" dirty="0">
-                <a:solidFill>
-                  <a:schemeClr val="bg1">
-                    <a:lumMod val="50000"/>
-                  </a:schemeClr>
-                </a:solidFill>
-              </a:endParaRPr>
-            </a:p>
-          </p:txBody>
-        </p:sp>
-      </p:grpSp>
-      <p:grpSp>
-        <p:nvGrpSpPr>
-          <p:cNvPr id="11" name="Grup 10"/>
-          <p:cNvGrpSpPr/>
-          <p:nvPr/>
-        </p:nvGrpSpPr>
-        <p:grpSpPr>
-          <a:xfrm>
-            <a:off x="9194796" y="6231467"/>
-            <a:ext cx="2802471" cy="457084"/>
-            <a:chOff x="184993" y="5905369"/>
-            <a:chExt cx="5156200" cy="838200"/>
-          </a:xfrm>
-        </p:grpSpPr>
-        <p:sp>
-          <p:nvSpPr>
-            <p:cNvPr id="13" name="Dikdörtgen 12"/>
-            <p:cNvSpPr/>
-            <p:nvPr/>
-          </p:nvSpPr>
-          <p:spPr>
-            <a:xfrm>
-              <a:off x="184993" y="5905369"/>
-              <a:ext cx="5156200" cy="838200"/>
-            </a:xfrm>
-            <a:prstGeom prst="rect">
-              <a:avLst/>
-            </a:prstGeom>
-            <a:solidFill>
-              <a:schemeClr val="bg1">
-                <a:lumMod val="95000"/>
-              </a:schemeClr>
-            </a:solidFill>
-            <a:ln>
-              <a:noFill/>
-            </a:ln>
-          </p:spPr>
-          <p:style>
-            <a:lnRef idx="2">
-              <a:schemeClr val="accent1">
-                <a:shade val="50000"/>
-              </a:schemeClr>
-            </a:lnRef>
-            <a:fillRef idx="1">
-              <a:schemeClr val="accent1"/>
-            </a:fillRef>
-            <a:effectRef idx="0">
-              <a:schemeClr val="accent1"/>
-            </a:effectRef>
-            <a:fontRef idx="minor">
-              <a:schemeClr val="lt1"/>
-            </a:fontRef>
-          </p:style>
-          <p:txBody>
-            <a:bodyPr rtlCol="0" anchor="ctr"/>
-            <a:lstStyle/>
-            <a:p>
-              <a:pPr algn="ctr"/>
-              <a:endParaRPr lang="en-US" sz="2000"/>
-            </a:p>
-          </p:txBody>
-        </p:sp>
-        <p:sp>
-          <p:nvSpPr>
-            <p:cNvPr id="14" name="Unvan 1"/>
-            <p:cNvSpPr txBox="1">
-              <a:spLocks/>
-            </p:cNvSpPr>
-            <p:nvPr/>
-          </p:nvSpPr>
-          <p:spPr>
-            <a:xfrm>
-              <a:off x="302252" y="6024023"/>
-              <a:ext cx="4921678" cy="600892"/>
-            </a:xfrm>
-            <a:prstGeom prst="rect">
-              <a:avLst/>
-            </a:prstGeom>
-          </p:spPr>
-          <p:txBody>
-            <a:bodyPr vert="horz" lIns="91440" tIns="45720" rIns="91440" bIns="45720" rtlCol="0" anchor="b">
-              <a:noAutofit/>
-            </a:bodyPr>
-            <a:lstStyle>
-              <a:lvl1pPr algn="ctr" defTabSz="914400" rtl="0" eaLnBrk="1" latinLnBrk="0" hangingPunct="1">
-                <a:lnSpc>
-                  <a:spcPct val="90000"/>
-                </a:lnSpc>
-                <a:spcBef>
-                  <a:spcPct val="0"/>
-                </a:spcBef>
-                <a:buNone/>
-                <a:defRPr sz="6000" kern="1200">
-                  <a:solidFill>
-                    <a:schemeClr val="tx1"/>
-                  </a:solidFill>
-                  <a:latin typeface="+mj-lt"/>
-                  <a:ea typeface="+mj-ea"/>
-                  <a:cs typeface="+mj-cs"/>
-                </a:defRPr>
-              </a:lvl1pPr>
-            </a:lstStyle>
-            <a:p>
-              <a:pPr algn="l"/>
-              <a:r>
-                <a:rPr lang="tr-TR" sz="2000" dirty="0">
-                  <a:solidFill>
-                    <a:srgbClr val="CB171F"/>
-                  </a:solidFill>
-                  <a:latin typeface="Constantia" panose="02030602050306030303" pitchFamily="18" charset="0"/>
-                  <a:ea typeface="Verdana" panose="020B0604030504040204" pitchFamily="34" charset="0"/>
-                  <a:cs typeface="Arial" panose="020B0604020202020204" pitchFamily="34" charset="0"/>
-                </a:rPr>
-                <a:t>A’dan Z’ye Büyük Veri</a:t>
-              </a:r>
-              <a:endParaRPr lang="en-US" sz="2000" dirty="0">
-                <a:solidFill>
-                  <a:srgbClr val="CB171F"/>
-                </a:solidFill>
-                <a:latin typeface="Constantia" panose="02030602050306030303" pitchFamily="18" charset="0"/>
-                <a:ea typeface="Verdana" panose="020B0604030504040204" pitchFamily="34" charset="0"/>
-                <a:cs typeface="Arial" panose="020B0604020202020204" pitchFamily="34" charset="0"/>
-              </a:endParaRPr>
-            </a:p>
-          </p:txBody>
-        </p:sp>
-      </p:grpSp>
       <p:sp>
         <p:nvSpPr>
           <p:cNvPr id="16" name="Unvan 1"/>
@@ -4287,7 +3554,7 @@
           <a:lstStyle/>
           <a:p>
             <a:r>
-              <a:rPr lang="tr-TR" sz="4200" b="1" dirty="0" err="1" smtClean="0">
+              <a:rPr lang="tr-TR" sz="4200" b="1" dirty="0" err="1">
                 <a:solidFill>
                   <a:srgbClr val="CD1F26"/>
                 </a:solidFill>
@@ -4298,7 +3565,7 @@
               <a:t>Low</a:t>
             </a:r>
             <a:r>
-              <a:rPr lang="tr-TR" sz="4200" b="1" dirty="0" smtClean="0">
+              <a:rPr lang="tr-TR" sz="4200" b="1" dirty="0">
                 <a:solidFill>
                   <a:srgbClr val="CD1F26"/>
                 </a:solidFill>
@@ -4309,7 +3576,7 @@
               <a:t> Level API (RDD </a:t>
             </a:r>
             <a:r>
-              <a:rPr lang="tr-TR" sz="4200" b="1" dirty="0" err="1" smtClean="0">
+              <a:rPr lang="tr-TR" sz="4200" b="1" dirty="0" err="1">
                 <a:solidFill>
                   <a:srgbClr val="CD1F26"/>
                 </a:solidFill>
@@ -4320,7 +3587,7 @@
               <a:t>Based</a:t>
             </a:r>
             <a:r>
-              <a:rPr lang="tr-TR" sz="4200" b="1" dirty="0" smtClean="0">
+              <a:rPr lang="tr-TR" sz="4200" b="1" dirty="0">
                 <a:solidFill>
                   <a:srgbClr val="CD1F26"/>
                 </a:solidFill>
@@ -4370,7 +3637,7 @@
               <a:buChar char="ü"/>
             </a:pPr>
             <a:r>
-              <a:rPr lang="tr-TR" sz="2400" dirty="0" smtClean="0">
+              <a:rPr lang="tr-TR" sz="2400" dirty="0">
                 <a:solidFill>
                   <a:srgbClr val="404041"/>
                 </a:solidFill>
@@ -4379,7 +3646,7 @@
               <a:t>Mümkün olduğunca </a:t>
             </a:r>
             <a:r>
-              <a:rPr lang="tr-TR" sz="2400" dirty="0" err="1" smtClean="0">
+              <a:rPr lang="tr-TR" sz="2400" dirty="0" err="1">
                 <a:solidFill>
                   <a:srgbClr val="404041"/>
                 </a:solidFill>
@@ -4388,7 +3655,7 @@
               <a:t>Structured</a:t>
             </a:r>
             <a:r>
-              <a:rPr lang="tr-TR" sz="2400" dirty="0" smtClean="0">
+              <a:rPr lang="tr-TR" sz="2400" dirty="0">
                 <a:solidFill>
                   <a:srgbClr val="404041"/>
                 </a:solidFill>
@@ -4406,7 +3673,7 @@
               <a:buChar char="ü"/>
             </a:pPr>
             <a:r>
-              <a:rPr lang="tr-TR" sz="2400" dirty="0" smtClean="0">
+              <a:rPr lang="tr-TR" sz="2400" dirty="0">
                 <a:solidFill>
                   <a:srgbClr val="404041"/>
                 </a:solidFill>
@@ -4415,7 +3682,7 @@
               <a:t>Yeni başlayanlar </a:t>
             </a:r>
             <a:r>
-              <a:rPr lang="tr-TR" sz="2400" dirty="0" err="1" smtClean="0">
+              <a:rPr lang="tr-TR" sz="2400" dirty="0" err="1">
                 <a:solidFill>
                   <a:srgbClr val="404041"/>
                 </a:solidFill>
@@ -4424,7 +3691,7 @@
               <a:t>Structured</a:t>
             </a:r>
             <a:r>
-              <a:rPr lang="tr-TR" sz="2400" dirty="0" smtClean="0">
+              <a:rPr lang="tr-TR" sz="2400" dirty="0">
                 <a:solidFill>
                   <a:srgbClr val="404041"/>
                 </a:solidFill>
@@ -4440,7 +3707,7 @@
               </a:lnSpc>
             </a:pPr>
             <a:r>
-              <a:rPr lang="tr-TR" sz="2400" dirty="0" smtClean="0">
+              <a:rPr lang="tr-TR" sz="2400" dirty="0">
                 <a:solidFill>
                   <a:srgbClr val="404041"/>
                 </a:solidFill>
@@ -4458,7 +3725,7 @@
               <a:buChar char="ü"/>
             </a:pPr>
             <a:r>
-              <a:rPr lang="tr-TR" sz="2400" dirty="0" smtClean="0">
+              <a:rPr lang="tr-TR" sz="2400" dirty="0">
                 <a:solidFill>
                   <a:srgbClr val="404041"/>
                 </a:solidFill>
@@ -4467,7 +3734,7 @@
               <a:t>Aradığınız </a:t>
             </a:r>
             <a:r>
-              <a:rPr lang="tr-TR" sz="2400" dirty="0" err="1" smtClean="0">
+              <a:rPr lang="tr-TR" sz="2400" dirty="0" err="1">
                 <a:solidFill>
                   <a:srgbClr val="404041"/>
                 </a:solidFill>
@@ -4476,7 +3743,7 @@
               <a:t>fonksiyonaliteyi</a:t>
             </a:r>
             <a:r>
-              <a:rPr lang="tr-TR" sz="2400" dirty="0" smtClean="0">
+              <a:rPr lang="tr-TR" sz="2400" dirty="0">
                 <a:solidFill>
                   <a:srgbClr val="404041"/>
                 </a:solidFill>
@@ -4494,7 +3761,7 @@
               <a:buChar char="ü"/>
             </a:pPr>
             <a:r>
-              <a:rPr lang="tr-TR" sz="2400" dirty="0" smtClean="0">
+              <a:rPr lang="tr-TR" sz="2400" dirty="0">
                 <a:solidFill>
                   <a:srgbClr val="404041"/>
                 </a:solidFill>
@@ -4512,7 +3779,7 @@
               <a:buChar char="ü"/>
             </a:pPr>
             <a:r>
-              <a:rPr lang="tr-TR" sz="2400" dirty="0" smtClean="0">
+              <a:rPr lang="tr-TR" sz="2400" dirty="0">
                 <a:solidFill>
                   <a:srgbClr val="404041"/>
                 </a:solidFill>
@@ -4528,7 +3795,7 @@
               </a:lnSpc>
             </a:pPr>
             <a:r>
-              <a:rPr lang="tr-TR" sz="2400" dirty="0" smtClean="0">
+              <a:rPr lang="tr-TR" sz="2400" dirty="0">
                 <a:solidFill>
                   <a:srgbClr val="404041"/>
                 </a:solidFill>
@@ -4546,56 +3813,32 @@
               <a:buChar char="ü"/>
             </a:pPr>
             <a:r>
-              <a:rPr lang="tr-TR" sz="2400" dirty="0" smtClean="0">
+              <a:rPr lang="tr-TR" sz="2400" dirty="0">
                 <a:solidFill>
                   <a:srgbClr val="404041"/>
                 </a:solidFill>
                 <a:latin typeface="Roboto"/>
               </a:rPr>
-              <a:t>Zaten </a:t>
-            </a:r>
-            <a:r>
-              <a:rPr lang="tr-TR" sz="2400" dirty="0" smtClean="0">
+              <a:t>Zaten Yapısal API operasyonları bu </a:t>
+            </a:r>
+            <a:r>
+              <a:rPr lang="tr-TR" sz="2400" dirty="0" err="1">
                 <a:solidFill>
                   <a:srgbClr val="404041"/>
                 </a:solidFill>
                 <a:latin typeface="Roboto"/>
               </a:rPr>
-              <a:t>Yapısal </a:t>
-            </a:r>
-            <a:r>
-              <a:rPr lang="tr-TR" sz="2400" dirty="0" smtClean="0">
+              <a:t>API’ye</a:t>
+            </a:r>
+            <a:r>
+              <a:rPr lang="tr-TR" sz="2400" dirty="0">
                 <a:solidFill>
                   <a:srgbClr val="404041"/>
                 </a:solidFill>
                 <a:latin typeface="Roboto"/>
               </a:rPr>
-              <a:t>API operasyonları bu </a:t>
-            </a:r>
-            <a:r>
-              <a:rPr lang="tr-TR" sz="2400" dirty="0" err="1" smtClean="0">
-                <a:solidFill>
-                  <a:srgbClr val="404041"/>
-                </a:solidFill>
-                <a:latin typeface="Roboto"/>
-              </a:rPr>
-              <a:t>API’ye</a:t>
-            </a:r>
-            <a:r>
-              <a:rPr lang="tr-TR" sz="2400" dirty="0" smtClean="0">
-                <a:solidFill>
-                  <a:srgbClr val="404041"/>
-                </a:solidFill>
-                <a:latin typeface="Roboto"/>
-              </a:rPr>
               <a:t> çevriliyor</a:t>
             </a:r>
-            <a:endParaRPr lang="tr-TR" sz="2400" dirty="0" smtClean="0">
-              <a:solidFill>
-                <a:srgbClr val="404041"/>
-              </a:solidFill>
-              <a:latin typeface="Roboto"/>
-            </a:endParaRPr>
           </a:p>
           <a:p>
             <a:pPr marL="457200" indent="-457200">
@@ -4606,29 +3849,14 @@
               <a:buChar char="ü"/>
             </a:pPr>
             <a:r>
-              <a:rPr lang="tr-TR" sz="2400" dirty="0" smtClean="0">
+              <a:rPr lang="tr-TR" sz="2400" dirty="0">
                 <a:solidFill>
                   <a:srgbClr val="404041"/>
                 </a:solidFill>
                 <a:latin typeface="Roboto"/>
               </a:rPr>
-              <a:t>Hata anlama </a:t>
-            </a:r>
-            <a:r>
-              <a:rPr lang="tr-TR" sz="2400" dirty="0" smtClean="0">
-                <a:solidFill>
-                  <a:srgbClr val="404041"/>
-                </a:solidFill>
-                <a:latin typeface="Roboto"/>
-              </a:rPr>
-              <a:t>yeteneğini geliştirir</a:t>
-            </a:r>
-            <a:endParaRPr lang="tr-TR" sz="2400" dirty="0" smtClean="0">
-              <a:solidFill>
-                <a:srgbClr val="404041"/>
-              </a:solidFill>
-              <a:latin typeface="Roboto"/>
-            </a:endParaRPr>
+              <a:t>Hata anlama yeteneğini geliştirir</a:t>
+            </a:r>
           </a:p>
         </p:txBody>
       </p:sp>
@@ -4642,13 +3870,6 @@
   <p:clrMapOvr>
     <a:masterClrMapping/>
   </p:clrMapOvr>
-  <p:timing>
-    <p:tnLst>
-      <p:par>
-        <p:cTn id="1" dur="indefinite" restart="never" nodeType="tmRoot"/>
-      </p:par>
-    </p:tnLst>
-  </p:timing>
 </p:sld>
 </file>
 
@@ -4706,369 +3927,6 @@
           </a:fontRef>
         </p:style>
       </p:cxnSp>
-      <p:grpSp>
-        <p:nvGrpSpPr>
-          <p:cNvPr id="15" name="Grup 14"/>
-          <p:cNvGrpSpPr/>
-          <p:nvPr/>
-        </p:nvGrpSpPr>
-        <p:grpSpPr>
-          <a:xfrm>
-            <a:off x="228596" y="6231467"/>
-            <a:ext cx="3041654" cy="492576"/>
-            <a:chOff x="228596" y="6231467"/>
-            <a:chExt cx="3041654" cy="492576"/>
-          </a:xfrm>
-        </p:grpSpPr>
-        <p:grpSp>
-          <p:nvGrpSpPr>
-            <p:cNvPr id="8" name="Grup 7"/>
-            <p:cNvGrpSpPr/>
-            <p:nvPr/>
-          </p:nvGrpSpPr>
-          <p:grpSpPr>
-            <a:xfrm>
-              <a:off x="228596" y="6231467"/>
-              <a:ext cx="2802471" cy="457084"/>
-              <a:chOff x="127000" y="5901146"/>
-              <a:chExt cx="5156200" cy="838200"/>
-            </a:xfrm>
-          </p:grpSpPr>
-          <p:sp>
-            <p:nvSpPr>
-              <p:cNvPr id="7" name="Dikdörtgen 6"/>
-              <p:cNvSpPr/>
-              <p:nvPr/>
-            </p:nvSpPr>
-            <p:spPr>
-              <a:xfrm>
-                <a:off x="127000" y="5901146"/>
-                <a:ext cx="5156200" cy="838200"/>
-              </a:xfrm>
-              <a:prstGeom prst="rect">
-                <a:avLst/>
-              </a:prstGeom>
-              <a:solidFill>
-                <a:schemeClr val="bg1">
-                  <a:lumMod val="95000"/>
-                </a:schemeClr>
-              </a:solidFill>
-              <a:ln>
-                <a:noFill/>
-              </a:ln>
-            </p:spPr>
-            <p:style>
-              <a:lnRef idx="2">
-                <a:schemeClr val="accent1">
-                  <a:shade val="50000"/>
-                </a:schemeClr>
-              </a:lnRef>
-              <a:fillRef idx="1">
-                <a:schemeClr val="accent1"/>
-              </a:fillRef>
-              <a:effectRef idx="0">
-                <a:schemeClr val="accent1"/>
-              </a:effectRef>
-              <a:fontRef idx="minor">
-                <a:schemeClr val="lt1"/>
-              </a:fontRef>
-            </p:style>
-            <p:txBody>
-              <a:bodyPr rtlCol="0" anchor="ctr"/>
-              <a:lstStyle/>
-              <a:p>
-                <a:pPr algn="ctr"/>
-                <a:endParaRPr lang="en-US" sz="2000"/>
-              </a:p>
-            </p:txBody>
-          </p:sp>
-          <p:grpSp>
-            <p:nvGrpSpPr>
-              <p:cNvPr id="6" name="Grup 5"/>
-              <p:cNvGrpSpPr/>
-              <p:nvPr/>
-            </p:nvGrpSpPr>
-            <p:grpSpPr>
-              <a:xfrm>
-                <a:off x="211667" y="6019800"/>
-                <a:ext cx="5012266" cy="605115"/>
-                <a:chOff x="211667" y="6019800"/>
-                <a:chExt cx="5012266" cy="605115"/>
-              </a:xfrm>
-            </p:grpSpPr>
-            <p:pic>
-              <p:nvPicPr>
-                <p:cNvPr id="4" name="Resim 3"/>
-                <p:cNvPicPr>
-                  <a:picLocks noChangeAspect="1"/>
-                </p:cNvPicPr>
-                <p:nvPr/>
-              </p:nvPicPr>
-              <p:blipFill rotWithShape="1">
-                <a:blip r:embed="rId2" cstate="print">
-                  <a:extLst>
-                    <a:ext uri="{28A0092B-C50C-407E-A947-70E740481C1C}">
-                      <a14:useLocalDpi xmlns:a14="http://schemas.microsoft.com/office/drawing/2010/main" val="0"/>
-                    </a:ext>
-                  </a:extLst>
-                </a:blip>
-                <a:srcRect l="24387" t="8319" r="18355" b="50150"/>
-                <a:stretch/>
-              </p:blipFill>
-              <p:spPr>
-                <a:xfrm>
-                  <a:off x="211667" y="6019800"/>
-                  <a:ext cx="1072095" cy="600892"/>
-                </a:xfrm>
-                <a:prstGeom prst="rect">
-                  <a:avLst/>
-                </a:prstGeom>
-              </p:spPr>
-            </p:pic>
-            <p:sp>
-              <p:nvSpPr>
-                <p:cNvPr id="5" name="Unvan 1"/>
-                <p:cNvSpPr txBox="1">
-                  <a:spLocks/>
-                </p:cNvSpPr>
-                <p:nvPr/>
-              </p:nvSpPr>
-              <p:spPr>
-                <a:xfrm>
-                  <a:off x="1283763" y="6024023"/>
-                  <a:ext cx="3940170" cy="600892"/>
-                </a:xfrm>
-                <a:prstGeom prst="rect">
-                  <a:avLst/>
-                </a:prstGeom>
-              </p:spPr>
-              <p:txBody>
-                <a:bodyPr vert="horz" lIns="91440" tIns="45720" rIns="91440" bIns="45720" rtlCol="0" anchor="b">
-                  <a:noAutofit/>
-                </a:bodyPr>
-                <a:lstStyle>
-                  <a:lvl1pPr algn="ctr" defTabSz="914400" rtl="0" eaLnBrk="1" latinLnBrk="0" hangingPunct="1">
-                    <a:lnSpc>
-                      <a:spcPct val="90000"/>
-                    </a:lnSpc>
-                    <a:spcBef>
-                      <a:spcPct val="0"/>
-                    </a:spcBef>
-                    <a:buNone/>
-                    <a:defRPr sz="6000" kern="1200">
-                      <a:solidFill>
-                        <a:schemeClr val="tx1"/>
-                      </a:solidFill>
-                      <a:latin typeface="+mj-lt"/>
-                      <a:ea typeface="+mj-ea"/>
-                      <a:cs typeface="+mj-cs"/>
-                    </a:defRPr>
-                  </a:lvl1pPr>
-                </a:lstStyle>
-                <a:p>
-                  <a:pPr algn="l"/>
-                  <a:r>
-                    <a:rPr lang="tr-TR" sz="2000" dirty="0" smtClean="0">
-                      <a:solidFill>
-                        <a:srgbClr val="CB171F"/>
-                      </a:solidFill>
-                      <a:latin typeface="Constantia" panose="02030602050306030303" pitchFamily="18" charset="0"/>
-                      <a:ea typeface="Verdana" panose="020B0604030504040204" pitchFamily="34" charset="0"/>
-                      <a:cs typeface="Arial" panose="020B0604020202020204" pitchFamily="34" charset="0"/>
-                    </a:rPr>
-                    <a:t>Veri Bilimi Okulu</a:t>
-                  </a:r>
-                  <a:endParaRPr lang="en-US" sz="2000" dirty="0">
-                    <a:solidFill>
-                      <a:srgbClr val="CB171F"/>
-                    </a:solidFill>
-                    <a:latin typeface="Constantia" panose="02030602050306030303" pitchFamily="18" charset="0"/>
-                    <a:ea typeface="Verdana" panose="020B0604030504040204" pitchFamily="34" charset="0"/>
-                    <a:cs typeface="Arial" panose="020B0604020202020204" pitchFamily="34" charset="0"/>
-                  </a:endParaRPr>
-                </a:p>
-              </p:txBody>
-            </p:sp>
-          </p:grpSp>
-        </p:grpSp>
-        <p:sp>
-          <p:nvSpPr>
-            <p:cNvPr id="12" name="Metin kutusu 11"/>
-            <p:cNvSpPr txBox="1"/>
-            <p:nvPr/>
-          </p:nvSpPr>
-          <p:spPr>
-            <a:xfrm>
-              <a:off x="1582782" y="6493211"/>
-              <a:ext cx="1687468" cy="230832"/>
-            </a:xfrm>
-            <a:prstGeom prst="rect">
-              <a:avLst/>
-            </a:prstGeom>
-            <a:noFill/>
-          </p:spPr>
-          <p:txBody>
-            <a:bodyPr wrap="square" rtlCol="0">
-              <a:spAutoFit/>
-            </a:bodyPr>
-            <a:lstStyle/>
-            <a:p>
-              <a:r>
-                <a:rPr lang="en-US" sz="900" dirty="0" smtClean="0">
-                  <a:solidFill>
-                    <a:srgbClr val="0B8043"/>
-                  </a:solidFill>
-                </a:rPr>
-                <a:t>https:</a:t>
-              </a:r>
-              <a:r>
-                <a:rPr lang="en-US" sz="900" dirty="0" smtClean="0">
-                  <a:solidFill>
-                    <a:schemeClr val="bg1">
-                      <a:lumMod val="50000"/>
-                    </a:schemeClr>
-                  </a:solidFill>
-                </a:rPr>
-                <a:t>//www.veribilimi.co</a:t>
-              </a:r>
-              <a:endParaRPr lang="en-US" sz="900" dirty="0">
-                <a:solidFill>
-                  <a:schemeClr val="bg1">
-                    <a:lumMod val="50000"/>
-                  </a:schemeClr>
-                </a:solidFill>
-              </a:endParaRPr>
-            </a:p>
-          </p:txBody>
-        </p:sp>
-      </p:grpSp>
-      <p:grpSp>
-        <p:nvGrpSpPr>
-          <p:cNvPr id="11" name="Grup 10"/>
-          <p:cNvGrpSpPr/>
-          <p:nvPr/>
-        </p:nvGrpSpPr>
-        <p:grpSpPr>
-          <a:xfrm>
-            <a:off x="9194796" y="6231467"/>
-            <a:ext cx="2802471" cy="457084"/>
-            <a:chOff x="184993" y="5905369"/>
-            <a:chExt cx="5156200" cy="838200"/>
-          </a:xfrm>
-        </p:grpSpPr>
-        <p:sp>
-          <p:nvSpPr>
-            <p:cNvPr id="13" name="Dikdörtgen 12"/>
-            <p:cNvSpPr/>
-            <p:nvPr/>
-          </p:nvSpPr>
-          <p:spPr>
-            <a:xfrm>
-              <a:off x="184993" y="5905369"/>
-              <a:ext cx="5156200" cy="838200"/>
-            </a:xfrm>
-            <a:prstGeom prst="rect">
-              <a:avLst/>
-            </a:prstGeom>
-            <a:solidFill>
-              <a:schemeClr val="bg1">
-                <a:lumMod val="95000"/>
-              </a:schemeClr>
-            </a:solidFill>
-            <a:ln>
-              <a:noFill/>
-            </a:ln>
-          </p:spPr>
-          <p:style>
-            <a:lnRef idx="2">
-              <a:schemeClr val="accent1">
-                <a:shade val="50000"/>
-              </a:schemeClr>
-            </a:lnRef>
-            <a:fillRef idx="1">
-              <a:schemeClr val="accent1"/>
-            </a:fillRef>
-            <a:effectRef idx="0">
-              <a:schemeClr val="accent1"/>
-            </a:effectRef>
-            <a:fontRef idx="minor">
-              <a:schemeClr val="lt1"/>
-            </a:fontRef>
-          </p:style>
-          <p:txBody>
-            <a:bodyPr rtlCol="0" anchor="ctr"/>
-            <a:lstStyle/>
-            <a:p>
-              <a:pPr algn="ctr"/>
-              <a:endParaRPr lang="en-US" sz="2000"/>
-            </a:p>
-          </p:txBody>
-        </p:sp>
-        <p:sp>
-          <p:nvSpPr>
-            <p:cNvPr id="14" name="Unvan 1"/>
-            <p:cNvSpPr txBox="1">
-              <a:spLocks/>
-            </p:cNvSpPr>
-            <p:nvPr/>
-          </p:nvSpPr>
-          <p:spPr>
-            <a:xfrm>
-              <a:off x="302252" y="6024023"/>
-              <a:ext cx="4921678" cy="600892"/>
-            </a:xfrm>
-            <a:prstGeom prst="rect">
-              <a:avLst/>
-            </a:prstGeom>
-          </p:spPr>
-          <p:txBody>
-            <a:bodyPr vert="horz" lIns="91440" tIns="45720" rIns="91440" bIns="45720" rtlCol="0" anchor="b">
-              <a:noAutofit/>
-            </a:bodyPr>
-            <a:lstStyle>
-              <a:lvl1pPr algn="ctr" defTabSz="914400" rtl="0" eaLnBrk="1" latinLnBrk="0" hangingPunct="1">
-                <a:lnSpc>
-                  <a:spcPct val="90000"/>
-                </a:lnSpc>
-                <a:spcBef>
-                  <a:spcPct val="0"/>
-                </a:spcBef>
-                <a:buNone/>
-                <a:defRPr sz="6000" kern="1200">
-                  <a:solidFill>
-                    <a:schemeClr val="tx1"/>
-                  </a:solidFill>
-                  <a:latin typeface="+mj-lt"/>
-                  <a:ea typeface="+mj-ea"/>
-                  <a:cs typeface="+mj-cs"/>
-                </a:defRPr>
-              </a:lvl1pPr>
-            </a:lstStyle>
-            <a:p>
-              <a:pPr algn="l"/>
-              <a:r>
-                <a:rPr lang="tr-TR" sz="2000" dirty="0">
-                  <a:solidFill>
-                    <a:srgbClr val="CB171F"/>
-                  </a:solidFill>
-                  <a:latin typeface="Constantia" panose="02030602050306030303" pitchFamily="18" charset="0"/>
-                  <a:ea typeface="Verdana" panose="020B0604030504040204" pitchFamily="34" charset="0"/>
-                  <a:cs typeface="Arial" panose="020B0604020202020204" pitchFamily="34" charset="0"/>
-                </a:rPr>
-                <a:t>A’dan Z’ye Büyük Veri</a:t>
-              </a:r>
-              <a:endParaRPr lang="en-US" sz="2000" dirty="0">
-                <a:solidFill>
-                  <a:srgbClr val="CB171F"/>
-                </a:solidFill>
-                <a:latin typeface="Constantia" panose="02030602050306030303" pitchFamily="18" charset="0"/>
-                <a:ea typeface="Verdana" panose="020B0604030504040204" pitchFamily="34" charset="0"/>
-                <a:cs typeface="Arial" panose="020B0604020202020204" pitchFamily="34" charset="0"/>
-              </a:endParaRPr>
-            </a:p>
-          </p:txBody>
-        </p:sp>
-      </p:grpSp>
       <p:sp>
         <p:nvSpPr>
           <p:cNvPr id="16" name="Unvan 1"/>
@@ -5175,13 +4033,22 @@
               <a:buChar char="ü"/>
             </a:pPr>
             <a:r>
-              <a:rPr lang="en-US" sz="2400" dirty="0" smtClean="0">
+              <a:rPr lang="en-US" sz="2400" dirty="0">
                 <a:solidFill>
                   <a:srgbClr val="404041"/>
                 </a:solidFill>
                 <a:latin typeface="Roboto"/>
               </a:rPr>
-              <a:t>Resilient </a:t>
+              <a:t>Resilient Distributed</a:t>
+            </a:r>
+            <a:r>
+              <a:rPr lang="tr-TR" sz="2400" dirty="0">
+                <a:solidFill>
+                  <a:srgbClr val="404041"/>
+                </a:solidFill>
+                <a:latin typeface="Roboto"/>
+              </a:rPr>
+              <a:t> </a:t>
             </a:r>
             <a:r>
               <a:rPr lang="en-US" sz="2400" dirty="0">
@@ -5190,27 +4057,9 @@
                 </a:solidFill>
                 <a:latin typeface="Roboto"/>
               </a:rPr>
-              <a:t>Distributed</a:t>
-            </a:r>
-            <a:r>
-              <a:rPr lang="tr-TR" sz="2400" dirty="0">
-                <a:solidFill>
-                  <a:srgbClr val="404041"/>
-                </a:solidFill>
-                <a:latin typeface="Roboto"/>
-              </a:rPr>
-              <a:t> </a:t>
-            </a:r>
-            <a:r>
-              <a:rPr lang="en-US" sz="2400" dirty="0">
-                <a:solidFill>
-                  <a:srgbClr val="404041"/>
-                </a:solidFill>
-                <a:latin typeface="Roboto"/>
-              </a:rPr>
               <a:t>Dataset (RDD) </a:t>
             </a:r>
-            <a:endParaRPr lang="tr-TR" sz="2400" dirty="0" smtClean="0">
+            <a:endParaRPr lang="tr-TR" sz="2400" dirty="0">
               <a:solidFill>
                 <a:srgbClr val="404041"/>
               </a:solidFill>
@@ -5226,7 +4075,7 @@
               <a:buChar char="ü"/>
             </a:pPr>
             <a:r>
-              <a:rPr lang="tr-TR" sz="2400" dirty="0" smtClean="0">
+              <a:rPr lang="tr-TR" sz="2400" dirty="0">
                 <a:solidFill>
                   <a:srgbClr val="404041"/>
                 </a:solidFill>
@@ -5235,7 +4084,7 @@
               <a:t>Bir RDD bir çok </a:t>
             </a:r>
             <a:r>
-              <a:rPr lang="tr-TR" sz="2400" dirty="0" err="1" smtClean="0">
+              <a:rPr lang="tr-TR" sz="2400" dirty="0" err="1">
                 <a:solidFill>
                   <a:srgbClr val="404041"/>
                 </a:solidFill>
@@ -5244,7 +4093,7 @@
               <a:t>immutable</a:t>
             </a:r>
             <a:r>
-              <a:rPr lang="tr-TR" sz="2400" dirty="0" smtClean="0">
+              <a:rPr lang="tr-TR" sz="2400" dirty="0">
                 <a:solidFill>
                   <a:srgbClr val="404041"/>
                 </a:solidFill>
@@ -5253,7 +4102,7 @@
               <a:t> (sabit, değişmez) nesne yığınlarından oluşur</a:t>
             </a:r>
             <a:r>
-              <a:rPr lang="en-US" sz="2400" dirty="0" smtClean="0">
+              <a:rPr lang="en-US" sz="2400" dirty="0">
                 <a:solidFill>
                   <a:srgbClr val="404041"/>
                 </a:solidFill>
@@ -5261,7 +4110,7 @@
               </a:rPr>
               <a:t>.</a:t>
             </a:r>
-            <a:endParaRPr lang="tr-TR" sz="2400" dirty="0" smtClean="0">
+            <a:endParaRPr lang="tr-TR" sz="2400" dirty="0">
               <a:solidFill>
                 <a:srgbClr val="404041"/>
               </a:solidFill>
@@ -5277,7 +4126,7 @@
               <a:buChar char="ü"/>
             </a:pPr>
             <a:r>
-              <a:rPr lang="tr-TR" sz="2400" dirty="0" err="1" smtClean="0">
+              <a:rPr lang="tr-TR" sz="2400" dirty="0" err="1">
                 <a:solidFill>
                   <a:srgbClr val="404041"/>
                 </a:solidFill>
@@ -5286,7 +4135,7 @@
               <a:t>Spark’ta</a:t>
             </a:r>
             <a:r>
-              <a:rPr lang="tr-TR" sz="2400" dirty="0" smtClean="0">
+              <a:rPr lang="tr-TR" sz="2400" dirty="0">
                 <a:solidFill>
                   <a:srgbClr val="404041"/>
                 </a:solidFill>
@@ -5304,7 +4153,7 @@
               <a:buChar char="ü"/>
             </a:pPr>
             <a:r>
-              <a:rPr lang="tr-TR" sz="2400" dirty="0" smtClean="0">
+              <a:rPr lang="tr-TR" sz="2400" dirty="0">
                 <a:solidFill>
                   <a:srgbClr val="404041"/>
                 </a:solidFill>
@@ -5322,7 +4171,7 @@
               <a:buChar char="ü"/>
             </a:pPr>
             <a:r>
-              <a:rPr lang="tr-TR" sz="2400" dirty="0" smtClean="0">
+              <a:rPr lang="tr-TR" sz="2400" dirty="0">
                 <a:solidFill>
                   <a:srgbClr val="404041"/>
                 </a:solidFill>
@@ -5331,7 +4180,7 @@
               <a:t>Mevcut bir </a:t>
             </a:r>
             <a:r>
-              <a:rPr lang="tr-TR" sz="2400" dirty="0" err="1" smtClean="0">
+              <a:rPr lang="tr-TR" sz="2400" dirty="0" err="1">
                 <a:solidFill>
                   <a:srgbClr val="404041"/>
                 </a:solidFill>
@@ -5340,7 +4189,7 @@
               <a:t>RDD’yi</a:t>
             </a:r>
             <a:r>
-              <a:rPr lang="tr-TR" sz="2400" dirty="0" smtClean="0">
+              <a:rPr lang="tr-TR" sz="2400" dirty="0">
                 <a:solidFill>
                   <a:srgbClr val="404041"/>
                 </a:solidFill>
@@ -5349,7 +4198,7 @@
               <a:t> başka bir </a:t>
             </a:r>
             <a:r>
-              <a:rPr lang="tr-TR" sz="2400" dirty="0" err="1" smtClean="0">
+              <a:rPr lang="tr-TR" sz="2400" dirty="0" err="1">
                 <a:solidFill>
                   <a:srgbClr val="404041"/>
                 </a:solidFill>
@@ -5358,7 +4207,7 @@
               <a:t>RDD’ye</a:t>
             </a:r>
             <a:r>
-              <a:rPr lang="tr-TR" sz="2400" dirty="0" smtClean="0">
+              <a:rPr lang="tr-TR" sz="2400" dirty="0">
                 <a:solidFill>
                   <a:srgbClr val="404041"/>
                 </a:solidFill>
@@ -5376,7 +4225,7 @@
               <a:buChar char="ü"/>
             </a:pPr>
             <a:r>
-              <a:rPr lang="tr-TR" sz="2400" dirty="0" err="1" smtClean="0">
+              <a:rPr lang="tr-TR" sz="2400" dirty="0" err="1">
                 <a:solidFill>
                   <a:srgbClr val="404041"/>
                 </a:solidFill>
@@ -5385,7 +4234,7 @@
               <a:t>RDD’ler</a:t>
             </a:r>
             <a:r>
-              <a:rPr lang="tr-TR" sz="2400" dirty="0" smtClean="0">
+              <a:rPr lang="tr-TR" sz="2400" dirty="0">
                 <a:solidFill>
                   <a:srgbClr val="404041"/>
                 </a:solidFill>
@@ -5403,7 +4252,7 @@
               <a:buChar char="ü"/>
             </a:pPr>
             <a:r>
-              <a:rPr lang="tr-TR" sz="2400" dirty="0" smtClean="0">
+              <a:rPr lang="tr-TR" sz="2400" dirty="0">
                 <a:solidFill>
                   <a:srgbClr val="404041"/>
                 </a:solidFill>
@@ -5412,7 +4261,7 @@
               <a:t>Nesne yığınları/parçalar, </a:t>
             </a:r>
             <a:r>
-              <a:rPr lang="tr-TR" sz="2400" dirty="0" err="1" smtClean="0">
+              <a:rPr lang="tr-TR" sz="2400" dirty="0" err="1">
                 <a:solidFill>
                   <a:srgbClr val="404041"/>
                 </a:solidFill>
@@ -5421,7 +4270,7 @@
               <a:t>cluster</a:t>
             </a:r>
             <a:r>
-              <a:rPr lang="tr-TR" sz="2400" dirty="0" smtClean="0">
+              <a:rPr lang="tr-TR" sz="2400" dirty="0">
                 <a:solidFill>
                   <a:srgbClr val="404041"/>
                 </a:solidFill>
@@ -5429,12 +4278,6 @@
               </a:rPr>
               <a:t> üzerinde dağıtılır.</a:t>
             </a:r>
-            <a:endParaRPr lang="tr-TR" sz="2400" dirty="0" smtClean="0">
-              <a:solidFill>
-                <a:srgbClr val="404041"/>
-              </a:solidFill>
-              <a:latin typeface="Roboto"/>
-            </a:endParaRPr>
           </a:p>
         </p:txBody>
       </p:sp>
@@ -5448,13 +4291,6 @@
   <p:clrMapOvr>
     <a:masterClrMapping/>
   </p:clrMapOvr>
-  <p:timing>
-    <p:tnLst>
-      <p:par>
-        <p:cTn id="1" dur="indefinite" restart="never" nodeType="tmRoot"/>
-      </p:par>
-    </p:tnLst>
-  </p:timing>
 </p:sld>
 </file>
 
@@ -5512,369 +4348,6 @@
           </a:fontRef>
         </p:style>
       </p:cxnSp>
-      <p:grpSp>
-        <p:nvGrpSpPr>
-          <p:cNvPr id="15" name="Grup 14"/>
-          <p:cNvGrpSpPr/>
-          <p:nvPr/>
-        </p:nvGrpSpPr>
-        <p:grpSpPr>
-          <a:xfrm>
-            <a:off x="228596" y="6231467"/>
-            <a:ext cx="3041654" cy="492576"/>
-            <a:chOff x="228596" y="6231467"/>
-            <a:chExt cx="3041654" cy="492576"/>
-          </a:xfrm>
-        </p:grpSpPr>
-        <p:grpSp>
-          <p:nvGrpSpPr>
-            <p:cNvPr id="8" name="Grup 7"/>
-            <p:cNvGrpSpPr/>
-            <p:nvPr/>
-          </p:nvGrpSpPr>
-          <p:grpSpPr>
-            <a:xfrm>
-              <a:off x="228596" y="6231467"/>
-              <a:ext cx="2802471" cy="457084"/>
-              <a:chOff x="127000" y="5901146"/>
-              <a:chExt cx="5156200" cy="838200"/>
-            </a:xfrm>
-          </p:grpSpPr>
-          <p:sp>
-            <p:nvSpPr>
-              <p:cNvPr id="7" name="Dikdörtgen 6"/>
-              <p:cNvSpPr/>
-              <p:nvPr/>
-            </p:nvSpPr>
-            <p:spPr>
-              <a:xfrm>
-                <a:off x="127000" y="5901146"/>
-                <a:ext cx="5156200" cy="838200"/>
-              </a:xfrm>
-              <a:prstGeom prst="rect">
-                <a:avLst/>
-              </a:prstGeom>
-              <a:solidFill>
-                <a:schemeClr val="bg1">
-                  <a:lumMod val="95000"/>
-                </a:schemeClr>
-              </a:solidFill>
-              <a:ln>
-                <a:noFill/>
-              </a:ln>
-            </p:spPr>
-            <p:style>
-              <a:lnRef idx="2">
-                <a:schemeClr val="accent1">
-                  <a:shade val="50000"/>
-                </a:schemeClr>
-              </a:lnRef>
-              <a:fillRef idx="1">
-                <a:schemeClr val="accent1"/>
-              </a:fillRef>
-              <a:effectRef idx="0">
-                <a:schemeClr val="accent1"/>
-              </a:effectRef>
-              <a:fontRef idx="minor">
-                <a:schemeClr val="lt1"/>
-              </a:fontRef>
-            </p:style>
-            <p:txBody>
-              <a:bodyPr rtlCol="0" anchor="ctr"/>
-              <a:lstStyle/>
-              <a:p>
-                <a:pPr algn="ctr"/>
-                <a:endParaRPr lang="en-US" sz="2000"/>
-              </a:p>
-            </p:txBody>
-          </p:sp>
-          <p:grpSp>
-            <p:nvGrpSpPr>
-              <p:cNvPr id="6" name="Grup 5"/>
-              <p:cNvGrpSpPr/>
-              <p:nvPr/>
-            </p:nvGrpSpPr>
-            <p:grpSpPr>
-              <a:xfrm>
-                <a:off x="211667" y="6019800"/>
-                <a:ext cx="5012266" cy="605115"/>
-                <a:chOff x="211667" y="6019800"/>
-                <a:chExt cx="5012266" cy="605115"/>
-              </a:xfrm>
-            </p:grpSpPr>
-            <p:pic>
-              <p:nvPicPr>
-                <p:cNvPr id="4" name="Resim 3"/>
-                <p:cNvPicPr>
-                  <a:picLocks noChangeAspect="1"/>
-                </p:cNvPicPr>
-                <p:nvPr/>
-              </p:nvPicPr>
-              <p:blipFill rotWithShape="1">
-                <a:blip r:embed="rId2" cstate="print">
-                  <a:extLst>
-                    <a:ext uri="{28A0092B-C50C-407E-A947-70E740481C1C}">
-                      <a14:useLocalDpi xmlns:a14="http://schemas.microsoft.com/office/drawing/2010/main" val="0"/>
-                    </a:ext>
-                  </a:extLst>
-                </a:blip>
-                <a:srcRect l="24387" t="8319" r="18355" b="50150"/>
-                <a:stretch/>
-              </p:blipFill>
-              <p:spPr>
-                <a:xfrm>
-                  <a:off x="211667" y="6019800"/>
-                  <a:ext cx="1072095" cy="600892"/>
-                </a:xfrm>
-                <a:prstGeom prst="rect">
-                  <a:avLst/>
-                </a:prstGeom>
-              </p:spPr>
-            </p:pic>
-            <p:sp>
-              <p:nvSpPr>
-                <p:cNvPr id="5" name="Unvan 1"/>
-                <p:cNvSpPr txBox="1">
-                  <a:spLocks/>
-                </p:cNvSpPr>
-                <p:nvPr/>
-              </p:nvSpPr>
-              <p:spPr>
-                <a:xfrm>
-                  <a:off x="1283763" y="6024023"/>
-                  <a:ext cx="3940170" cy="600892"/>
-                </a:xfrm>
-                <a:prstGeom prst="rect">
-                  <a:avLst/>
-                </a:prstGeom>
-              </p:spPr>
-              <p:txBody>
-                <a:bodyPr vert="horz" lIns="91440" tIns="45720" rIns="91440" bIns="45720" rtlCol="0" anchor="b">
-                  <a:noAutofit/>
-                </a:bodyPr>
-                <a:lstStyle>
-                  <a:lvl1pPr algn="ctr" defTabSz="914400" rtl="0" eaLnBrk="1" latinLnBrk="0" hangingPunct="1">
-                    <a:lnSpc>
-                      <a:spcPct val="90000"/>
-                    </a:lnSpc>
-                    <a:spcBef>
-                      <a:spcPct val="0"/>
-                    </a:spcBef>
-                    <a:buNone/>
-                    <a:defRPr sz="6000" kern="1200">
-                      <a:solidFill>
-                        <a:schemeClr val="tx1"/>
-                      </a:solidFill>
-                      <a:latin typeface="+mj-lt"/>
-                      <a:ea typeface="+mj-ea"/>
-                      <a:cs typeface="+mj-cs"/>
-                    </a:defRPr>
-                  </a:lvl1pPr>
-                </a:lstStyle>
-                <a:p>
-                  <a:pPr algn="l"/>
-                  <a:r>
-                    <a:rPr lang="tr-TR" sz="2000" dirty="0" smtClean="0">
-                      <a:solidFill>
-                        <a:srgbClr val="CB171F"/>
-                      </a:solidFill>
-                      <a:latin typeface="Constantia" panose="02030602050306030303" pitchFamily="18" charset="0"/>
-                      <a:ea typeface="Verdana" panose="020B0604030504040204" pitchFamily="34" charset="0"/>
-                      <a:cs typeface="Arial" panose="020B0604020202020204" pitchFamily="34" charset="0"/>
-                    </a:rPr>
-                    <a:t>Veri Bilimi Okulu</a:t>
-                  </a:r>
-                  <a:endParaRPr lang="en-US" sz="2000" dirty="0">
-                    <a:solidFill>
-                      <a:srgbClr val="CB171F"/>
-                    </a:solidFill>
-                    <a:latin typeface="Constantia" panose="02030602050306030303" pitchFamily="18" charset="0"/>
-                    <a:ea typeface="Verdana" panose="020B0604030504040204" pitchFamily="34" charset="0"/>
-                    <a:cs typeface="Arial" panose="020B0604020202020204" pitchFamily="34" charset="0"/>
-                  </a:endParaRPr>
-                </a:p>
-              </p:txBody>
-            </p:sp>
-          </p:grpSp>
-        </p:grpSp>
-        <p:sp>
-          <p:nvSpPr>
-            <p:cNvPr id="12" name="Metin kutusu 11"/>
-            <p:cNvSpPr txBox="1"/>
-            <p:nvPr/>
-          </p:nvSpPr>
-          <p:spPr>
-            <a:xfrm>
-              <a:off x="1582782" y="6493211"/>
-              <a:ext cx="1687468" cy="230832"/>
-            </a:xfrm>
-            <a:prstGeom prst="rect">
-              <a:avLst/>
-            </a:prstGeom>
-            <a:noFill/>
-          </p:spPr>
-          <p:txBody>
-            <a:bodyPr wrap="square" rtlCol="0">
-              <a:spAutoFit/>
-            </a:bodyPr>
-            <a:lstStyle/>
-            <a:p>
-              <a:r>
-                <a:rPr lang="en-US" sz="900" dirty="0" smtClean="0">
-                  <a:solidFill>
-                    <a:srgbClr val="0B8043"/>
-                  </a:solidFill>
-                </a:rPr>
-                <a:t>https:</a:t>
-              </a:r>
-              <a:r>
-                <a:rPr lang="en-US" sz="900" dirty="0" smtClean="0">
-                  <a:solidFill>
-                    <a:schemeClr val="bg1">
-                      <a:lumMod val="50000"/>
-                    </a:schemeClr>
-                  </a:solidFill>
-                </a:rPr>
-                <a:t>//www.veribilimi.co</a:t>
-              </a:r>
-              <a:endParaRPr lang="en-US" sz="900" dirty="0">
-                <a:solidFill>
-                  <a:schemeClr val="bg1">
-                    <a:lumMod val="50000"/>
-                  </a:schemeClr>
-                </a:solidFill>
-              </a:endParaRPr>
-            </a:p>
-          </p:txBody>
-        </p:sp>
-      </p:grpSp>
-      <p:grpSp>
-        <p:nvGrpSpPr>
-          <p:cNvPr id="11" name="Grup 10"/>
-          <p:cNvGrpSpPr/>
-          <p:nvPr/>
-        </p:nvGrpSpPr>
-        <p:grpSpPr>
-          <a:xfrm>
-            <a:off x="9194796" y="6231467"/>
-            <a:ext cx="2802471" cy="457084"/>
-            <a:chOff x="184993" y="5905369"/>
-            <a:chExt cx="5156200" cy="838200"/>
-          </a:xfrm>
-        </p:grpSpPr>
-        <p:sp>
-          <p:nvSpPr>
-            <p:cNvPr id="13" name="Dikdörtgen 12"/>
-            <p:cNvSpPr/>
-            <p:nvPr/>
-          </p:nvSpPr>
-          <p:spPr>
-            <a:xfrm>
-              <a:off x="184993" y="5905369"/>
-              <a:ext cx="5156200" cy="838200"/>
-            </a:xfrm>
-            <a:prstGeom prst="rect">
-              <a:avLst/>
-            </a:prstGeom>
-            <a:solidFill>
-              <a:schemeClr val="bg1">
-                <a:lumMod val="95000"/>
-              </a:schemeClr>
-            </a:solidFill>
-            <a:ln>
-              <a:noFill/>
-            </a:ln>
-          </p:spPr>
-          <p:style>
-            <a:lnRef idx="2">
-              <a:schemeClr val="accent1">
-                <a:shade val="50000"/>
-              </a:schemeClr>
-            </a:lnRef>
-            <a:fillRef idx="1">
-              <a:schemeClr val="accent1"/>
-            </a:fillRef>
-            <a:effectRef idx="0">
-              <a:schemeClr val="accent1"/>
-            </a:effectRef>
-            <a:fontRef idx="minor">
-              <a:schemeClr val="lt1"/>
-            </a:fontRef>
-          </p:style>
-          <p:txBody>
-            <a:bodyPr rtlCol="0" anchor="ctr"/>
-            <a:lstStyle/>
-            <a:p>
-              <a:pPr algn="ctr"/>
-              <a:endParaRPr lang="en-US" sz="2000"/>
-            </a:p>
-          </p:txBody>
-        </p:sp>
-        <p:sp>
-          <p:nvSpPr>
-            <p:cNvPr id="14" name="Unvan 1"/>
-            <p:cNvSpPr txBox="1">
-              <a:spLocks/>
-            </p:cNvSpPr>
-            <p:nvPr/>
-          </p:nvSpPr>
-          <p:spPr>
-            <a:xfrm>
-              <a:off x="302252" y="6024023"/>
-              <a:ext cx="4921678" cy="600892"/>
-            </a:xfrm>
-            <a:prstGeom prst="rect">
-              <a:avLst/>
-            </a:prstGeom>
-          </p:spPr>
-          <p:txBody>
-            <a:bodyPr vert="horz" lIns="91440" tIns="45720" rIns="91440" bIns="45720" rtlCol="0" anchor="b">
-              <a:noAutofit/>
-            </a:bodyPr>
-            <a:lstStyle>
-              <a:lvl1pPr algn="ctr" defTabSz="914400" rtl="0" eaLnBrk="1" latinLnBrk="0" hangingPunct="1">
-                <a:lnSpc>
-                  <a:spcPct val="90000"/>
-                </a:lnSpc>
-                <a:spcBef>
-                  <a:spcPct val="0"/>
-                </a:spcBef>
-                <a:buNone/>
-                <a:defRPr sz="6000" kern="1200">
-                  <a:solidFill>
-                    <a:schemeClr val="tx1"/>
-                  </a:solidFill>
-                  <a:latin typeface="+mj-lt"/>
-                  <a:ea typeface="+mj-ea"/>
-                  <a:cs typeface="+mj-cs"/>
-                </a:defRPr>
-              </a:lvl1pPr>
-            </a:lstStyle>
-            <a:p>
-              <a:pPr algn="l"/>
-              <a:r>
-                <a:rPr lang="tr-TR" sz="2000" dirty="0">
-                  <a:solidFill>
-                    <a:srgbClr val="CB171F"/>
-                  </a:solidFill>
-                  <a:latin typeface="Constantia" panose="02030602050306030303" pitchFamily="18" charset="0"/>
-                  <a:ea typeface="Verdana" panose="020B0604030504040204" pitchFamily="34" charset="0"/>
-                  <a:cs typeface="Arial" panose="020B0604020202020204" pitchFamily="34" charset="0"/>
-                </a:rPr>
-                <a:t>A’dan Z’ye Büyük Veri</a:t>
-              </a:r>
-              <a:endParaRPr lang="en-US" sz="2000" dirty="0">
-                <a:solidFill>
-                  <a:srgbClr val="CB171F"/>
-                </a:solidFill>
-                <a:latin typeface="Constantia" panose="02030602050306030303" pitchFamily="18" charset="0"/>
-                <a:ea typeface="Verdana" panose="020B0604030504040204" pitchFamily="34" charset="0"/>
-                <a:cs typeface="Arial" panose="020B0604020202020204" pitchFamily="34" charset="0"/>
-              </a:endParaRPr>
-            </a:p>
-          </p:txBody>
-        </p:sp>
-      </p:grpSp>
       <p:sp>
         <p:nvSpPr>
           <p:cNvPr id="16" name="Unvan 1"/>
@@ -5898,7 +4371,7 @@
           <a:lstStyle/>
           <a:p>
             <a:r>
-              <a:rPr lang="tr-TR" sz="4200" b="1" dirty="0" smtClean="0">
+              <a:rPr lang="tr-TR" sz="4200" b="1" dirty="0">
                 <a:solidFill>
                   <a:srgbClr val="CD1F26"/>
                 </a:solidFill>
@@ -5948,7 +4421,7 @@
               <a:buChar char="ü"/>
             </a:pPr>
             <a:r>
-              <a:rPr lang="tr-TR" sz="2400" dirty="0" smtClean="0">
+              <a:rPr lang="tr-TR" sz="2400" dirty="0">
                 <a:solidFill>
                   <a:srgbClr val="404041"/>
                 </a:solidFill>
@@ -6044,19 +4517,10 @@
                 </a:solidFill>
                 <a:latin typeface="Consolas" panose="020B0609020204030204" pitchFamily="49" charset="0"/>
               </a:rPr>
-              <a:t>/benimDosyam.txt</a:t>
-            </a:r>
-            <a:r>
-              <a:rPr lang="tr-TR" sz="2400" dirty="0" smtClean="0">
-                <a:solidFill>
-                  <a:prstClr val="black"/>
-                </a:solidFill>
-                <a:latin typeface="Consolas" panose="020B0609020204030204" pitchFamily="49" charset="0"/>
-              </a:rPr>
-              <a:t>"</a:t>
-            </a:r>
-            <a:r>
-              <a:rPr lang="tr-TR" sz="2400" dirty="0" smtClean="0">
+              <a:t>/benimDosyam.txt"</a:t>
+            </a:r>
+            <a:r>
+              <a:rPr lang="tr-TR" sz="2400" dirty="0">
                 <a:solidFill>
                   <a:srgbClr val="404041"/>
                 </a:solidFill>
@@ -6064,7 +4528,7 @@
               </a:rPr>
               <a:t>)</a:t>
             </a:r>
-            <a:endParaRPr lang="tr-TR" sz="2400" dirty="0" smtClean="0">
+            <a:endParaRPr lang="tr-TR" sz="2400" dirty="0">
               <a:solidFill>
                 <a:srgbClr val="404041"/>
               </a:solidFill>
@@ -6079,7 +4543,7 @@
               <a:buFont typeface="Wingdings" panose="05000000000000000000" pitchFamily="2" charset="2"/>
               <a:buChar char="ü"/>
             </a:pPr>
-            <a:endParaRPr lang="tr-TR" sz="2400" dirty="0" smtClean="0">
+            <a:endParaRPr lang="tr-TR" sz="2400" dirty="0">
               <a:solidFill>
                 <a:srgbClr val="404041"/>
               </a:solidFill>
@@ -6095,7 +4559,7 @@
               <a:buChar char="ü"/>
             </a:pPr>
             <a:r>
-              <a:rPr lang="tr-TR" sz="2400" dirty="0" smtClean="0">
+              <a:rPr lang="tr-TR" sz="2400" dirty="0">
                 <a:solidFill>
                   <a:srgbClr val="404041"/>
                 </a:solidFill>
@@ -6104,7 +4568,7 @@
               <a:t>Mevcut bir veriyi parçalayıp </a:t>
             </a:r>
             <a:r>
-              <a:rPr lang="tr-TR" sz="2400" dirty="0" err="1" smtClean="0">
+              <a:rPr lang="tr-TR" sz="2400" dirty="0" err="1">
                 <a:solidFill>
                   <a:srgbClr val="404041"/>
                 </a:solidFill>
@@ -6113,7 +4577,7 @@
               <a:t>cluster</a:t>
             </a:r>
             <a:r>
-              <a:rPr lang="tr-TR" sz="2400" dirty="0" smtClean="0">
+              <a:rPr lang="tr-TR" sz="2400" dirty="0">
                 <a:solidFill>
                   <a:srgbClr val="404041"/>
                 </a:solidFill>
@@ -6202,7 +4666,7 @@
               </a:rPr>
               <a:t>(1,2,3,4,5,6,7,8))</a:t>
             </a:r>
-            <a:endParaRPr lang="tr-TR" sz="2400" dirty="0" smtClean="0">
+            <a:endParaRPr lang="tr-TR" sz="2400" dirty="0">
               <a:solidFill>
                 <a:srgbClr val="404041"/>
               </a:solidFill>
@@ -6217,7 +4681,7 @@
               <a:buFont typeface="Wingdings" panose="05000000000000000000" pitchFamily="2" charset="2"/>
               <a:buChar char="ü"/>
             </a:pPr>
-            <a:endParaRPr lang="tr-TR" sz="2400" dirty="0" smtClean="0">
+            <a:endParaRPr lang="tr-TR" sz="2400" dirty="0">
               <a:solidFill>
                 <a:srgbClr val="404041"/>
               </a:solidFill>
@@ -6236,13 +4700,6 @@
   <p:clrMapOvr>
     <a:masterClrMapping/>
   </p:clrMapOvr>
-  <p:timing>
-    <p:tnLst>
-      <p:par>
-        <p:cTn id="1" dur="indefinite" restart="never" nodeType="tmRoot"/>
-      </p:par>
-    </p:tnLst>
-  </p:timing>
 </p:sld>
 </file>
 
@@ -6300,369 +4757,6 @@
           </a:fontRef>
         </p:style>
       </p:cxnSp>
-      <p:grpSp>
-        <p:nvGrpSpPr>
-          <p:cNvPr id="15" name="Grup 14"/>
-          <p:cNvGrpSpPr/>
-          <p:nvPr/>
-        </p:nvGrpSpPr>
-        <p:grpSpPr>
-          <a:xfrm>
-            <a:off x="228596" y="6231467"/>
-            <a:ext cx="3041654" cy="492576"/>
-            <a:chOff x="228596" y="6231467"/>
-            <a:chExt cx="3041654" cy="492576"/>
-          </a:xfrm>
-        </p:grpSpPr>
-        <p:grpSp>
-          <p:nvGrpSpPr>
-            <p:cNvPr id="8" name="Grup 7"/>
-            <p:cNvGrpSpPr/>
-            <p:nvPr/>
-          </p:nvGrpSpPr>
-          <p:grpSpPr>
-            <a:xfrm>
-              <a:off x="228596" y="6231467"/>
-              <a:ext cx="2802471" cy="457084"/>
-              <a:chOff x="127000" y="5901146"/>
-              <a:chExt cx="5156200" cy="838200"/>
-            </a:xfrm>
-          </p:grpSpPr>
-          <p:sp>
-            <p:nvSpPr>
-              <p:cNvPr id="7" name="Dikdörtgen 6"/>
-              <p:cNvSpPr/>
-              <p:nvPr/>
-            </p:nvSpPr>
-            <p:spPr>
-              <a:xfrm>
-                <a:off x="127000" y="5901146"/>
-                <a:ext cx="5156200" cy="838200"/>
-              </a:xfrm>
-              <a:prstGeom prst="rect">
-                <a:avLst/>
-              </a:prstGeom>
-              <a:solidFill>
-                <a:schemeClr val="bg1">
-                  <a:lumMod val="95000"/>
-                </a:schemeClr>
-              </a:solidFill>
-              <a:ln>
-                <a:noFill/>
-              </a:ln>
-            </p:spPr>
-            <p:style>
-              <a:lnRef idx="2">
-                <a:schemeClr val="accent1">
-                  <a:shade val="50000"/>
-                </a:schemeClr>
-              </a:lnRef>
-              <a:fillRef idx="1">
-                <a:schemeClr val="accent1"/>
-              </a:fillRef>
-              <a:effectRef idx="0">
-                <a:schemeClr val="accent1"/>
-              </a:effectRef>
-              <a:fontRef idx="minor">
-                <a:schemeClr val="lt1"/>
-              </a:fontRef>
-            </p:style>
-            <p:txBody>
-              <a:bodyPr rtlCol="0" anchor="ctr"/>
-              <a:lstStyle/>
-              <a:p>
-                <a:pPr algn="ctr"/>
-                <a:endParaRPr lang="en-US" sz="2000"/>
-              </a:p>
-            </p:txBody>
-          </p:sp>
-          <p:grpSp>
-            <p:nvGrpSpPr>
-              <p:cNvPr id="6" name="Grup 5"/>
-              <p:cNvGrpSpPr/>
-              <p:nvPr/>
-            </p:nvGrpSpPr>
-            <p:grpSpPr>
-              <a:xfrm>
-                <a:off x="211667" y="6019800"/>
-                <a:ext cx="5012266" cy="605115"/>
-                <a:chOff x="211667" y="6019800"/>
-                <a:chExt cx="5012266" cy="605115"/>
-              </a:xfrm>
-            </p:grpSpPr>
-            <p:pic>
-              <p:nvPicPr>
-                <p:cNvPr id="4" name="Resim 3"/>
-                <p:cNvPicPr>
-                  <a:picLocks noChangeAspect="1"/>
-                </p:cNvPicPr>
-                <p:nvPr/>
-              </p:nvPicPr>
-              <p:blipFill rotWithShape="1">
-                <a:blip r:embed="rId2" cstate="print">
-                  <a:extLst>
-                    <a:ext uri="{28A0092B-C50C-407E-A947-70E740481C1C}">
-                      <a14:useLocalDpi xmlns:a14="http://schemas.microsoft.com/office/drawing/2010/main" val="0"/>
-                    </a:ext>
-                  </a:extLst>
-                </a:blip>
-                <a:srcRect l="24387" t="8319" r="18355" b="50150"/>
-                <a:stretch/>
-              </p:blipFill>
-              <p:spPr>
-                <a:xfrm>
-                  <a:off x="211667" y="6019800"/>
-                  <a:ext cx="1072095" cy="600892"/>
-                </a:xfrm>
-                <a:prstGeom prst="rect">
-                  <a:avLst/>
-                </a:prstGeom>
-              </p:spPr>
-            </p:pic>
-            <p:sp>
-              <p:nvSpPr>
-                <p:cNvPr id="5" name="Unvan 1"/>
-                <p:cNvSpPr txBox="1">
-                  <a:spLocks/>
-                </p:cNvSpPr>
-                <p:nvPr/>
-              </p:nvSpPr>
-              <p:spPr>
-                <a:xfrm>
-                  <a:off x="1283763" y="6024023"/>
-                  <a:ext cx="3940170" cy="600892"/>
-                </a:xfrm>
-                <a:prstGeom prst="rect">
-                  <a:avLst/>
-                </a:prstGeom>
-              </p:spPr>
-              <p:txBody>
-                <a:bodyPr vert="horz" lIns="91440" tIns="45720" rIns="91440" bIns="45720" rtlCol="0" anchor="b">
-                  <a:noAutofit/>
-                </a:bodyPr>
-                <a:lstStyle>
-                  <a:lvl1pPr algn="ctr" defTabSz="914400" rtl="0" eaLnBrk="1" latinLnBrk="0" hangingPunct="1">
-                    <a:lnSpc>
-                      <a:spcPct val="90000"/>
-                    </a:lnSpc>
-                    <a:spcBef>
-                      <a:spcPct val="0"/>
-                    </a:spcBef>
-                    <a:buNone/>
-                    <a:defRPr sz="6000" kern="1200">
-                      <a:solidFill>
-                        <a:schemeClr val="tx1"/>
-                      </a:solidFill>
-                      <a:latin typeface="+mj-lt"/>
-                      <a:ea typeface="+mj-ea"/>
-                      <a:cs typeface="+mj-cs"/>
-                    </a:defRPr>
-                  </a:lvl1pPr>
-                </a:lstStyle>
-                <a:p>
-                  <a:pPr algn="l"/>
-                  <a:r>
-                    <a:rPr lang="tr-TR" sz="2000" dirty="0" smtClean="0">
-                      <a:solidFill>
-                        <a:srgbClr val="CB171F"/>
-                      </a:solidFill>
-                      <a:latin typeface="Constantia" panose="02030602050306030303" pitchFamily="18" charset="0"/>
-                      <a:ea typeface="Verdana" panose="020B0604030504040204" pitchFamily="34" charset="0"/>
-                      <a:cs typeface="Arial" panose="020B0604020202020204" pitchFamily="34" charset="0"/>
-                    </a:rPr>
-                    <a:t>Veri Bilimi Okulu</a:t>
-                  </a:r>
-                  <a:endParaRPr lang="en-US" sz="2000" dirty="0">
-                    <a:solidFill>
-                      <a:srgbClr val="CB171F"/>
-                    </a:solidFill>
-                    <a:latin typeface="Constantia" panose="02030602050306030303" pitchFamily="18" charset="0"/>
-                    <a:ea typeface="Verdana" panose="020B0604030504040204" pitchFamily="34" charset="0"/>
-                    <a:cs typeface="Arial" panose="020B0604020202020204" pitchFamily="34" charset="0"/>
-                  </a:endParaRPr>
-                </a:p>
-              </p:txBody>
-            </p:sp>
-          </p:grpSp>
-        </p:grpSp>
-        <p:sp>
-          <p:nvSpPr>
-            <p:cNvPr id="12" name="Metin kutusu 11"/>
-            <p:cNvSpPr txBox="1"/>
-            <p:nvPr/>
-          </p:nvSpPr>
-          <p:spPr>
-            <a:xfrm>
-              <a:off x="1582782" y="6493211"/>
-              <a:ext cx="1687468" cy="230832"/>
-            </a:xfrm>
-            <a:prstGeom prst="rect">
-              <a:avLst/>
-            </a:prstGeom>
-            <a:noFill/>
-          </p:spPr>
-          <p:txBody>
-            <a:bodyPr wrap="square" rtlCol="0">
-              <a:spAutoFit/>
-            </a:bodyPr>
-            <a:lstStyle/>
-            <a:p>
-              <a:r>
-                <a:rPr lang="en-US" sz="900" dirty="0" smtClean="0">
-                  <a:solidFill>
-                    <a:srgbClr val="0B8043"/>
-                  </a:solidFill>
-                </a:rPr>
-                <a:t>https:</a:t>
-              </a:r>
-              <a:r>
-                <a:rPr lang="en-US" sz="900" dirty="0" smtClean="0">
-                  <a:solidFill>
-                    <a:schemeClr val="bg1">
-                      <a:lumMod val="50000"/>
-                    </a:schemeClr>
-                  </a:solidFill>
-                </a:rPr>
-                <a:t>//www.veribilimi.co</a:t>
-              </a:r>
-              <a:endParaRPr lang="en-US" sz="900" dirty="0">
-                <a:solidFill>
-                  <a:schemeClr val="bg1">
-                    <a:lumMod val="50000"/>
-                  </a:schemeClr>
-                </a:solidFill>
-              </a:endParaRPr>
-            </a:p>
-          </p:txBody>
-        </p:sp>
-      </p:grpSp>
-      <p:grpSp>
-        <p:nvGrpSpPr>
-          <p:cNvPr id="11" name="Grup 10"/>
-          <p:cNvGrpSpPr/>
-          <p:nvPr/>
-        </p:nvGrpSpPr>
-        <p:grpSpPr>
-          <a:xfrm>
-            <a:off x="9194796" y="6231467"/>
-            <a:ext cx="2802471" cy="457084"/>
-            <a:chOff x="184993" y="5905369"/>
-            <a:chExt cx="5156200" cy="838200"/>
-          </a:xfrm>
-        </p:grpSpPr>
-        <p:sp>
-          <p:nvSpPr>
-            <p:cNvPr id="13" name="Dikdörtgen 12"/>
-            <p:cNvSpPr/>
-            <p:nvPr/>
-          </p:nvSpPr>
-          <p:spPr>
-            <a:xfrm>
-              <a:off x="184993" y="5905369"/>
-              <a:ext cx="5156200" cy="838200"/>
-            </a:xfrm>
-            <a:prstGeom prst="rect">
-              <a:avLst/>
-            </a:prstGeom>
-            <a:solidFill>
-              <a:schemeClr val="bg1">
-                <a:lumMod val="95000"/>
-              </a:schemeClr>
-            </a:solidFill>
-            <a:ln>
-              <a:noFill/>
-            </a:ln>
-          </p:spPr>
-          <p:style>
-            <a:lnRef idx="2">
-              <a:schemeClr val="accent1">
-                <a:shade val="50000"/>
-              </a:schemeClr>
-            </a:lnRef>
-            <a:fillRef idx="1">
-              <a:schemeClr val="accent1"/>
-            </a:fillRef>
-            <a:effectRef idx="0">
-              <a:schemeClr val="accent1"/>
-            </a:effectRef>
-            <a:fontRef idx="minor">
-              <a:schemeClr val="lt1"/>
-            </a:fontRef>
-          </p:style>
-          <p:txBody>
-            <a:bodyPr rtlCol="0" anchor="ctr"/>
-            <a:lstStyle/>
-            <a:p>
-              <a:pPr algn="ctr"/>
-              <a:endParaRPr lang="en-US" sz="2000"/>
-            </a:p>
-          </p:txBody>
-        </p:sp>
-        <p:sp>
-          <p:nvSpPr>
-            <p:cNvPr id="14" name="Unvan 1"/>
-            <p:cNvSpPr txBox="1">
-              <a:spLocks/>
-            </p:cNvSpPr>
-            <p:nvPr/>
-          </p:nvSpPr>
-          <p:spPr>
-            <a:xfrm>
-              <a:off x="302252" y="6024023"/>
-              <a:ext cx="4921678" cy="600892"/>
-            </a:xfrm>
-            <a:prstGeom prst="rect">
-              <a:avLst/>
-            </a:prstGeom>
-          </p:spPr>
-          <p:txBody>
-            <a:bodyPr vert="horz" lIns="91440" tIns="45720" rIns="91440" bIns="45720" rtlCol="0" anchor="b">
-              <a:noAutofit/>
-            </a:bodyPr>
-            <a:lstStyle>
-              <a:lvl1pPr algn="ctr" defTabSz="914400" rtl="0" eaLnBrk="1" latinLnBrk="0" hangingPunct="1">
-                <a:lnSpc>
-                  <a:spcPct val="90000"/>
-                </a:lnSpc>
-                <a:spcBef>
-                  <a:spcPct val="0"/>
-                </a:spcBef>
-                <a:buNone/>
-                <a:defRPr sz="6000" kern="1200">
-                  <a:solidFill>
-                    <a:schemeClr val="tx1"/>
-                  </a:solidFill>
-                  <a:latin typeface="+mj-lt"/>
-                  <a:ea typeface="+mj-ea"/>
-                  <a:cs typeface="+mj-cs"/>
-                </a:defRPr>
-              </a:lvl1pPr>
-            </a:lstStyle>
-            <a:p>
-              <a:pPr algn="l"/>
-              <a:r>
-                <a:rPr lang="tr-TR" sz="2000" dirty="0">
-                  <a:solidFill>
-                    <a:srgbClr val="CB171F"/>
-                  </a:solidFill>
-                  <a:latin typeface="Constantia" panose="02030602050306030303" pitchFamily="18" charset="0"/>
-                  <a:ea typeface="Verdana" panose="020B0604030504040204" pitchFamily="34" charset="0"/>
-                  <a:cs typeface="Arial" panose="020B0604020202020204" pitchFamily="34" charset="0"/>
-                </a:rPr>
-                <a:t>A’dan Z’ye Büyük Veri</a:t>
-              </a:r>
-              <a:endParaRPr lang="en-US" sz="2000" dirty="0">
-                <a:solidFill>
-                  <a:srgbClr val="CB171F"/>
-                </a:solidFill>
-                <a:latin typeface="Constantia" panose="02030602050306030303" pitchFamily="18" charset="0"/>
-                <a:ea typeface="Verdana" panose="020B0604030504040204" pitchFamily="34" charset="0"/>
-                <a:cs typeface="Arial" panose="020B0604020202020204" pitchFamily="34" charset="0"/>
-              </a:endParaRPr>
-            </a:p>
-          </p:txBody>
-        </p:sp>
-      </p:grpSp>
       <p:sp>
         <p:nvSpPr>
           <p:cNvPr id="16" name="Unvan 1"/>
@@ -6686,7 +4780,7 @@
           <a:lstStyle/>
           <a:p>
             <a:r>
-              <a:rPr lang="tr-TR" sz="4200" b="1" dirty="0" smtClean="0">
+              <a:rPr lang="tr-TR" sz="4200" b="1" dirty="0">
                 <a:solidFill>
                   <a:srgbClr val="CD1F26"/>
                 </a:solidFill>
@@ -6736,7 +4830,7 @@
               <a:buChar char="ü"/>
             </a:pPr>
             <a:r>
-              <a:rPr lang="tr-TR" sz="2800" b="1" dirty="0" err="1" smtClean="0">
+              <a:rPr lang="tr-TR" sz="2800" b="1" dirty="0" err="1">
                 <a:solidFill>
                   <a:srgbClr val="0070C0"/>
                 </a:solidFill>
@@ -6744,7 +4838,7 @@
               </a:rPr>
               <a:t>Transformation</a:t>
             </a:r>
-            <a:endParaRPr lang="tr-TR" sz="2800" b="1" dirty="0" smtClean="0">
+            <a:endParaRPr lang="tr-TR" sz="2800" b="1" dirty="0">
               <a:solidFill>
                 <a:srgbClr val="0070C0"/>
               </a:solidFill>
@@ -6760,7 +4854,7 @@
               <a:buChar char="ü"/>
             </a:pPr>
             <a:r>
-              <a:rPr lang="tr-TR" sz="2400" dirty="0" err="1" smtClean="0">
+              <a:rPr lang="tr-TR" sz="2400" dirty="0" err="1">
                 <a:solidFill>
                   <a:srgbClr val="404041"/>
                 </a:solidFill>
@@ -6769,7 +4863,7 @@
               <a:t>map</a:t>
             </a:r>
             <a:r>
-              <a:rPr lang="tr-TR" sz="2400" dirty="0" smtClean="0">
+              <a:rPr lang="tr-TR" sz="2400" dirty="0">
                 <a:solidFill>
                   <a:srgbClr val="404041"/>
                 </a:solidFill>
@@ -6787,7 +4881,7 @@
               <a:buChar char="ü"/>
             </a:pPr>
             <a:r>
-              <a:rPr lang="tr-TR" sz="2400" dirty="0" err="1" smtClean="0">
+              <a:rPr lang="tr-TR" sz="2400" dirty="0" err="1">
                 <a:solidFill>
                   <a:srgbClr val="404041"/>
                 </a:solidFill>
@@ -6796,7 +4890,7 @@
               <a:t>filter</a:t>
             </a:r>
             <a:r>
-              <a:rPr lang="tr-TR" sz="2400" dirty="0" smtClean="0">
+              <a:rPr lang="tr-TR" sz="2400" dirty="0">
                 <a:solidFill>
                   <a:srgbClr val="404041"/>
                 </a:solidFill>
@@ -6814,7 +4908,7 @@
               <a:buChar char="ü"/>
             </a:pPr>
             <a:r>
-              <a:rPr lang="tr-TR" sz="2400" dirty="0" err="1" smtClean="0">
+              <a:rPr lang="tr-TR" sz="2400" dirty="0" err="1">
                 <a:solidFill>
                   <a:srgbClr val="404041"/>
                 </a:solidFill>
@@ -6823,7 +4917,7 @@
               <a:t>flatMap</a:t>
             </a:r>
             <a:r>
-              <a:rPr lang="tr-TR" sz="2400" dirty="0" smtClean="0">
+              <a:rPr lang="tr-TR" sz="2400" dirty="0">
                 <a:solidFill>
                   <a:srgbClr val="404041"/>
                 </a:solidFill>
@@ -6841,7 +4935,7 @@
               <a:buChar char="ü"/>
             </a:pPr>
             <a:r>
-              <a:rPr lang="tr-TR" sz="2400" dirty="0" err="1" smtClean="0">
+              <a:rPr lang="tr-TR" sz="2400" dirty="0" err="1">
                 <a:solidFill>
                   <a:srgbClr val="404041"/>
                 </a:solidFill>
@@ -6850,7 +4944,7 @@
               <a:t>sample</a:t>
             </a:r>
             <a:r>
-              <a:rPr lang="tr-TR" sz="2400" dirty="0" smtClean="0">
+              <a:rPr lang="tr-TR" sz="2400" dirty="0">
                 <a:solidFill>
                   <a:srgbClr val="404041"/>
                 </a:solidFill>
@@ -6868,7 +4962,7 @@
               <a:buChar char="ü"/>
             </a:pPr>
             <a:r>
-              <a:rPr lang="tr-TR" sz="2400" dirty="0" err="1" smtClean="0">
+              <a:rPr lang="tr-TR" sz="2400" dirty="0" err="1">
                 <a:solidFill>
                   <a:srgbClr val="404041"/>
                 </a:solidFill>
@@ -6877,7 +4971,7 @@
               <a:t>repartition</a:t>
             </a:r>
             <a:r>
-              <a:rPr lang="tr-TR" sz="2400" dirty="0" smtClean="0">
+              <a:rPr lang="tr-TR" sz="2400" dirty="0">
                 <a:solidFill>
                   <a:srgbClr val="404041"/>
                 </a:solidFill>
@@ -6895,7 +4989,7 @@
               <a:buChar char="ü"/>
             </a:pPr>
             <a:r>
-              <a:rPr lang="tr-TR" sz="2400" dirty="0" err="1" smtClean="0">
+              <a:rPr lang="tr-TR" sz="2400" dirty="0" err="1">
                 <a:solidFill>
                   <a:srgbClr val="404041"/>
                 </a:solidFill>
@@ -6904,7 +4998,7 @@
               <a:t>join</a:t>
             </a:r>
             <a:r>
-              <a:rPr lang="tr-TR" sz="2400" dirty="0" smtClean="0">
+              <a:rPr lang="tr-TR" sz="2400" dirty="0">
                 <a:solidFill>
                   <a:srgbClr val="404041"/>
                 </a:solidFill>
@@ -6962,7 +5056,7 @@
               <a:buChar char="•"/>
             </a:pPr>
             <a:r>
-              <a:rPr lang="tr-TR" sz="2400" dirty="0" err="1" smtClean="0">
+              <a:rPr lang="tr-TR" sz="2400" dirty="0" err="1">
                 <a:solidFill>
                   <a:srgbClr val="404041"/>
                 </a:solidFill>
@@ -6971,7 +5065,7 @@
               <a:t>reduce</a:t>
             </a:r>
             <a:r>
-              <a:rPr lang="tr-TR" sz="2400" dirty="0" smtClean="0">
+              <a:rPr lang="tr-TR" sz="2400" dirty="0">
                 <a:solidFill>
                   <a:srgbClr val="404041"/>
                 </a:solidFill>
@@ -6989,7 +5083,7 @@
               <a:buChar char="•"/>
             </a:pPr>
             <a:r>
-              <a:rPr lang="tr-TR" sz="2400" dirty="0" err="1" smtClean="0">
+              <a:rPr lang="tr-TR" sz="2400" dirty="0" err="1">
                 <a:solidFill>
                   <a:srgbClr val="404041"/>
                 </a:solidFill>
@@ -6998,7 +5092,7 @@
               <a:t>collect</a:t>
             </a:r>
             <a:r>
-              <a:rPr lang="tr-TR" sz="2400" dirty="0" smtClean="0">
+              <a:rPr lang="tr-TR" sz="2400" dirty="0">
                 <a:solidFill>
                   <a:srgbClr val="404041"/>
                 </a:solidFill>
@@ -7016,7 +5110,7 @@
               <a:buChar char="•"/>
             </a:pPr>
             <a:r>
-              <a:rPr lang="tr-TR" sz="2400" dirty="0" err="1" smtClean="0">
+              <a:rPr lang="tr-TR" sz="2400" dirty="0" err="1">
                 <a:solidFill>
                   <a:srgbClr val="404041"/>
                 </a:solidFill>
@@ -7025,7 +5119,7 @@
               <a:t>count</a:t>
             </a:r>
             <a:r>
-              <a:rPr lang="tr-TR" sz="2400" dirty="0" smtClean="0">
+              <a:rPr lang="tr-TR" sz="2400" dirty="0">
                 <a:solidFill>
                   <a:srgbClr val="404041"/>
                 </a:solidFill>
@@ -7043,7 +5137,7 @@
               <a:buChar char="•"/>
             </a:pPr>
             <a:r>
-              <a:rPr lang="tr-TR" sz="2400" dirty="0" err="1" smtClean="0">
+              <a:rPr lang="tr-TR" sz="2400" dirty="0" err="1">
                 <a:solidFill>
                   <a:srgbClr val="404041"/>
                 </a:solidFill>
@@ -7052,7 +5146,7 @@
               <a:t>take</a:t>
             </a:r>
             <a:r>
-              <a:rPr lang="tr-TR" sz="2400" dirty="0" smtClean="0">
+              <a:rPr lang="tr-TR" sz="2400" dirty="0">
                 <a:solidFill>
                   <a:srgbClr val="404041"/>
                 </a:solidFill>
@@ -7070,7 +5164,7 @@
               <a:buChar char="•"/>
             </a:pPr>
             <a:r>
-              <a:rPr lang="tr-TR" sz="2400" dirty="0" err="1" smtClean="0">
+              <a:rPr lang="tr-TR" sz="2400" dirty="0" err="1">
                 <a:solidFill>
                   <a:srgbClr val="404041"/>
                 </a:solidFill>
@@ -7079,7 +5173,7 @@
               <a:t>saveAsTextFile</a:t>
             </a:r>
             <a:r>
-              <a:rPr lang="tr-TR" sz="2400" dirty="0" smtClean="0">
+              <a:rPr lang="tr-TR" sz="2400" dirty="0">
                 <a:solidFill>
                   <a:srgbClr val="404041"/>
                 </a:solidFill>
@@ -7097,7 +5191,7 @@
               <a:buChar char="•"/>
             </a:pPr>
             <a:r>
-              <a:rPr lang="tr-TR" sz="2400" dirty="0" err="1" smtClean="0">
+              <a:rPr lang="tr-TR" sz="2400" dirty="0" err="1">
                 <a:solidFill>
                   <a:srgbClr val="404041"/>
                 </a:solidFill>
@@ -7106,7 +5200,7 @@
               <a:t>takeSample</a:t>
             </a:r>
             <a:r>
-              <a:rPr lang="tr-TR" sz="2400" dirty="0" smtClean="0">
+              <a:rPr lang="tr-TR" sz="2400" dirty="0">
                 <a:solidFill>
                   <a:srgbClr val="404041"/>
                 </a:solidFill>
@@ -7123,7 +5217,7 @@
               <a:buFont typeface="Wingdings" panose="05000000000000000000" pitchFamily="2" charset="2"/>
               <a:buChar char="ü"/>
             </a:pPr>
-            <a:endParaRPr lang="tr-TR" sz="2400" dirty="0" smtClean="0">
+            <a:endParaRPr lang="tr-TR" sz="2400" dirty="0">
               <a:solidFill>
                 <a:srgbClr val="404041"/>
               </a:solidFill>
@@ -7142,13 +5236,6 @@
   <p:clrMapOvr>
     <a:masterClrMapping/>
   </p:clrMapOvr>
-  <p:timing>
-    <p:tnLst>
-      <p:par>
-        <p:cTn id="1" dur="indefinite" restart="never" nodeType="tmRoot"/>
-      </p:par>
-    </p:tnLst>
-  </p:timing>
 </p:sld>
 </file>
 
@@ -7244,369 +5331,6 @@
           </a:fontRef>
         </p:style>
       </p:cxnSp>
-      <p:grpSp>
-        <p:nvGrpSpPr>
-          <p:cNvPr id="15" name="Grup 14"/>
-          <p:cNvGrpSpPr/>
-          <p:nvPr/>
-        </p:nvGrpSpPr>
-        <p:grpSpPr>
-          <a:xfrm>
-            <a:off x="228596" y="6231467"/>
-            <a:ext cx="3041654" cy="492576"/>
-            <a:chOff x="228596" y="6231467"/>
-            <a:chExt cx="3041654" cy="492576"/>
-          </a:xfrm>
-        </p:grpSpPr>
-        <p:grpSp>
-          <p:nvGrpSpPr>
-            <p:cNvPr id="8" name="Grup 7"/>
-            <p:cNvGrpSpPr/>
-            <p:nvPr/>
-          </p:nvGrpSpPr>
-          <p:grpSpPr>
-            <a:xfrm>
-              <a:off x="228596" y="6231467"/>
-              <a:ext cx="2802471" cy="457084"/>
-              <a:chOff x="127000" y="5901146"/>
-              <a:chExt cx="5156200" cy="838200"/>
-            </a:xfrm>
-          </p:grpSpPr>
-          <p:sp>
-            <p:nvSpPr>
-              <p:cNvPr id="7" name="Dikdörtgen 6"/>
-              <p:cNvSpPr/>
-              <p:nvPr/>
-            </p:nvSpPr>
-            <p:spPr>
-              <a:xfrm>
-                <a:off x="127000" y="5901146"/>
-                <a:ext cx="5156200" cy="838200"/>
-              </a:xfrm>
-              <a:prstGeom prst="rect">
-                <a:avLst/>
-              </a:prstGeom>
-              <a:solidFill>
-                <a:schemeClr val="bg1">
-                  <a:lumMod val="95000"/>
-                </a:schemeClr>
-              </a:solidFill>
-              <a:ln>
-                <a:noFill/>
-              </a:ln>
-            </p:spPr>
-            <p:style>
-              <a:lnRef idx="2">
-                <a:schemeClr val="accent1">
-                  <a:shade val="50000"/>
-                </a:schemeClr>
-              </a:lnRef>
-              <a:fillRef idx="1">
-                <a:schemeClr val="accent1"/>
-              </a:fillRef>
-              <a:effectRef idx="0">
-                <a:schemeClr val="accent1"/>
-              </a:effectRef>
-              <a:fontRef idx="minor">
-                <a:schemeClr val="lt1"/>
-              </a:fontRef>
-            </p:style>
-            <p:txBody>
-              <a:bodyPr rtlCol="0" anchor="ctr"/>
-              <a:lstStyle/>
-              <a:p>
-                <a:pPr algn="ctr"/>
-                <a:endParaRPr lang="en-US" sz="2000"/>
-              </a:p>
-            </p:txBody>
-          </p:sp>
-          <p:grpSp>
-            <p:nvGrpSpPr>
-              <p:cNvPr id="6" name="Grup 5"/>
-              <p:cNvGrpSpPr/>
-              <p:nvPr/>
-            </p:nvGrpSpPr>
-            <p:grpSpPr>
-              <a:xfrm>
-                <a:off x="211667" y="6019800"/>
-                <a:ext cx="5012266" cy="605115"/>
-                <a:chOff x="211667" y="6019800"/>
-                <a:chExt cx="5012266" cy="605115"/>
-              </a:xfrm>
-            </p:grpSpPr>
-            <p:pic>
-              <p:nvPicPr>
-                <p:cNvPr id="4" name="Resim 3"/>
-                <p:cNvPicPr>
-                  <a:picLocks noChangeAspect="1"/>
-                </p:cNvPicPr>
-                <p:nvPr/>
-              </p:nvPicPr>
-              <p:blipFill rotWithShape="1">
-                <a:blip r:embed="rId2" cstate="print">
-                  <a:extLst>
-                    <a:ext uri="{28A0092B-C50C-407E-A947-70E740481C1C}">
-                      <a14:useLocalDpi xmlns:a14="http://schemas.microsoft.com/office/drawing/2010/main" val="0"/>
-                    </a:ext>
-                  </a:extLst>
-                </a:blip>
-                <a:srcRect l="24387" t="8319" r="18355" b="50150"/>
-                <a:stretch/>
-              </p:blipFill>
-              <p:spPr>
-                <a:xfrm>
-                  <a:off x="211667" y="6019800"/>
-                  <a:ext cx="1072095" cy="600892"/>
-                </a:xfrm>
-                <a:prstGeom prst="rect">
-                  <a:avLst/>
-                </a:prstGeom>
-              </p:spPr>
-            </p:pic>
-            <p:sp>
-              <p:nvSpPr>
-                <p:cNvPr id="5" name="Unvan 1"/>
-                <p:cNvSpPr txBox="1">
-                  <a:spLocks/>
-                </p:cNvSpPr>
-                <p:nvPr/>
-              </p:nvSpPr>
-              <p:spPr>
-                <a:xfrm>
-                  <a:off x="1283763" y="6024023"/>
-                  <a:ext cx="3940170" cy="600892"/>
-                </a:xfrm>
-                <a:prstGeom prst="rect">
-                  <a:avLst/>
-                </a:prstGeom>
-              </p:spPr>
-              <p:txBody>
-                <a:bodyPr vert="horz" lIns="91440" tIns="45720" rIns="91440" bIns="45720" rtlCol="0" anchor="b">
-                  <a:noAutofit/>
-                </a:bodyPr>
-                <a:lstStyle>
-                  <a:lvl1pPr algn="ctr" defTabSz="914400" rtl="0" eaLnBrk="1" latinLnBrk="0" hangingPunct="1">
-                    <a:lnSpc>
-                      <a:spcPct val="90000"/>
-                    </a:lnSpc>
-                    <a:spcBef>
-                      <a:spcPct val="0"/>
-                    </a:spcBef>
-                    <a:buNone/>
-                    <a:defRPr sz="6000" kern="1200">
-                      <a:solidFill>
-                        <a:schemeClr val="tx1"/>
-                      </a:solidFill>
-                      <a:latin typeface="+mj-lt"/>
-                      <a:ea typeface="+mj-ea"/>
-                      <a:cs typeface="+mj-cs"/>
-                    </a:defRPr>
-                  </a:lvl1pPr>
-                </a:lstStyle>
-                <a:p>
-                  <a:pPr algn="l"/>
-                  <a:r>
-                    <a:rPr lang="tr-TR" sz="2000" dirty="0" smtClean="0">
-                      <a:solidFill>
-                        <a:srgbClr val="CB171F"/>
-                      </a:solidFill>
-                      <a:latin typeface="Constantia" panose="02030602050306030303" pitchFamily="18" charset="0"/>
-                      <a:ea typeface="Verdana" panose="020B0604030504040204" pitchFamily="34" charset="0"/>
-                      <a:cs typeface="Arial" panose="020B0604020202020204" pitchFamily="34" charset="0"/>
-                    </a:rPr>
-                    <a:t>Veri Bilimi Okulu</a:t>
-                  </a:r>
-                  <a:endParaRPr lang="en-US" sz="2000" dirty="0">
-                    <a:solidFill>
-                      <a:srgbClr val="CB171F"/>
-                    </a:solidFill>
-                    <a:latin typeface="Constantia" panose="02030602050306030303" pitchFamily="18" charset="0"/>
-                    <a:ea typeface="Verdana" panose="020B0604030504040204" pitchFamily="34" charset="0"/>
-                    <a:cs typeface="Arial" panose="020B0604020202020204" pitchFamily="34" charset="0"/>
-                  </a:endParaRPr>
-                </a:p>
-              </p:txBody>
-            </p:sp>
-          </p:grpSp>
-        </p:grpSp>
-        <p:sp>
-          <p:nvSpPr>
-            <p:cNvPr id="12" name="Metin kutusu 11"/>
-            <p:cNvSpPr txBox="1"/>
-            <p:nvPr/>
-          </p:nvSpPr>
-          <p:spPr>
-            <a:xfrm>
-              <a:off x="1582782" y="6493211"/>
-              <a:ext cx="1687468" cy="230832"/>
-            </a:xfrm>
-            <a:prstGeom prst="rect">
-              <a:avLst/>
-            </a:prstGeom>
-            <a:noFill/>
-          </p:spPr>
-          <p:txBody>
-            <a:bodyPr wrap="square" rtlCol="0">
-              <a:spAutoFit/>
-            </a:bodyPr>
-            <a:lstStyle/>
-            <a:p>
-              <a:r>
-                <a:rPr lang="en-US" sz="900" dirty="0" smtClean="0">
-                  <a:solidFill>
-                    <a:srgbClr val="0B8043"/>
-                  </a:solidFill>
-                </a:rPr>
-                <a:t>https:</a:t>
-              </a:r>
-              <a:r>
-                <a:rPr lang="en-US" sz="900" dirty="0" smtClean="0">
-                  <a:solidFill>
-                    <a:schemeClr val="bg1">
-                      <a:lumMod val="50000"/>
-                    </a:schemeClr>
-                  </a:solidFill>
-                </a:rPr>
-                <a:t>//www.veribilimi.co</a:t>
-              </a:r>
-              <a:endParaRPr lang="en-US" sz="900" dirty="0">
-                <a:solidFill>
-                  <a:schemeClr val="bg1">
-                    <a:lumMod val="50000"/>
-                  </a:schemeClr>
-                </a:solidFill>
-              </a:endParaRPr>
-            </a:p>
-          </p:txBody>
-        </p:sp>
-      </p:grpSp>
-      <p:grpSp>
-        <p:nvGrpSpPr>
-          <p:cNvPr id="11" name="Grup 10"/>
-          <p:cNvGrpSpPr/>
-          <p:nvPr/>
-        </p:nvGrpSpPr>
-        <p:grpSpPr>
-          <a:xfrm>
-            <a:off x="9194796" y="6231467"/>
-            <a:ext cx="2802471" cy="457084"/>
-            <a:chOff x="184993" y="5905369"/>
-            <a:chExt cx="5156200" cy="838200"/>
-          </a:xfrm>
-        </p:grpSpPr>
-        <p:sp>
-          <p:nvSpPr>
-            <p:cNvPr id="13" name="Dikdörtgen 12"/>
-            <p:cNvSpPr/>
-            <p:nvPr/>
-          </p:nvSpPr>
-          <p:spPr>
-            <a:xfrm>
-              <a:off x="184993" y="5905369"/>
-              <a:ext cx="5156200" cy="838200"/>
-            </a:xfrm>
-            <a:prstGeom prst="rect">
-              <a:avLst/>
-            </a:prstGeom>
-            <a:solidFill>
-              <a:schemeClr val="bg1">
-                <a:lumMod val="95000"/>
-              </a:schemeClr>
-            </a:solidFill>
-            <a:ln>
-              <a:noFill/>
-            </a:ln>
-          </p:spPr>
-          <p:style>
-            <a:lnRef idx="2">
-              <a:schemeClr val="accent1">
-                <a:shade val="50000"/>
-              </a:schemeClr>
-            </a:lnRef>
-            <a:fillRef idx="1">
-              <a:schemeClr val="accent1"/>
-            </a:fillRef>
-            <a:effectRef idx="0">
-              <a:schemeClr val="accent1"/>
-            </a:effectRef>
-            <a:fontRef idx="minor">
-              <a:schemeClr val="lt1"/>
-            </a:fontRef>
-          </p:style>
-          <p:txBody>
-            <a:bodyPr rtlCol="0" anchor="ctr"/>
-            <a:lstStyle/>
-            <a:p>
-              <a:pPr algn="ctr"/>
-              <a:endParaRPr lang="en-US" sz="2000"/>
-            </a:p>
-          </p:txBody>
-        </p:sp>
-        <p:sp>
-          <p:nvSpPr>
-            <p:cNvPr id="14" name="Unvan 1"/>
-            <p:cNvSpPr txBox="1">
-              <a:spLocks/>
-            </p:cNvSpPr>
-            <p:nvPr/>
-          </p:nvSpPr>
-          <p:spPr>
-            <a:xfrm>
-              <a:off x="302252" y="6024023"/>
-              <a:ext cx="4921678" cy="600892"/>
-            </a:xfrm>
-            <a:prstGeom prst="rect">
-              <a:avLst/>
-            </a:prstGeom>
-          </p:spPr>
-          <p:txBody>
-            <a:bodyPr vert="horz" lIns="91440" tIns="45720" rIns="91440" bIns="45720" rtlCol="0" anchor="b">
-              <a:noAutofit/>
-            </a:bodyPr>
-            <a:lstStyle>
-              <a:lvl1pPr algn="ctr" defTabSz="914400" rtl="0" eaLnBrk="1" latinLnBrk="0" hangingPunct="1">
-                <a:lnSpc>
-                  <a:spcPct val="90000"/>
-                </a:lnSpc>
-                <a:spcBef>
-                  <a:spcPct val="0"/>
-                </a:spcBef>
-                <a:buNone/>
-                <a:defRPr sz="6000" kern="1200">
-                  <a:solidFill>
-                    <a:schemeClr val="tx1"/>
-                  </a:solidFill>
-                  <a:latin typeface="+mj-lt"/>
-                  <a:ea typeface="+mj-ea"/>
-                  <a:cs typeface="+mj-cs"/>
-                </a:defRPr>
-              </a:lvl1pPr>
-            </a:lstStyle>
-            <a:p>
-              <a:pPr algn="l"/>
-              <a:r>
-                <a:rPr lang="tr-TR" sz="2000" dirty="0">
-                  <a:solidFill>
-                    <a:srgbClr val="CB171F"/>
-                  </a:solidFill>
-                  <a:latin typeface="Constantia" panose="02030602050306030303" pitchFamily="18" charset="0"/>
-                  <a:ea typeface="Verdana" panose="020B0604030504040204" pitchFamily="34" charset="0"/>
-                  <a:cs typeface="Arial" panose="020B0604020202020204" pitchFamily="34" charset="0"/>
-                </a:rPr>
-                <a:t>A’dan Z’ye Büyük Veri</a:t>
-              </a:r>
-              <a:endParaRPr lang="en-US" sz="2000" dirty="0">
-                <a:solidFill>
-                  <a:srgbClr val="CB171F"/>
-                </a:solidFill>
-                <a:latin typeface="Constantia" panose="02030602050306030303" pitchFamily="18" charset="0"/>
-                <a:ea typeface="Verdana" panose="020B0604030504040204" pitchFamily="34" charset="0"/>
-                <a:cs typeface="Arial" panose="020B0604020202020204" pitchFamily="34" charset="0"/>
-              </a:endParaRPr>
-            </a:p>
-          </p:txBody>
-        </p:sp>
-      </p:grpSp>
       <p:sp>
         <p:nvSpPr>
           <p:cNvPr id="16" name="Unvan 1"/>
@@ -7630,7 +5354,7 @@
           <a:lstStyle/>
           <a:p>
             <a:r>
-              <a:rPr lang="tr-TR" sz="3600" b="1" dirty="0" smtClean="0">
+              <a:rPr lang="tr-TR" sz="3600" b="1" dirty="0">
                 <a:solidFill>
                   <a:srgbClr val="CD1F26"/>
                 </a:solidFill>
@@ -8666,9 +6390,27 @@
                 <a:tableStyleId>{5940675A-B579-460E-94D1-54222C63F5DA}</a:tableStyleId>
               </a:tblPr>
               <a:tblGrid>
-                <a:gridCol w="373447"/>
-                <a:gridCol w="641035"/>
-                <a:gridCol w="507241"/>
+                <a:gridCol w="373447">
+                  <a:extLst>
+                    <a:ext uri="{9D8B030D-6E8A-4147-A177-3AD203B41FA5}">
+                      <a16:colId xmlns:a16="http://schemas.microsoft.com/office/drawing/2014/main" val="20000"/>
+                    </a:ext>
+                  </a:extLst>
+                </a:gridCol>
+                <a:gridCol w="641035">
+                  <a:extLst>
+                    <a:ext uri="{9D8B030D-6E8A-4147-A177-3AD203B41FA5}">
+                      <a16:colId xmlns:a16="http://schemas.microsoft.com/office/drawing/2014/main" val="20001"/>
+                    </a:ext>
+                  </a:extLst>
+                </a:gridCol>
+                <a:gridCol w="507241">
+                  <a:extLst>
+                    <a:ext uri="{9D8B030D-6E8A-4147-A177-3AD203B41FA5}">
+                      <a16:colId xmlns:a16="http://schemas.microsoft.com/office/drawing/2014/main" val="20002"/>
+                    </a:ext>
+                  </a:extLst>
+                </a:gridCol>
               </a:tblGrid>
               <a:tr h="260553">
                 <a:tc>
@@ -8677,7 +6419,7 @@
                     <a:lstStyle/>
                     <a:p>
                       <a:r>
-                        <a:rPr lang="tr-TR" sz="1000" dirty="0" smtClean="0"/>
+                        <a:rPr lang="tr-TR" sz="1000" dirty="0"/>
                         <a:t>1,</a:t>
                       </a:r>
                       <a:endParaRPr lang="en-US" sz="1000" dirty="0"/>
@@ -8712,7 +6454,7 @@
                     <a:lstStyle/>
                     <a:p>
                       <a:r>
-                        <a:rPr lang="tr-TR" sz="1000" dirty="0" smtClean="0"/>
+                        <a:rPr lang="tr-TR" sz="1000" dirty="0"/>
                         <a:t>Gülsüm,</a:t>
                       </a:r>
                       <a:endParaRPr lang="en-US" sz="1000" dirty="0"/>
@@ -8747,7 +6489,7 @@
                     <a:lstStyle/>
                     <a:p>
                       <a:r>
-                        <a:rPr lang="tr-TR" sz="1000" dirty="0" smtClean="0"/>
+                        <a:rPr lang="tr-TR" sz="1000" dirty="0"/>
                         <a:t>35</a:t>
                       </a:r>
                       <a:endParaRPr lang="en-US" sz="1000" dirty="0"/>
@@ -8776,6 +6518,11 @@
                     </a:lnBlToTr>
                   </a:tcPr>
                 </a:tc>
+                <a:extLst>
+                  <a:ext uri="{0D108BD9-81ED-4DB2-BD59-A6C34878D82A}">
+                    <a16:rowId xmlns:a16="http://schemas.microsoft.com/office/drawing/2014/main" val="10000"/>
+                  </a:ext>
+                </a:extLst>
               </a:tr>
               <a:tr h="260553">
                 <a:tc>
@@ -8784,7 +6531,7 @@
                     <a:lstStyle/>
                     <a:p>
                       <a:r>
-                        <a:rPr lang="tr-TR" sz="1000" dirty="0" smtClean="0"/>
+                        <a:rPr lang="tr-TR" sz="1000" dirty="0"/>
                         <a:t>2,</a:t>
                       </a:r>
                       <a:endParaRPr lang="en-US" sz="1000" dirty="0"/>
@@ -8819,7 +6566,7 @@
                     <a:lstStyle/>
                     <a:p>
                       <a:r>
-                        <a:rPr lang="tr-TR" sz="1000" dirty="0" smtClean="0"/>
+                        <a:rPr lang="tr-TR" sz="1000" dirty="0"/>
                         <a:t>Cemal,</a:t>
                       </a:r>
                       <a:endParaRPr lang="en-US" sz="1000" dirty="0"/>
@@ -8854,7 +6601,7 @@
                     <a:lstStyle/>
                     <a:p>
                       <a:r>
-                        <a:rPr lang="tr-TR" sz="1000" dirty="0" smtClean="0"/>
+                        <a:rPr lang="tr-TR" sz="1000" dirty="0"/>
                         <a:t>23</a:t>
                       </a:r>
                       <a:endParaRPr lang="en-US" sz="1000" dirty="0"/>
@@ -8883,6 +6630,11 @@
                     </a:lnBlToTr>
                   </a:tcPr>
                 </a:tc>
+                <a:extLst>
+                  <a:ext uri="{0D108BD9-81ED-4DB2-BD59-A6C34878D82A}">
+                    <a16:rowId xmlns:a16="http://schemas.microsoft.com/office/drawing/2014/main" val="10001"/>
+                  </a:ext>
+                </a:extLst>
               </a:tr>
             </a:tbl>
           </a:graphicData>
@@ -8913,9 +6665,27 @@
                 <a:tableStyleId>{5940675A-B579-460E-94D1-54222C63F5DA}</a:tableStyleId>
               </a:tblPr>
               <a:tblGrid>
-                <a:gridCol w="373448"/>
-                <a:gridCol w="641034"/>
-                <a:gridCol w="507241"/>
+                <a:gridCol w="373448">
+                  <a:extLst>
+                    <a:ext uri="{9D8B030D-6E8A-4147-A177-3AD203B41FA5}">
+                      <a16:colId xmlns:a16="http://schemas.microsoft.com/office/drawing/2014/main" val="20000"/>
+                    </a:ext>
+                  </a:extLst>
+                </a:gridCol>
+                <a:gridCol w="641034">
+                  <a:extLst>
+                    <a:ext uri="{9D8B030D-6E8A-4147-A177-3AD203B41FA5}">
+                      <a16:colId xmlns:a16="http://schemas.microsoft.com/office/drawing/2014/main" val="20001"/>
+                    </a:ext>
+                  </a:extLst>
+                </a:gridCol>
+                <a:gridCol w="507241">
+                  <a:extLst>
+                    <a:ext uri="{9D8B030D-6E8A-4147-A177-3AD203B41FA5}">
+                      <a16:colId xmlns:a16="http://schemas.microsoft.com/office/drawing/2014/main" val="20002"/>
+                    </a:ext>
+                  </a:extLst>
+                </a:gridCol>
               </a:tblGrid>
               <a:tr h="260553">
                 <a:tc>
@@ -8924,7 +6694,7 @@
                     <a:lstStyle/>
                     <a:p>
                       <a:r>
-                        <a:rPr lang="tr-TR" sz="1000" dirty="0" smtClean="0"/>
+                        <a:rPr lang="tr-TR" sz="1000" dirty="0"/>
                         <a:t>3,</a:t>
                       </a:r>
                       <a:endParaRPr lang="en-US" sz="1000" dirty="0"/>
@@ -8959,7 +6729,7 @@
                     <a:lstStyle/>
                     <a:p>
                       <a:r>
-                        <a:rPr lang="tr-TR" sz="1000" dirty="0" smtClean="0"/>
+                        <a:rPr lang="tr-TR" sz="1000" dirty="0"/>
                         <a:t>Elif,</a:t>
                       </a:r>
                       <a:endParaRPr lang="en-US" sz="1000" dirty="0"/>
@@ -8994,7 +6764,7 @@
                     <a:lstStyle/>
                     <a:p>
                       <a:r>
-                        <a:rPr lang="tr-TR" sz="1000" dirty="0" smtClean="0"/>
+                        <a:rPr lang="tr-TR" sz="1000" dirty="0"/>
                         <a:t>29</a:t>
                       </a:r>
                       <a:endParaRPr lang="en-US" sz="1000" dirty="0"/>
@@ -9023,6 +6793,11 @@
                     </a:lnBlToTr>
                   </a:tcPr>
                 </a:tc>
+                <a:extLst>
+                  <a:ext uri="{0D108BD9-81ED-4DB2-BD59-A6C34878D82A}">
+                    <a16:rowId xmlns:a16="http://schemas.microsoft.com/office/drawing/2014/main" val="10000"/>
+                  </a:ext>
+                </a:extLst>
               </a:tr>
               <a:tr h="260553">
                 <a:tc>
@@ -9031,7 +6806,7 @@
                     <a:lstStyle/>
                     <a:p>
                       <a:r>
-                        <a:rPr lang="tr-TR" sz="1000" dirty="0" smtClean="0"/>
+                        <a:rPr lang="tr-TR" sz="1000" dirty="0"/>
                         <a:t>4,</a:t>
                       </a:r>
                       <a:endParaRPr lang="en-US" sz="1000" dirty="0"/>
@@ -9066,7 +6841,7 @@
                     <a:lstStyle/>
                     <a:p>
                       <a:r>
-                        <a:rPr lang="tr-TR" sz="1000" dirty="0" smtClean="0"/>
+                        <a:rPr lang="tr-TR" sz="1000" dirty="0"/>
                         <a:t>Funda,</a:t>
                       </a:r>
                       <a:endParaRPr lang="en-US" sz="1000" dirty="0"/>
@@ -9101,7 +6876,7 @@
                     <a:lstStyle/>
                     <a:p>
                       <a:r>
-                        <a:rPr lang="tr-TR" sz="1000" dirty="0" smtClean="0"/>
+                        <a:rPr lang="tr-TR" sz="1000" dirty="0"/>
                         <a:t>41</a:t>
                       </a:r>
                       <a:endParaRPr lang="en-US" sz="1000" dirty="0"/>
@@ -9130,6 +6905,11 @@
                     </a:lnBlToTr>
                   </a:tcPr>
                 </a:tc>
+                <a:extLst>
+                  <a:ext uri="{0D108BD9-81ED-4DB2-BD59-A6C34878D82A}">
+                    <a16:rowId xmlns:a16="http://schemas.microsoft.com/office/drawing/2014/main" val="10001"/>
+                  </a:ext>
+                </a:extLst>
               </a:tr>
             </a:tbl>
           </a:graphicData>
@@ -9160,9 +6940,27 @@
                 <a:tableStyleId>{5940675A-B579-460E-94D1-54222C63F5DA}</a:tableStyleId>
               </a:tblPr>
               <a:tblGrid>
-                <a:gridCol w="370559"/>
-                <a:gridCol w="643924"/>
-                <a:gridCol w="507241"/>
+                <a:gridCol w="370559">
+                  <a:extLst>
+                    <a:ext uri="{9D8B030D-6E8A-4147-A177-3AD203B41FA5}">
+                      <a16:colId xmlns:a16="http://schemas.microsoft.com/office/drawing/2014/main" val="20000"/>
+                    </a:ext>
+                  </a:extLst>
+                </a:gridCol>
+                <a:gridCol w="643924">
+                  <a:extLst>
+                    <a:ext uri="{9D8B030D-6E8A-4147-A177-3AD203B41FA5}">
+                      <a16:colId xmlns:a16="http://schemas.microsoft.com/office/drawing/2014/main" val="20001"/>
+                    </a:ext>
+                  </a:extLst>
+                </a:gridCol>
+                <a:gridCol w="507241">
+                  <a:extLst>
+                    <a:ext uri="{9D8B030D-6E8A-4147-A177-3AD203B41FA5}">
+                      <a16:colId xmlns:a16="http://schemas.microsoft.com/office/drawing/2014/main" val="20002"/>
+                    </a:ext>
+                  </a:extLst>
+                </a:gridCol>
               </a:tblGrid>
               <a:tr h="260553">
                 <a:tc>
@@ -9171,7 +6969,7 @@
                     <a:lstStyle/>
                     <a:p>
                       <a:r>
-                        <a:rPr lang="tr-TR" sz="1000" dirty="0" smtClean="0"/>
+                        <a:rPr lang="tr-TR" sz="1000" dirty="0"/>
                         <a:t>5,</a:t>
                       </a:r>
                       <a:endParaRPr lang="en-US" sz="1000" dirty="0"/>
@@ -9206,7 +7004,7 @@
                     <a:lstStyle/>
                     <a:p>
                       <a:r>
-                        <a:rPr lang="tr-TR" sz="1000" dirty="0" smtClean="0"/>
+                        <a:rPr lang="tr-TR" sz="1000" dirty="0"/>
                         <a:t>Hamza,</a:t>
                       </a:r>
                       <a:endParaRPr lang="en-US" sz="1000" dirty="0"/>
@@ -9241,7 +7039,7 @@
                     <a:lstStyle/>
                     <a:p>
                       <a:r>
-                        <a:rPr lang="tr-TR" sz="1000" dirty="0" smtClean="0"/>
+                        <a:rPr lang="tr-TR" sz="1000" dirty="0"/>
                         <a:t>33</a:t>
                       </a:r>
                       <a:endParaRPr lang="en-US" sz="1000" dirty="0"/>
@@ -9270,6 +7068,11 @@
                     </a:lnBlToTr>
                   </a:tcPr>
                 </a:tc>
+                <a:extLst>
+                  <a:ext uri="{0D108BD9-81ED-4DB2-BD59-A6C34878D82A}">
+                    <a16:rowId xmlns:a16="http://schemas.microsoft.com/office/drawing/2014/main" val="10000"/>
+                  </a:ext>
+                </a:extLst>
               </a:tr>
               <a:tr h="260553">
                 <a:tc>
@@ -9278,7 +7081,7 @@
                     <a:lstStyle/>
                     <a:p>
                       <a:r>
-                        <a:rPr lang="tr-TR" sz="1000" dirty="0" smtClean="0"/>
+                        <a:rPr lang="tr-TR" sz="1000" dirty="0"/>
                         <a:t>6,</a:t>
                       </a:r>
                       <a:endParaRPr lang="en-US" sz="1000" dirty="0"/>
@@ -9313,7 +7116,7 @@
                     <a:lstStyle/>
                     <a:p>
                       <a:r>
-                        <a:rPr lang="tr-TR" sz="1000" dirty="0" smtClean="0"/>
+                        <a:rPr lang="tr-TR" sz="1000" dirty="0"/>
                         <a:t>Yalçın,</a:t>
                       </a:r>
                       <a:endParaRPr lang="en-US" sz="1000" dirty="0"/>
@@ -9348,7 +7151,7 @@
                     <a:lstStyle/>
                     <a:p>
                       <a:r>
-                        <a:rPr lang="tr-TR" sz="1000" dirty="0" smtClean="0"/>
+                        <a:rPr lang="tr-TR" sz="1000" dirty="0"/>
                         <a:t>45</a:t>
                       </a:r>
                       <a:endParaRPr lang="en-US" sz="1000" dirty="0"/>
@@ -9377,6 +7180,11 @@
                     </a:lnBlToTr>
                   </a:tcPr>
                 </a:tc>
+                <a:extLst>
+                  <a:ext uri="{0D108BD9-81ED-4DB2-BD59-A6C34878D82A}">
+                    <a16:rowId xmlns:a16="http://schemas.microsoft.com/office/drawing/2014/main" val="10001"/>
+                  </a:ext>
+                </a:extLst>
               </a:tr>
             </a:tbl>
           </a:graphicData>
@@ -9407,9 +7215,27 @@
                 <a:tableStyleId>{5940675A-B579-460E-94D1-54222C63F5DA}</a:tableStyleId>
               </a:tblPr>
               <a:tblGrid>
-                <a:gridCol w="383956"/>
-                <a:gridCol w="630526"/>
-                <a:gridCol w="507241"/>
+                <a:gridCol w="383956">
+                  <a:extLst>
+                    <a:ext uri="{9D8B030D-6E8A-4147-A177-3AD203B41FA5}">
+                      <a16:colId xmlns:a16="http://schemas.microsoft.com/office/drawing/2014/main" val="20000"/>
+                    </a:ext>
+                  </a:extLst>
+                </a:gridCol>
+                <a:gridCol w="630526">
+                  <a:extLst>
+                    <a:ext uri="{9D8B030D-6E8A-4147-A177-3AD203B41FA5}">
+                      <a16:colId xmlns:a16="http://schemas.microsoft.com/office/drawing/2014/main" val="20001"/>
+                    </a:ext>
+                  </a:extLst>
+                </a:gridCol>
+                <a:gridCol w="507241">
+                  <a:extLst>
+                    <a:ext uri="{9D8B030D-6E8A-4147-A177-3AD203B41FA5}">
+                      <a16:colId xmlns:a16="http://schemas.microsoft.com/office/drawing/2014/main" val="20002"/>
+                    </a:ext>
+                  </a:extLst>
+                </a:gridCol>
               </a:tblGrid>
               <a:tr h="260553">
                 <a:tc>
@@ -9418,7 +7244,7 @@
                     <a:lstStyle/>
                     <a:p>
                       <a:r>
-                        <a:rPr lang="tr-TR" sz="1000" dirty="0" smtClean="0"/>
+                        <a:rPr lang="tr-TR" sz="1000" dirty="0"/>
                         <a:t>7,</a:t>
                       </a:r>
                       <a:endParaRPr lang="en-US" sz="1000" dirty="0"/>
@@ -9453,7 +7279,7 @@
                     <a:lstStyle/>
                     <a:p>
                       <a:r>
-                        <a:rPr lang="tr-TR" sz="900" dirty="0" smtClean="0"/>
+                        <a:rPr lang="tr-TR" sz="900" dirty="0"/>
                         <a:t>Mehmet,</a:t>
                       </a:r>
                       <a:endParaRPr lang="en-US" sz="900" dirty="0"/>
@@ -9488,7 +7314,7 @@
                     <a:lstStyle/>
                     <a:p>
                       <a:r>
-                        <a:rPr lang="tr-TR" sz="1000" dirty="0" smtClean="0"/>
+                        <a:rPr lang="tr-TR" sz="1000" dirty="0"/>
                         <a:t>44</a:t>
                       </a:r>
                       <a:endParaRPr lang="en-US" sz="1000" dirty="0"/>
@@ -9517,6 +7343,11 @@
                     </a:lnBlToTr>
                   </a:tcPr>
                 </a:tc>
+                <a:extLst>
+                  <a:ext uri="{0D108BD9-81ED-4DB2-BD59-A6C34878D82A}">
+                    <a16:rowId xmlns:a16="http://schemas.microsoft.com/office/drawing/2014/main" val="10000"/>
+                  </a:ext>
+                </a:extLst>
               </a:tr>
               <a:tr h="260553">
                 <a:tc>
@@ -9525,7 +7356,7 @@
                     <a:lstStyle/>
                     <a:p>
                       <a:r>
-                        <a:rPr lang="tr-TR" sz="1000" dirty="0" smtClean="0"/>
+                        <a:rPr lang="tr-TR" sz="1000" dirty="0"/>
                         <a:t>8,</a:t>
                       </a:r>
                       <a:endParaRPr lang="en-US" sz="1000" dirty="0"/>
@@ -9560,7 +7391,7 @@
                     <a:lstStyle/>
                     <a:p>
                       <a:r>
-                        <a:rPr lang="tr-TR" sz="1000" dirty="0" smtClean="0"/>
+                        <a:rPr lang="tr-TR" sz="1000" dirty="0"/>
                         <a:t>Gülay,</a:t>
                       </a:r>
                       <a:endParaRPr lang="en-US" sz="1000" dirty="0"/>
@@ -9595,7 +7426,7 @@
                     <a:lstStyle/>
                     <a:p>
                       <a:r>
-                        <a:rPr lang="tr-TR" sz="1000" dirty="0" smtClean="0"/>
+                        <a:rPr lang="tr-TR" sz="1000" dirty="0"/>
                         <a:t>33</a:t>
                       </a:r>
                       <a:endParaRPr lang="en-US" sz="1000" dirty="0"/>
@@ -9624,6 +7455,11 @@
                     </a:lnBlToTr>
                   </a:tcPr>
                 </a:tc>
+                <a:extLst>
+                  <a:ext uri="{0D108BD9-81ED-4DB2-BD59-A6C34878D82A}">
+                    <a16:rowId xmlns:a16="http://schemas.microsoft.com/office/drawing/2014/main" val="10001"/>
+                  </a:ext>
+                </a:extLst>
               </a:tr>
             </a:tbl>
           </a:graphicData>
@@ -9654,9 +7490,27 @@
                 <a:tableStyleId>{5940675A-B579-460E-94D1-54222C63F5DA}</a:tableStyleId>
               </a:tblPr>
               <a:tblGrid>
-                <a:gridCol w="383957"/>
-                <a:gridCol w="630525"/>
-                <a:gridCol w="507241"/>
+                <a:gridCol w="383957">
+                  <a:extLst>
+                    <a:ext uri="{9D8B030D-6E8A-4147-A177-3AD203B41FA5}">
+                      <a16:colId xmlns:a16="http://schemas.microsoft.com/office/drawing/2014/main" val="20000"/>
+                    </a:ext>
+                  </a:extLst>
+                </a:gridCol>
+                <a:gridCol w="630525">
+                  <a:extLst>
+                    <a:ext uri="{9D8B030D-6E8A-4147-A177-3AD203B41FA5}">
+                      <a16:colId xmlns:a16="http://schemas.microsoft.com/office/drawing/2014/main" val="20001"/>
+                    </a:ext>
+                  </a:extLst>
+                </a:gridCol>
+                <a:gridCol w="507241">
+                  <a:extLst>
+                    <a:ext uri="{9D8B030D-6E8A-4147-A177-3AD203B41FA5}">
+                      <a16:colId xmlns:a16="http://schemas.microsoft.com/office/drawing/2014/main" val="20002"/>
+                    </a:ext>
+                  </a:extLst>
+                </a:gridCol>
               </a:tblGrid>
               <a:tr h="260553">
                 <a:tc>
@@ -9665,7 +7519,7 @@
                     <a:lstStyle/>
                     <a:p>
                       <a:r>
-                        <a:rPr lang="tr-TR" sz="1000" dirty="0" smtClean="0"/>
+                        <a:rPr lang="tr-TR" sz="1000" dirty="0"/>
                         <a:t>9,</a:t>
                       </a:r>
                       <a:endParaRPr lang="en-US" sz="1000" dirty="0"/>
@@ -9700,7 +7554,7 @@
                     <a:lstStyle/>
                     <a:p>
                       <a:r>
-                        <a:rPr lang="tr-TR" sz="1000" dirty="0" smtClean="0"/>
+                        <a:rPr lang="tr-TR" sz="1000" dirty="0"/>
                         <a:t>Cumhur,</a:t>
                       </a:r>
                       <a:endParaRPr lang="en-US" sz="1000" dirty="0"/>
@@ -9735,7 +7589,7 @@
                     <a:lstStyle/>
                     <a:p>
                       <a:r>
-                        <a:rPr lang="tr-TR" sz="1000" dirty="0" smtClean="0"/>
+                        <a:rPr lang="tr-TR" sz="1000" dirty="0"/>
                         <a:t>38</a:t>
                       </a:r>
                       <a:endParaRPr lang="en-US" sz="1000" dirty="0"/>
@@ -9764,6 +7618,11 @@
                     </a:lnBlToTr>
                   </a:tcPr>
                 </a:tc>
+                <a:extLst>
+                  <a:ext uri="{0D108BD9-81ED-4DB2-BD59-A6C34878D82A}">
+                    <a16:rowId xmlns:a16="http://schemas.microsoft.com/office/drawing/2014/main" val="10000"/>
+                  </a:ext>
+                </a:extLst>
               </a:tr>
               <a:tr h="260553">
                 <a:tc>
@@ -9772,7 +7631,7 @@
                     <a:lstStyle/>
                     <a:p>
                       <a:r>
-                        <a:rPr lang="tr-TR" sz="1000" dirty="0" smtClean="0"/>
+                        <a:rPr lang="tr-TR" sz="1000" dirty="0"/>
                         <a:t>10,</a:t>
                       </a:r>
                       <a:endParaRPr lang="en-US" sz="1000" dirty="0"/>
@@ -9807,7 +7666,7 @@
                     <a:lstStyle/>
                     <a:p>
                       <a:r>
-                        <a:rPr lang="tr-TR" sz="1000" dirty="0" smtClean="0"/>
+                        <a:rPr lang="tr-TR" sz="1000" dirty="0"/>
                         <a:t>Burcu,</a:t>
                       </a:r>
                       <a:endParaRPr lang="en-US" sz="1000" dirty="0"/>
@@ -9842,7 +7701,7 @@
                     <a:lstStyle/>
                     <a:p>
                       <a:r>
-                        <a:rPr lang="tr-TR" sz="1000" dirty="0" smtClean="0"/>
+                        <a:rPr lang="tr-TR" sz="1000" dirty="0"/>
                         <a:t>41</a:t>
                       </a:r>
                       <a:endParaRPr lang="en-US" sz="1000" dirty="0"/>
@@ -9871,6 +7730,11 @@
                     </a:lnBlToTr>
                   </a:tcPr>
                 </a:tc>
+                <a:extLst>
+                  <a:ext uri="{0D108BD9-81ED-4DB2-BD59-A6C34878D82A}">
+                    <a16:rowId xmlns:a16="http://schemas.microsoft.com/office/drawing/2014/main" val="10001"/>
+                  </a:ext>
+                </a:extLst>
               </a:tr>
             </a:tbl>
           </a:graphicData>
@@ -9901,9 +7765,27 @@
                 <a:tableStyleId>{5940675A-B579-460E-94D1-54222C63F5DA}</a:tableStyleId>
               </a:tblPr>
               <a:tblGrid>
-                <a:gridCol w="381068"/>
-                <a:gridCol w="633415"/>
-                <a:gridCol w="507241"/>
+                <a:gridCol w="381068">
+                  <a:extLst>
+                    <a:ext uri="{9D8B030D-6E8A-4147-A177-3AD203B41FA5}">
+                      <a16:colId xmlns:a16="http://schemas.microsoft.com/office/drawing/2014/main" val="20000"/>
+                    </a:ext>
+                  </a:extLst>
+                </a:gridCol>
+                <a:gridCol w="633415">
+                  <a:extLst>
+                    <a:ext uri="{9D8B030D-6E8A-4147-A177-3AD203B41FA5}">
+                      <a16:colId xmlns:a16="http://schemas.microsoft.com/office/drawing/2014/main" val="20001"/>
+                    </a:ext>
+                  </a:extLst>
+                </a:gridCol>
+                <a:gridCol w="507241">
+                  <a:extLst>
+                    <a:ext uri="{9D8B030D-6E8A-4147-A177-3AD203B41FA5}">
+                      <a16:colId xmlns:a16="http://schemas.microsoft.com/office/drawing/2014/main" val="20002"/>
+                    </a:ext>
+                  </a:extLst>
+                </a:gridCol>
               </a:tblGrid>
               <a:tr h="260553">
                 <a:tc>
@@ -9912,7 +7794,7 @@
                     <a:lstStyle/>
                     <a:p>
                       <a:r>
-                        <a:rPr lang="tr-TR" sz="1000" dirty="0" smtClean="0"/>
+                        <a:rPr lang="tr-TR" sz="1000" dirty="0"/>
                         <a:t>11,</a:t>
                       </a:r>
                       <a:endParaRPr lang="en-US" sz="1000" dirty="0"/>
@@ -9947,7 +7829,7 @@
                     <a:lstStyle/>
                     <a:p>
                       <a:r>
-                        <a:rPr lang="tr-TR" sz="1000" dirty="0" smtClean="0"/>
+                        <a:rPr lang="tr-TR" sz="1000" dirty="0"/>
                         <a:t>Metin,</a:t>
                       </a:r>
                       <a:endParaRPr lang="en-US" sz="1000" dirty="0"/>
@@ -9982,7 +7864,7 @@
                     <a:lstStyle/>
                     <a:p>
                       <a:r>
-                        <a:rPr lang="tr-TR" sz="1000" dirty="0" smtClean="0"/>
+                        <a:rPr lang="tr-TR" sz="1000" dirty="0"/>
                         <a:t>47</a:t>
                       </a:r>
                       <a:endParaRPr lang="en-US" sz="1000" dirty="0"/>
@@ -10011,6 +7893,11 @@
                     </a:lnBlToTr>
                   </a:tcPr>
                 </a:tc>
+                <a:extLst>
+                  <a:ext uri="{0D108BD9-81ED-4DB2-BD59-A6C34878D82A}">
+                    <a16:rowId xmlns:a16="http://schemas.microsoft.com/office/drawing/2014/main" val="10000"/>
+                  </a:ext>
+                </a:extLst>
               </a:tr>
               <a:tr h="260553">
                 <a:tc>
@@ -10019,7 +7906,7 @@
                     <a:lstStyle/>
                     <a:p>
                       <a:r>
-                        <a:rPr lang="tr-TR" sz="1000" dirty="0" smtClean="0"/>
+                        <a:rPr lang="tr-TR" sz="1000" dirty="0"/>
                         <a:t>12,</a:t>
                       </a:r>
                       <a:endParaRPr lang="en-US" sz="1000" dirty="0"/>
@@ -10054,7 +7941,7 @@
                     <a:lstStyle/>
                     <a:p>
                       <a:r>
-                        <a:rPr lang="tr-TR" sz="1000" dirty="0" smtClean="0"/>
+                        <a:rPr lang="tr-TR" sz="1000" dirty="0"/>
                         <a:t>Veysel,</a:t>
                       </a:r>
                       <a:endParaRPr lang="en-US" sz="1000" dirty="0"/>
@@ -10089,7 +7976,7 @@
                     <a:lstStyle/>
                     <a:p>
                       <a:r>
-                        <a:rPr lang="tr-TR" sz="1000" dirty="0" smtClean="0"/>
+                        <a:rPr lang="tr-TR" sz="1000" dirty="0"/>
                         <a:t>53</a:t>
                       </a:r>
                       <a:endParaRPr lang="en-US" sz="1000" dirty="0"/>
@@ -10118,6 +8005,11 @@
                     </a:lnBlToTr>
                   </a:tcPr>
                 </a:tc>
+                <a:extLst>
+                  <a:ext uri="{0D108BD9-81ED-4DB2-BD59-A6C34878D82A}">
+                    <a16:rowId xmlns:a16="http://schemas.microsoft.com/office/drawing/2014/main" val="10001"/>
+                  </a:ext>
+                </a:extLst>
               </a:tr>
             </a:tbl>
           </a:graphicData>
@@ -10168,13 +8060,13 @@
               </a:rPr>
               <a:t> = </a:t>
             </a:r>
-            <a:endParaRPr lang="tr-TR" sz="1400" dirty="0" smtClean="0">
+            <a:endParaRPr lang="tr-TR" sz="1400" dirty="0">
               <a:latin typeface="Consolas" panose="020B0609020204030204" pitchFamily="49" charset="0"/>
             </a:endParaRPr>
           </a:p>
           <a:p>
             <a:r>
-              <a:rPr lang="en-US" sz="1400" dirty="0" err="1" smtClean="0">
+              <a:rPr lang="en-US" sz="1400" dirty="0" err="1">
                 <a:latin typeface="Consolas" panose="020B0609020204030204" pitchFamily="49" charset="0"/>
               </a:rPr>
               <a:t>sc.textFile</a:t>
@@ -10222,42 +8114,30 @@
           <a:lstStyle/>
           <a:p>
             <a:r>
-              <a:rPr lang="en-US" sz="1400" dirty="0" err="1" smtClean="0">
+              <a:rPr lang="en-US" sz="1400" dirty="0" err="1">
                 <a:latin typeface="Consolas" panose="020B0609020204030204" pitchFamily="49" charset="0"/>
               </a:rPr>
               <a:t>insanlarSplittedRDD</a:t>
             </a:r>
-            <a:endParaRPr lang="tr-TR" sz="1400" dirty="0" smtClean="0">
+            <a:endParaRPr lang="tr-TR" sz="1400" dirty="0">
               <a:latin typeface="Consolas" panose="020B0609020204030204" pitchFamily="49" charset="0"/>
             </a:endParaRPr>
           </a:p>
           <a:p>
             <a:r>
-              <a:rPr lang="en-US" sz="1400" dirty="0" smtClean="0">
-                <a:latin typeface="Consolas" panose="020B0609020204030204" pitchFamily="49" charset="0"/>
-              </a:rPr>
-              <a:t>.map(x </a:t>
-            </a:r>
-            <a:r>
               <a:rPr lang="en-US" sz="1400" dirty="0">
                 <a:latin typeface="Consolas" panose="020B0609020204030204" pitchFamily="49" charset="0"/>
               </a:rPr>
-              <a:t>=&gt; </a:t>
-            </a:r>
-            <a:r>
-              <a:rPr lang="en-US" sz="1400" dirty="0" smtClean="0">
-                <a:latin typeface="Consolas" panose="020B0609020204030204" pitchFamily="49" charset="0"/>
-              </a:rPr>
-              <a:t>x(</a:t>
-            </a:r>
-            <a:r>
-              <a:rPr lang="tr-TR" sz="1400" dirty="0" smtClean="0">
+              <a:t>.map(x =&gt; x(</a:t>
+            </a:r>
+            <a:r>
+              <a:rPr lang="tr-TR" sz="1400" dirty="0">
                 <a:latin typeface="Consolas" panose="020B0609020204030204" pitchFamily="49" charset="0"/>
               </a:rPr>
               <a:t>2</a:t>
             </a:r>
             <a:r>
-              <a:rPr lang="en-US" sz="1400" dirty="0" smtClean="0">
+              <a:rPr lang="en-US" sz="1400" dirty="0">
                 <a:latin typeface="Consolas" panose="020B0609020204030204" pitchFamily="49" charset="0"/>
               </a:rPr>
               <a:t>).</a:t>
@@ -10269,27 +8149,21 @@
               <a:t>toDouble</a:t>
             </a:r>
             <a:r>
-              <a:rPr lang="en-US" sz="1400" dirty="0" smtClean="0">
+              <a:rPr lang="en-US" sz="1400" dirty="0">
                 <a:latin typeface="Consolas" panose="020B0609020204030204" pitchFamily="49" charset="0"/>
               </a:rPr>
               <a:t>)</a:t>
             </a:r>
-            <a:endParaRPr lang="tr-TR" sz="1400" dirty="0" smtClean="0">
+            <a:endParaRPr lang="tr-TR" sz="1400" dirty="0">
               <a:latin typeface="Consolas" panose="020B0609020204030204" pitchFamily="49" charset="0"/>
             </a:endParaRPr>
           </a:p>
           <a:p>
             <a:r>
-              <a:rPr lang="en-US" sz="1400" dirty="0" smtClean="0">
-                <a:latin typeface="Consolas" panose="020B0609020204030204" pitchFamily="49" charset="0"/>
-              </a:rPr>
-              <a:t>.</a:t>
-            </a:r>
-            <a:r>
               <a:rPr lang="en-US" sz="1400" dirty="0">
                 <a:latin typeface="Consolas" panose="020B0609020204030204" pitchFamily="49" charset="0"/>
               </a:rPr>
-              <a:t>reduce((</a:t>
+              <a:t>.reduce((</a:t>
             </a:r>
             <a:r>
               <a:rPr lang="en-US" sz="1400" dirty="0" err="1">
@@ -10351,28 +8225,22 @@
               </a:rPr>
               <a:t> = </a:t>
             </a:r>
-            <a:endParaRPr lang="tr-TR" sz="1400" dirty="0" smtClean="0">
+            <a:endParaRPr lang="tr-TR" sz="1400" dirty="0">
               <a:latin typeface="Consolas" panose="020B0609020204030204" pitchFamily="49" charset="0"/>
             </a:endParaRPr>
           </a:p>
           <a:p>
             <a:r>
-              <a:rPr lang="en-US" sz="1400" dirty="0" err="1" smtClean="0">
+              <a:rPr lang="en-US" sz="1400" dirty="0" err="1">
                 <a:latin typeface="Consolas" panose="020B0609020204030204" pitchFamily="49" charset="0"/>
               </a:rPr>
               <a:t>insanlarRDD.map</a:t>
             </a:r>
             <a:r>
-              <a:rPr lang="en-US" sz="1400" dirty="0" smtClean="0">
-                <a:latin typeface="Consolas" panose="020B0609020204030204" pitchFamily="49" charset="0"/>
-              </a:rPr>
-              <a:t>(x </a:t>
-            </a:r>
-            <a:r>
               <a:rPr lang="en-US" sz="1400" dirty="0">
                 <a:latin typeface="Consolas" panose="020B0609020204030204" pitchFamily="49" charset="0"/>
               </a:rPr>
-              <a:t>=&gt; </a:t>
+              <a:t>(x =&gt; </a:t>
             </a:r>
             <a:r>
               <a:rPr lang="en-US" sz="1400" dirty="0" err="1">
@@ -10467,16 +8335,10 @@
           </a:p>
           <a:p>
             <a:r>
-              <a:rPr lang="en-US" sz="1200" dirty="0" smtClean="0">
-                <a:latin typeface="Consolas" panose="020B0609020204030204" pitchFamily="49" charset="0"/>
-              </a:rPr>
-              <a:t>res92</a:t>
-            </a:r>
-            <a:r>
               <a:rPr lang="en-US" sz="1200" dirty="0">
                 <a:latin typeface="Consolas" panose="020B0609020204030204" pitchFamily="49" charset="0"/>
               </a:rPr>
-              <a:t>: Array[String] = Array(1,"Gülsüm",35, 2,"Cemal",23, 3,"Elif",29, 4,"Funda",41, 5,"Hamza",33, 6,"Yalçın",45, 7,"Mehmet",44, 8,"Gülay",33, 9,"Cumhur",38, 10,"Burcu",41, 11,"Metin",47, 12,"Veysel",53)</a:t>
+              <a:t>res92: Array[String] = Array(1,"Gülsüm",35, 2,"Cemal",23, 3,"Elif",29, 4,"Funda",41, 5,"Hamza",33, 6,"Yalçın",45, 7,"Mehmet",44, 8,"Gülay",33, 9,"Cumhur",38, 10,"Burcu",41, 11,"Metin",47, 12,"Veysel",53)</a:t>
             </a:r>
           </a:p>
         </p:txBody>
@@ -10577,44 +8439,32 @@
           </a:p>
           <a:p>
             <a:r>
-              <a:rPr lang="en-US" sz="1200" dirty="0" smtClean="0">
-                <a:latin typeface="Consolas" panose="020B0609020204030204" pitchFamily="49" charset="0"/>
-              </a:rPr>
-              <a:t>res90</a:t>
-            </a:r>
-            <a:r>
               <a:rPr lang="en-US" sz="1200" dirty="0">
                 <a:latin typeface="Consolas" panose="020B0609020204030204" pitchFamily="49" charset="0"/>
               </a:rPr>
-              <a:t>: Array[Array[String]] = </a:t>
-            </a:r>
-            <a:endParaRPr lang="tr-TR" sz="1200" dirty="0" smtClean="0">
+              <a:t>res90: Array[Array[String]] = </a:t>
+            </a:r>
+            <a:endParaRPr lang="tr-TR" sz="1200" dirty="0">
               <a:latin typeface="Consolas" panose="020B0609020204030204" pitchFamily="49" charset="0"/>
             </a:endParaRPr>
           </a:p>
           <a:p>
             <a:r>
-              <a:rPr lang="en-US" sz="1200" dirty="0" smtClean="0">
+              <a:rPr lang="en-US" sz="1200" dirty="0">
                 <a:latin typeface="Consolas" panose="020B0609020204030204" pitchFamily="49" charset="0"/>
               </a:rPr>
               <a:t>Array(</a:t>
             </a:r>
-            <a:endParaRPr lang="tr-TR" sz="1200" dirty="0" smtClean="0">
+            <a:endParaRPr lang="tr-TR" sz="1200" dirty="0">
               <a:latin typeface="Consolas" panose="020B0609020204030204" pitchFamily="49" charset="0"/>
             </a:endParaRPr>
           </a:p>
           <a:p>
             <a:r>
-              <a:rPr lang="en-US" sz="1200" dirty="0" smtClean="0">
-                <a:latin typeface="Consolas" panose="020B0609020204030204" pitchFamily="49" charset="0"/>
-              </a:rPr>
-              <a:t>Array(1</a:t>
-            </a:r>
-            <a:r>
               <a:rPr lang="en-US" sz="1200" dirty="0">
                 <a:latin typeface="Consolas" panose="020B0609020204030204" pitchFamily="49" charset="0"/>
               </a:rPr>
-              <a:t>, "</a:t>
+              <a:t>Array(1, "</a:t>
             </a:r>
             <a:r>
               <a:rPr lang="en-US" sz="1200" dirty="0" err="1">
@@ -10628,22 +8478,16 @@
               </a:rPr>
               <a:t>", 35), </a:t>
             </a:r>
-            <a:endParaRPr lang="tr-TR" sz="1200" dirty="0" smtClean="0">
+            <a:endParaRPr lang="tr-TR" sz="1200" dirty="0">
               <a:latin typeface="Consolas" panose="020B0609020204030204" pitchFamily="49" charset="0"/>
             </a:endParaRPr>
           </a:p>
           <a:p>
             <a:r>
-              <a:rPr lang="en-US" sz="1200" dirty="0" smtClean="0">
-                <a:latin typeface="Consolas" panose="020B0609020204030204" pitchFamily="49" charset="0"/>
-              </a:rPr>
-              <a:t>Array(2</a:t>
-            </a:r>
-            <a:r>
               <a:rPr lang="en-US" sz="1200" dirty="0">
                 <a:latin typeface="Consolas" panose="020B0609020204030204" pitchFamily="49" charset="0"/>
               </a:rPr>
-              <a:t>, "</a:t>
+              <a:t>Array(2, "</a:t>
             </a:r>
             <a:r>
               <a:rPr lang="en-US" sz="1200" dirty="0" err="1">
@@ -10657,22 +8501,16 @@
               </a:rPr>
               <a:t>", 23), </a:t>
             </a:r>
-            <a:endParaRPr lang="tr-TR" sz="1200" dirty="0" smtClean="0">
+            <a:endParaRPr lang="tr-TR" sz="1200" dirty="0">
               <a:latin typeface="Consolas" panose="020B0609020204030204" pitchFamily="49" charset="0"/>
             </a:endParaRPr>
           </a:p>
           <a:p>
             <a:r>
-              <a:rPr lang="en-US" sz="1200" dirty="0" smtClean="0">
-                <a:latin typeface="Consolas" panose="020B0609020204030204" pitchFamily="49" charset="0"/>
-              </a:rPr>
-              <a:t>Array(3</a:t>
-            </a:r>
-            <a:r>
               <a:rPr lang="en-US" sz="1200" dirty="0">
                 <a:latin typeface="Consolas" panose="020B0609020204030204" pitchFamily="49" charset="0"/>
               </a:rPr>
-              <a:t>, "</a:t>
+              <a:t>Array(3, "</a:t>
             </a:r>
             <a:r>
               <a:rPr lang="en-US" sz="1200" dirty="0" err="1">
@@ -10686,22 +8524,16 @@
               </a:rPr>
               <a:t>", 29), </a:t>
             </a:r>
-            <a:endParaRPr lang="tr-TR" sz="1200" dirty="0" smtClean="0">
+            <a:endParaRPr lang="tr-TR" sz="1200" dirty="0">
               <a:latin typeface="Consolas" panose="020B0609020204030204" pitchFamily="49" charset="0"/>
             </a:endParaRPr>
           </a:p>
           <a:p>
             <a:r>
-              <a:rPr lang="en-US" sz="1200" dirty="0" smtClean="0">
-                <a:latin typeface="Consolas" panose="020B0609020204030204" pitchFamily="49" charset="0"/>
-              </a:rPr>
-              <a:t>Array(4</a:t>
-            </a:r>
-            <a:r>
               <a:rPr lang="en-US" sz="1200" dirty="0">
                 <a:latin typeface="Consolas" panose="020B0609020204030204" pitchFamily="49" charset="0"/>
               </a:rPr>
-              <a:t>, "</a:t>
+              <a:t>Array(4, "</a:t>
             </a:r>
             <a:r>
               <a:rPr lang="en-US" sz="1200" dirty="0" err="1">
@@ -10715,39 +8547,27 @@
               </a:rPr>
               <a:t>", 41), </a:t>
             </a:r>
-            <a:endParaRPr lang="tr-TR" sz="1200" dirty="0" smtClean="0">
+            <a:endParaRPr lang="tr-TR" sz="1200" dirty="0">
               <a:latin typeface="Consolas" panose="020B0609020204030204" pitchFamily="49" charset="0"/>
             </a:endParaRPr>
           </a:p>
           <a:p>
             <a:r>
-              <a:rPr lang="en-US" sz="1200" dirty="0" smtClean="0">
-                <a:latin typeface="Consolas" panose="020B0609020204030204" pitchFamily="49" charset="0"/>
-              </a:rPr>
-              <a:t>Array(5</a:t>
-            </a:r>
-            <a:r>
               <a:rPr lang="en-US" sz="1200" dirty="0">
                 <a:latin typeface="Consolas" panose="020B0609020204030204" pitchFamily="49" charset="0"/>
               </a:rPr>
-              <a:t>, "Hamza", 33), </a:t>
-            </a:r>
-            <a:endParaRPr lang="tr-TR" sz="1200" dirty="0" smtClean="0">
+              <a:t>Array(5, "Hamza", 33), </a:t>
+            </a:r>
+            <a:endParaRPr lang="tr-TR" sz="1200" dirty="0">
               <a:latin typeface="Consolas" panose="020B0609020204030204" pitchFamily="49" charset="0"/>
             </a:endParaRPr>
           </a:p>
           <a:p>
             <a:r>
-              <a:rPr lang="en-US" sz="1200" dirty="0" smtClean="0">
-                <a:latin typeface="Consolas" panose="020B0609020204030204" pitchFamily="49" charset="0"/>
-              </a:rPr>
-              <a:t>Array(6</a:t>
-            </a:r>
-            <a:r>
               <a:rPr lang="en-US" sz="1200" dirty="0">
                 <a:latin typeface="Consolas" panose="020B0609020204030204" pitchFamily="49" charset="0"/>
               </a:rPr>
-              <a:t>, "</a:t>
+              <a:t>Array(6, "</a:t>
             </a:r>
             <a:r>
               <a:rPr lang="en-US" sz="1200" dirty="0" err="1">
@@ -10761,39 +8581,27 @@
               </a:rPr>
               <a:t>", 45), </a:t>
             </a:r>
-            <a:endParaRPr lang="tr-TR" sz="1200" dirty="0" smtClean="0">
+            <a:endParaRPr lang="tr-TR" sz="1200" dirty="0">
               <a:latin typeface="Consolas" panose="020B0609020204030204" pitchFamily="49" charset="0"/>
             </a:endParaRPr>
           </a:p>
           <a:p>
             <a:r>
-              <a:rPr lang="en-US" sz="1200" dirty="0" smtClean="0">
-                <a:latin typeface="Consolas" panose="020B0609020204030204" pitchFamily="49" charset="0"/>
-              </a:rPr>
-              <a:t>Array(7</a:t>
-            </a:r>
-            <a:r>
               <a:rPr lang="en-US" sz="1200" dirty="0">
                 <a:latin typeface="Consolas" panose="020B0609020204030204" pitchFamily="49" charset="0"/>
               </a:rPr>
-              <a:t>, "Mehmet", 44), </a:t>
-            </a:r>
-            <a:endParaRPr lang="tr-TR" sz="1200" dirty="0" smtClean="0">
+              <a:t>Array(7, "Mehmet", 44), </a:t>
+            </a:r>
+            <a:endParaRPr lang="tr-TR" sz="1200" dirty="0">
               <a:latin typeface="Consolas" panose="020B0609020204030204" pitchFamily="49" charset="0"/>
             </a:endParaRPr>
           </a:p>
           <a:p>
             <a:r>
-              <a:rPr lang="en-US" sz="1200" dirty="0" smtClean="0">
-                <a:latin typeface="Consolas" panose="020B0609020204030204" pitchFamily="49" charset="0"/>
-              </a:rPr>
-              <a:t>Array(8</a:t>
-            </a:r>
-            <a:r>
               <a:rPr lang="en-US" sz="1200" dirty="0">
                 <a:latin typeface="Consolas" panose="020B0609020204030204" pitchFamily="49" charset="0"/>
               </a:rPr>
-              <a:t>, "</a:t>
+              <a:t>Array(8, "</a:t>
             </a:r>
             <a:r>
               <a:rPr lang="en-US" sz="1200" dirty="0" err="1">
@@ -10807,22 +8615,16 @@
               </a:rPr>
               <a:t>", 33), </a:t>
             </a:r>
-            <a:endParaRPr lang="tr-TR" sz="1200" dirty="0" smtClean="0">
+            <a:endParaRPr lang="tr-TR" sz="1200" dirty="0">
               <a:latin typeface="Consolas" panose="020B0609020204030204" pitchFamily="49" charset="0"/>
             </a:endParaRPr>
           </a:p>
           <a:p>
             <a:r>
-              <a:rPr lang="en-US" sz="1200" dirty="0" smtClean="0">
-                <a:latin typeface="Consolas" panose="020B0609020204030204" pitchFamily="49" charset="0"/>
-              </a:rPr>
-              <a:t>Array(9</a:t>
-            </a:r>
-            <a:r>
               <a:rPr lang="en-US" sz="1200" dirty="0">
                 <a:latin typeface="Consolas" panose="020B0609020204030204" pitchFamily="49" charset="0"/>
               </a:rPr>
-              <a:t>, "</a:t>
+              <a:t>Array(9, "</a:t>
             </a:r>
             <a:r>
               <a:rPr lang="en-US" sz="1200" dirty="0" err="1">
@@ -10836,22 +8638,16 @@
               </a:rPr>
               <a:t>", 38), </a:t>
             </a:r>
-            <a:endParaRPr lang="tr-TR" sz="1200" dirty="0" smtClean="0">
+            <a:endParaRPr lang="tr-TR" sz="1200" dirty="0">
               <a:latin typeface="Consolas" panose="020B0609020204030204" pitchFamily="49" charset="0"/>
             </a:endParaRPr>
           </a:p>
           <a:p>
             <a:r>
-              <a:rPr lang="en-US" sz="1200" dirty="0" smtClean="0">
-                <a:latin typeface="Consolas" panose="020B0609020204030204" pitchFamily="49" charset="0"/>
-              </a:rPr>
-              <a:t>Array(10</a:t>
-            </a:r>
-            <a:r>
               <a:rPr lang="en-US" sz="1200" dirty="0">
                 <a:latin typeface="Consolas" panose="020B0609020204030204" pitchFamily="49" charset="0"/>
               </a:rPr>
-              <a:t>, "</a:t>
+              <a:t>Array(10, "</a:t>
             </a:r>
             <a:r>
               <a:rPr lang="en-US" sz="1200" dirty="0" err="1">
@@ -10863,16 +8659,10 @@
               <a:rPr lang="en-US" sz="1200" dirty="0">
                 <a:latin typeface="Consolas" panose="020B0609020204030204" pitchFamily="49" charset="0"/>
               </a:rPr>
-              <a:t>", 41</a:t>
-            </a:r>
-            <a:r>
-              <a:rPr lang="en-US" sz="1200" dirty="0" smtClean="0">
-                <a:latin typeface="Consolas" panose="020B0609020204030204" pitchFamily="49" charset="0"/>
-              </a:rPr>
-              <a:t>)</a:t>
-            </a:r>
-            <a:r>
-              <a:rPr lang="tr-TR" sz="1200" dirty="0" smtClean="0">
+              <a:t>", 41)</a:t>
+            </a:r>
+            <a:r>
+              <a:rPr lang="tr-TR" sz="1200" dirty="0">
                 <a:latin typeface="Consolas" panose="020B0609020204030204" pitchFamily="49" charset="0"/>
               </a:rPr>
               <a:t>,</a:t>
@@ -10897,22 +8687,16 @@
               </a:rPr>
               <a:t>", 47), </a:t>
             </a:r>
-            <a:endParaRPr lang="tr-TR" sz="1200" dirty="0" smtClean="0">
+            <a:endParaRPr lang="tr-TR" sz="1200" dirty="0">
               <a:latin typeface="Consolas" panose="020B0609020204030204" pitchFamily="49" charset="0"/>
             </a:endParaRPr>
           </a:p>
           <a:p>
             <a:r>
-              <a:rPr lang="en-US" sz="1200" dirty="0" smtClean="0">
-                <a:latin typeface="Consolas" panose="020B0609020204030204" pitchFamily="49" charset="0"/>
-              </a:rPr>
-              <a:t>Array(12</a:t>
-            </a:r>
-            <a:r>
               <a:rPr lang="en-US" sz="1200" dirty="0">
                 <a:latin typeface="Consolas" panose="020B0609020204030204" pitchFamily="49" charset="0"/>
               </a:rPr>
-              <a:t>, "</a:t>
+              <a:t>Array(12, "</a:t>
             </a:r>
             <a:r>
               <a:rPr lang="en-US" sz="1200" dirty="0" err="1">
@@ -10924,26 +8708,20 @@
               <a:rPr lang="en-US" sz="1200" dirty="0">
                 <a:latin typeface="Consolas" panose="020B0609020204030204" pitchFamily="49" charset="0"/>
               </a:rPr>
-              <a:t>", 53</a:t>
-            </a:r>
-            <a:r>
-              <a:rPr lang="en-US" sz="1200" dirty="0" smtClean="0">
-                <a:latin typeface="Consolas" panose="020B0609020204030204" pitchFamily="49" charset="0"/>
-              </a:rPr>
-              <a:t>)</a:t>
-            </a:r>
-            <a:endParaRPr lang="tr-TR" sz="1200" dirty="0" smtClean="0">
+              <a:t>", 53)</a:t>
+            </a:r>
+            <a:endParaRPr lang="tr-TR" sz="1200" dirty="0">
               <a:latin typeface="Consolas" panose="020B0609020204030204" pitchFamily="49" charset="0"/>
             </a:endParaRPr>
           </a:p>
           <a:p>
             <a:r>
-              <a:rPr lang="en-US" sz="1200" dirty="0" smtClean="0">
+              <a:rPr lang="en-US" sz="1200" dirty="0">
                 <a:latin typeface="Consolas" panose="020B0609020204030204" pitchFamily="49" charset="0"/>
               </a:rPr>
               <a:t>)</a:t>
             </a:r>
-            <a:endParaRPr lang="tr-TR" sz="1200" dirty="0" smtClean="0">
+            <a:endParaRPr lang="tr-TR" sz="1200" dirty="0">
               <a:latin typeface="Consolas" panose="020B0609020204030204" pitchFamily="49" charset="0"/>
             </a:endParaRPr>
           </a:p>
@@ -12001,7 +9779,7 @@
               <a:t>Gülsüm</a:t>
             </a:r>
             <a:r>
-              <a:rPr lang="en-US" sz="1000" dirty="0" smtClean="0">
+              <a:rPr lang="en-US" sz="1000" dirty="0">
                 <a:solidFill>
                   <a:schemeClr val="bg1">
                     <a:lumMod val="85000"/>
@@ -12012,7 +9790,7 @@
               <a:t>",</a:t>
             </a:r>
             <a:r>
-              <a:rPr lang="tr-TR" sz="1000" dirty="0" smtClean="0">
+              <a:rPr lang="tr-TR" sz="1000" dirty="0">
                 <a:solidFill>
                   <a:schemeClr val="bg1">
                     <a:lumMod val="85000"/>
@@ -12023,7 +9801,7 @@
               <a:t>   </a:t>
             </a:r>
             <a:r>
-              <a:rPr lang="en-US" sz="1000" dirty="0" smtClean="0">
+              <a:rPr lang="en-US" sz="1000" dirty="0">
                 <a:solidFill>
                   <a:schemeClr val="bg1">
                     <a:lumMod val="85000"/>
@@ -12033,7 +9811,64 @@
               </a:rPr>
               <a:t>), </a:t>
             </a:r>
-            <a:endParaRPr lang="en-US" sz="1000" dirty="0">
+          </a:p>
+          <a:p>
+            <a:r>
+              <a:rPr lang="en-US" sz="1000" dirty="0">
+                <a:solidFill>
+                  <a:schemeClr val="bg1">
+                    <a:lumMod val="85000"/>
+                  </a:schemeClr>
+                </a:solidFill>
+                <a:latin typeface="Consolas" panose="020B0609020204030204" pitchFamily="49" charset="0"/>
+              </a:rPr>
+              <a:t>Array(2, "</a:t>
+            </a:r>
+            <a:r>
+              <a:rPr lang="en-US" sz="1000" dirty="0" err="1">
+                <a:solidFill>
+                  <a:schemeClr val="bg1">
+                    <a:lumMod val="85000"/>
+                  </a:schemeClr>
+                </a:solidFill>
+                <a:latin typeface="Consolas" panose="020B0609020204030204" pitchFamily="49" charset="0"/>
+              </a:rPr>
+              <a:t>Cemal</a:t>
+            </a:r>
+            <a:r>
+              <a:rPr lang="en-US" sz="1000" dirty="0">
+                <a:solidFill>
+                  <a:schemeClr val="bg1">
+                    <a:lumMod val="85000"/>
+                  </a:schemeClr>
+                </a:solidFill>
+                <a:latin typeface="Consolas" panose="020B0609020204030204" pitchFamily="49" charset="0"/>
+              </a:rPr>
+              <a:t>",</a:t>
+            </a:r>
+            <a:r>
+              <a:rPr lang="tr-TR" sz="1000" dirty="0">
+                <a:solidFill>
+                  <a:schemeClr val="bg1">
+                    <a:lumMod val="85000"/>
+                  </a:schemeClr>
+                </a:solidFill>
+                <a:latin typeface="Consolas" panose="020B0609020204030204" pitchFamily="49" charset="0"/>
+              </a:rPr>
+              <a:t>   </a:t>
+            </a:r>
+            <a:r>
+              <a:rPr lang="en-US" sz="1000" dirty="0">
+                <a:solidFill>
+                  <a:schemeClr val="bg1">
+                    <a:lumMod val="85000"/>
+                  </a:schemeClr>
+                </a:solidFill>
+                <a:latin typeface="Consolas" panose="020B0609020204030204" pitchFamily="49" charset="0"/>
+              </a:rPr>
+              <a:t>),</a:t>
+            </a:r>
+            <a:endParaRPr lang="tr-TR" sz="1000" dirty="0">
               <a:solidFill>
                 <a:schemeClr val="bg1">
                   <a:lumMod val="85000"/>
@@ -12052,10 +9887,10 @@
                 </a:solidFill>
                 <a:latin typeface="Consolas" panose="020B0609020204030204" pitchFamily="49" charset="0"/>
               </a:rPr>
-              <a:t>Array(2, "</a:t>
-            </a:r>
-            <a:r>
-              <a:rPr lang="en-US" sz="1000" dirty="0" err="1">
+              <a:t>Array(7, "Mehmet",</a:t>
+            </a:r>
+            <a:r>
+              <a:rPr lang="tr-TR" sz="1000" dirty="0">
                 <a:solidFill>
                   <a:schemeClr val="bg1">
                     <a:lumMod val="85000"/>
@@ -12063,10 +9898,10 @@
                 </a:solidFill>
                 <a:latin typeface="Consolas" panose="020B0609020204030204" pitchFamily="49" charset="0"/>
               </a:rPr>
-              <a:t>Cemal</a:t>
-            </a:r>
-            <a:r>
-              <a:rPr lang="en-US" sz="1000" dirty="0" smtClean="0">
+              <a:t>   </a:t>
+            </a:r>
+            <a:r>
+              <a:rPr lang="en-US" sz="1000" dirty="0">
                 <a:solidFill>
                   <a:schemeClr val="bg1">
                     <a:lumMod val="85000"/>
@@ -12074,10 +9909,12 @@
                 </a:solidFill>
                 <a:latin typeface="Consolas" panose="020B0609020204030204" pitchFamily="49" charset="0"/>
               </a:rPr>
-              <a:t>",</a:t>
-            </a:r>
-            <a:r>
-              <a:rPr lang="tr-TR" sz="1000" dirty="0" smtClean="0">
+              <a:t>), </a:t>
+            </a:r>
+          </a:p>
+          <a:p>
+            <a:r>
+              <a:rPr lang="en-US" sz="1000" dirty="0">
                 <a:solidFill>
                   <a:schemeClr val="bg1">
                     <a:lumMod val="85000"/>
@@ -12085,10 +9922,10 @@
                 </a:solidFill>
                 <a:latin typeface="Consolas" panose="020B0609020204030204" pitchFamily="49" charset="0"/>
               </a:rPr>
-              <a:t>   </a:t>
-            </a:r>
-            <a:r>
-              <a:rPr lang="en-US" sz="1000" dirty="0" smtClean="0">
+              <a:t>Array(8, "</a:t>
+            </a:r>
+            <a:r>
+              <a:rPr lang="en-US" sz="1000" dirty="0" err="1">
                 <a:solidFill>
                   <a:schemeClr val="bg1">
                     <a:lumMod val="85000"/>
@@ -12096,9 +9933,42 @@
                 </a:solidFill>
                 <a:latin typeface="Consolas" panose="020B0609020204030204" pitchFamily="49" charset="0"/>
               </a:rPr>
-              <a:t>),</a:t>
-            </a:r>
-            <a:endParaRPr lang="tr-TR" sz="1000" dirty="0" smtClean="0">
+              <a:t>Gülay</a:t>
+            </a:r>
+            <a:r>
+              <a:rPr lang="en-US" sz="1000" dirty="0">
+                <a:solidFill>
+                  <a:schemeClr val="bg1">
+                    <a:lumMod val="85000"/>
+                  </a:schemeClr>
+                </a:solidFill>
+                <a:latin typeface="Consolas" panose="020B0609020204030204" pitchFamily="49" charset="0"/>
+              </a:rPr>
+              <a:t>", </a:t>
+            </a:r>
+            <a:r>
+              <a:rPr lang="tr-TR" sz="1000" dirty="0">
+                <a:solidFill>
+                  <a:schemeClr val="bg1">
+                    <a:lumMod val="85000"/>
+                  </a:schemeClr>
+                </a:solidFill>
+                <a:latin typeface="Consolas" panose="020B0609020204030204" pitchFamily="49" charset="0"/>
+              </a:rPr>
+              <a:t>   </a:t>
+            </a:r>
+            <a:r>
+              <a:rPr lang="en-US" sz="1000" dirty="0">
+                <a:solidFill>
+                  <a:schemeClr val="bg1">
+                    <a:lumMod val="85000"/>
+                  </a:schemeClr>
+                </a:solidFill>
+                <a:latin typeface="Consolas" panose="020B0609020204030204" pitchFamily="49" charset="0"/>
+              </a:rPr>
+              <a:t>)</a:t>
+            </a:r>
+            <a:endParaRPr lang="tr-TR" sz="1000" dirty="0">
               <a:solidFill>
                 <a:schemeClr val="bg1">
                   <a:lumMod val="85000"/>
@@ -12109,7 +9979,7 @@
           </a:p>
           <a:p>
             <a:r>
-              <a:rPr lang="en-US" sz="1000" dirty="0" smtClean="0">
+              <a:rPr lang="tr-TR" sz="1000" dirty="0">
                 <a:solidFill>
                   <a:schemeClr val="bg1">
                     <a:lumMod val="85000"/>
@@ -12117,7 +9987,7 @@
                 </a:solidFill>
                 <a:latin typeface="Consolas" panose="020B0609020204030204" pitchFamily="49" charset="0"/>
               </a:rPr>
-              <a:t>Array(7</a:t>
+              <a:t>)</a:t>
             </a:r>
             <a:r>
               <a:rPr lang="en-US" sz="1000" dirty="0">
@@ -12128,146 +9998,8 @@
                 </a:solidFill>
                 <a:latin typeface="Consolas" panose="020B0609020204030204" pitchFamily="49" charset="0"/>
               </a:rPr>
-              <a:t>, "Mehmet</a:t>
-            </a:r>
-            <a:r>
-              <a:rPr lang="en-US" sz="1000" dirty="0" smtClean="0">
-                <a:solidFill>
-                  <a:schemeClr val="bg1">
-                    <a:lumMod val="85000"/>
-                  </a:schemeClr>
-                </a:solidFill>
-                <a:latin typeface="Consolas" panose="020B0609020204030204" pitchFamily="49" charset="0"/>
-              </a:rPr>
-              <a:t>",</a:t>
-            </a:r>
-            <a:r>
-              <a:rPr lang="tr-TR" sz="1000" dirty="0" smtClean="0">
-                <a:solidFill>
-                  <a:schemeClr val="bg1">
-                    <a:lumMod val="85000"/>
-                  </a:schemeClr>
-                </a:solidFill>
-                <a:latin typeface="Consolas" panose="020B0609020204030204" pitchFamily="49" charset="0"/>
-              </a:rPr>
-              <a:t>   </a:t>
-            </a:r>
-            <a:r>
-              <a:rPr lang="en-US" sz="1000" dirty="0" smtClean="0">
-                <a:solidFill>
-                  <a:schemeClr val="bg1">
-                    <a:lumMod val="85000"/>
-                  </a:schemeClr>
-                </a:solidFill>
-                <a:latin typeface="Consolas" panose="020B0609020204030204" pitchFamily="49" charset="0"/>
-              </a:rPr>
-              <a:t>), </a:t>
-            </a:r>
-            <a:endParaRPr lang="en-US" sz="1000" dirty="0">
-              <a:solidFill>
-                <a:schemeClr val="bg1">
-                  <a:lumMod val="85000"/>
-                </a:schemeClr>
-              </a:solidFill>
-              <a:latin typeface="Consolas" panose="020B0609020204030204" pitchFamily="49" charset="0"/>
-            </a:endParaRPr>
-          </a:p>
-          <a:p>
-            <a:r>
-              <a:rPr lang="en-US" sz="1000" dirty="0">
-                <a:solidFill>
-                  <a:schemeClr val="bg1">
-                    <a:lumMod val="85000"/>
-                  </a:schemeClr>
-                </a:solidFill>
-                <a:latin typeface="Consolas" panose="020B0609020204030204" pitchFamily="49" charset="0"/>
-              </a:rPr>
-              <a:t>Array(8, "</a:t>
-            </a:r>
-            <a:r>
-              <a:rPr lang="en-US" sz="1000" dirty="0" err="1">
-                <a:solidFill>
-                  <a:schemeClr val="bg1">
-                    <a:lumMod val="85000"/>
-                  </a:schemeClr>
-                </a:solidFill>
-                <a:latin typeface="Consolas" panose="020B0609020204030204" pitchFamily="49" charset="0"/>
-              </a:rPr>
-              <a:t>Gülay</a:t>
-            </a:r>
-            <a:r>
-              <a:rPr lang="en-US" sz="1000" dirty="0">
-                <a:solidFill>
-                  <a:schemeClr val="bg1">
-                    <a:lumMod val="85000"/>
-                  </a:schemeClr>
-                </a:solidFill>
-                <a:latin typeface="Consolas" panose="020B0609020204030204" pitchFamily="49" charset="0"/>
-              </a:rPr>
-              <a:t>", </a:t>
-            </a:r>
-            <a:r>
-              <a:rPr lang="tr-TR" sz="1000" dirty="0" smtClean="0">
-                <a:solidFill>
-                  <a:schemeClr val="bg1">
-                    <a:lumMod val="85000"/>
-                  </a:schemeClr>
-                </a:solidFill>
-                <a:latin typeface="Consolas" panose="020B0609020204030204" pitchFamily="49" charset="0"/>
-              </a:rPr>
-              <a:t>   </a:t>
-            </a:r>
-            <a:r>
-              <a:rPr lang="en-US" sz="1000" dirty="0" smtClean="0">
-                <a:solidFill>
-                  <a:schemeClr val="bg1">
-                    <a:lumMod val="85000"/>
-                  </a:schemeClr>
-                </a:solidFill>
-                <a:latin typeface="Consolas" panose="020B0609020204030204" pitchFamily="49" charset="0"/>
-              </a:rPr>
-              <a:t>)</a:t>
-            </a:r>
-            <a:endParaRPr lang="tr-TR" sz="1000" dirty="0" smtClean="0">
-              <a:solidFill>
-                <a:schemeClr val="bg1">
-                  <a:lumMod val="85000"/>
-                </a:schemeClr>
-              </a:solidFill>
-              <a:latin typeface="Consolas" panose="020B0609020204030204" pitchFamily="49" charset="0"/>
-            </a:endParaRPr>
-          </a:p>
-          <a:p>
-            <a:r>
-              <a:rPr lang="tr-TR" sz="1000" dirty="0" smtClean="0">
-                <a:solidFill>
-                  <a:schemeClr val="bg1">
-                    <a:lumMod val="85000"/>
-                  </a:schemeClr>
-                </a:solidFill>
-                <a:latin typeface="Consolas" panose="020B0609020204030204" pitchFamily="49" charset="0"/>
-              </a:rPr>
-              <a:t>)</a:t>
-            </a:r>
-            <a:r>
-              <a:rPr lang="en-US" sz="1000" dirty="0" smtClean="0">
-                <a:solidFill>
-                  <a:schemeClr val="bg1">
-                    <a:lumMod val="85000"/>
-                  </a:schemeClr>
-                </a:solidFill>
-                <a:latin typeface="Consolas" panose="020B0609020204030204" pitchFamily="49" charset="0"/>
-              </a:rPr>
               <a:t> </a:t>
             </a:r>
-            <a:endParaRPr lang="en-US" sz="1000" dirty="0">
-              <a:solidFill>
-                <a:schemeClr val="bg1">
-                  <a:lumMod val="85000"/>
-                </a:schemeClr>
-              </a:solidFill>
-              <a:latin typeface="Consolas" panose="020B0609020204030204" pitchFamily="49" charset="0"/>
-            </a:endParaRPr>
           </a:p>
         </p:txBody>
       </p:sp>
@@ -12328,7 +10060,7 @@
               <a:t>Elif</a:t>
             </a:r>
             <a:r>
-              <a:rPr lang="en-US" sz="1000" dirty="0" smtClean="0">
+              <a:rPr lang="en-US" sz="1000" dirty="0">
                 <a:solidFill>
                   <a:schemeClr val="bg1">
                     <a:lumMod val="85000"/>
@@ -12339,7 +10071,7 @@
               <a:t>",</a:t>
             </a:r>
             <a:r>
-              <a:rPr lang="tr-TR" sz="1000" dirty="0" smtClean="0">
+              <a:rPr lang="tr-TR" sz="1000" dirty="0">
                 <a:solidFill>
                   <a:schemeClr val="bg1">
                     <a:lumMod val="85000"/>
@@ -12350,7 +10082,7 @@
               <a:t>    </a:t>
             </a:r>
             <a:r>
-              <a:rPr lang="en-US" sz="1000" dirty="0" smtClean="0">
+              <a:rPr lang="en-US" sz="1000" dirty="0">
                 <a:solidFill>
                   <a:schemeClr val="bg1">
                     <a:lumMod val="85000"/>
@@ -12360,7 +10092,178 @@
               </a:rPr>
               <a:t>), </a:t>
             </a:r>
-            <a:endParaRPr lang="en-US" sz="1000" dirty="0">
+          </a:p>
+          <a:p>
+            <a:r>
+              <a:rPr lang="en-US" sz="1000" dirty="0">
+                <a:solidFill>
+                  <a:schemeClr val="bg1">
+                    <a:lumMod val="85000"/>
+                  </a:schemeClr>
+                </a:solidFill>
+                <a:latin typeface="Consolas" panose="020B0609020204030204" pitchFamily="49" charset="0"/>
+              </a:rPr>
+              <a:t>Array(4, "</a:t>
+            </a:r>
+            <a:r>
+              <a:rPr lang="en-US" sz="1000" dirty="0" err="1">
+                <a:solidFill>
+                  <a:schemeClr val="bg1">
+                    <a:lumMod val="85000"/>
+                  </a:schemeClr>
+                </a:solidFill>
+                <a:latin typeface="Consolas" panose="020B0609020204030204" pitchFamily="49" charset="0"/>
+              </a:rPr>
+              <a:t>Funda</a:t>
+            </a:r>
+            <a:r>
+              <a:rPr lang="en-US" sz="1000" dirty="0">
+                <a:solidFill>
+                  <a:schemeClr val="bg1">
+                    <a:lumMod val="85000"/>
+                  </a:schemeClr>
+                </a:solidFill>
+                <a:latin typeface="Consolas" panose="020B0609020204030204" pitchFamily="49" charset="0"/>
+              </a:rPr>
+              <a:t>", </a:t>
+            </a:r>
+            <a:r>
+              <a:rPr lang="tr-TR" sz="1000" dirty="0">
+                <a:solidFill>
+                  <a:schemeClr val="bg1">
+                    <a:lumMod val="85000"/>
+                  </a:schemeClr>
+                </a:solidFill>
+                <a:latin typeface="Consolas" panose="020B0609020204030204" pitchFamily="49" charset="0"/>
+              </a:rPr>
+              <a:t>   </a:t>
+            </a:r>
+            <a:r>
+              <a:rPr lang="en-US" sz="1000" dirty="0">
+                <a:solidFill>
+                  <a:schemeClr val="bg1">
+                    <a:lumMod val="85000"/>
+                  </a:schemeClr>
+                </a:solidFill>
+                <a:latin typeface="Consolas" panose="020B0609020204030204" pitchFamily="49" charset="0"/>
+              </a:rPr>
+              <a:t>), </a:t>
+            </a:r>
+          </a:p>
+          <a:p>
+            <a:r>
+              <a:rPr lang="en-US" sz="1000" dirty="0">
+                <a:solidFill>
+                  <a:schemeClr val="bg1">
+                    <a:lumMod val="85000"/>
+                  </a:schemeClr>
+                </a:solidFill>
+                <a:latin typeface="Consolas" panose="020B0609020204030204" pitchFamily="49" charset="0"/>
+              </a:rPr>
+              <a:t>Array(9, "</a:t>
+            </a:r>
+            <a:r>
+              <a:rPr lang="en-US" sz="1000" dirty="0" err="1">
+                <a:solidFill>
+                  <a:schemeClr val="bg1">
+                    <a:lumMod val="85000"/>
+                  </a:schemeClr>
+                </a:solidFill>
+                <a:latin typeface="Consolas" panose="020B0609020204030204" pitchFamily="49" charset="0"/>
+              </a:rPr>
+              <a:t>Cumhur</a:t>
+            </a:r>
+            <a:r>
+              <a:rPr lang="en-US" sz="1000" dirty="0">
+                <a:solidFill>
+                  <a:schemeClr val="bg1">
+                    <a:lumMod val="85000"/>
+                  </a:schemeClr>
+                </a:solidFill>
+                <a:latin typeface="Consolas" panose="020B0609020204030204" pitchFamily="49" charset="0"/>
+              </a:rPr>
+              <a:t>", </a:t>
+            </a:r>
+            <a:r>
+              <a:rPr lang="tr-TR" sz="1000" dirty="0">
+                <a:solidFill>
+                  <a:schemeClr val="bg1">
+                    <a:lumMod val="85000"/>
+                  </a:schemeClr>
+                </a:solidFill>
+                <a:latin typeface="Consolas" panose="020B0609020204030204" pitchFamily="49" charset="0"/>
+              </a:rPr>
+              <a:t>   </a:t>
+            </a:r>
+            <a:r>
+              <a:rPr lang="en-US" sz="1000" dirty="0">
+                <a:solidFill>
+                  <a:schemeClr val="bg1">
+                    <a:lumMod val="85000"/>
+                  </a:schemeClr>
+                </a:solidFill>
+                <a:latin typeface="Consolas" panose="020B0609020204030204" pitchFamily="49" charset="0"/>
+              </a:rPr>
+              <a:t>), </a:t>
+            </a:r>
+          </a:p>
+          <a:p>
+            <a:r>
+              <a:rPr lang="en-US" sz="1000" dirty="0">
+                <a:solidFill>
+                  <a:schemeClr val="bg1">
+                    <a:lumMod val="85000"/>
+                  </a:schemeClr>
+                </a:solidFill>
+                <a:latin typeface="Consolas" panose="020B0609020204030204" pitchFamily="49" charset="0"/>
+              </a:rPr>
+              <a:t>Array(10, "</a:t>
+            </a:r>
+            <a:r>
+              <a:rPr lang="en-US" sz="1000" dirty="0" err="1">
+                <a:solidFill>
+                  <a:schemeClr val="bg1">
+                    <a:lumMod val="85000"/>
+                  </a:schemeClr>
+                </a:solidFill>
+                <a:latin typeface="Consolas" panose="020B0609020204030204" pitchFamily="49" charset="0"/>
+              </a:rPr>
+              <a:t>Burcu</a:t>
+            </a:r>
+            <a:r>
+              <a:rPr lang="en-US" sz="1000" dirty="0">
+                <a:solidFill>
+                  <a:schemeClr val="bg1">
+                    <a:lumMod val="85000"/>
+                  </a:schemeClr>
+                </a:solidFill>
+                <a:latin typeface="Consolas" panose="020B0609020204030204" pitchFamily="49" charset="0"/>
+              </a:rPr>
+              <a:t>",</a:t>
+            </a:r>
+            <a:r>
+              <a:rPr lang="tr-TR" sz="1000" dirty="0">
+                <a:solidFill>
+                  <a:schemeClr val="bg1">
+                    <a:lumMod val="85000"/>
+                  </a:schemeClr>
+                </a:solidFill>
+                <a:latin typeface="Consolas" panose="020B0609020204030204" pitchFamily="49" charset="0"/>
+              </a:rPr>
+              <a:t>    </a:t>
+            </a:r>
+            <a:r>
+              <a:rPr lang="en-US" sz="1000" dirty="0">
+                <a:solidFill>
+                  <a:schemeClr val="bg1">
+                    <a:lumMod val="85000"/>
+                  </a:schemeClr>
+                </a:solidFill>
+                <a:latin typeface="Consolas" panose="020B0609020204030204" pitchFamily="49" charset="0"/>
+              </a:rPr>
+              <a:t>)</a:t>
+            </a:r>
+            <a:endParaRPr lang="tr-TR" sz="1000" dirty="0">
               <a:solidFill>
                 <a:schemeClr val="bg1">
                   <a:lumMod val="85000"/>
@@ -12371,7 +10274,7 @@
           </a:p>
           <a:p>
             <a:r>
-              <a:rPr lang="en-US" sz="1000" dirty="0">
+              <a:rPr lang="tr-TR" sz="1000" dirty="0">
                 <a:solidFill>
                   <a:schemeClr val="bg1">
                     <a:lumMod val="85000"/>
@@ -12379,10 +10282,10 @@
                 </a:solidFill>
                 <a:latin typeface="Consolas" panose="020B0609020204030204" pitchFamily="49" charset="0"/>
               </a:rPr>
-              <a:t>Array(4, "</a:t>
-            </a:r>
-            <a:r>
-              <a:rPr lang="en-US" sz="1000" dirty="0" err="1">
+              <a:t>)</a:t>
+            </a:r>
+            <a:r>
+              <a:rPr lang="en-US" sz="1000" dirty="0">
                 <a:solidFill>
                   <a:schemeClr val="bg1">
                     <a:lumMod val="85000"/>
@@ -12390,211 +10293,8 @@
                 </a:solidFill>
                 <a:latin typeface="Consolas" panose="020B0609020204030204" pitchFamily="49" charset="0"/>
               </a:rPr>
-              <a:t>Funda</a:t>
-            </a:r>
-            <a:r>
-              <a:rPr lang="en-US" sz="1000" dirty="0">
-                <a:solidFill>
-                  <a:schemeClr val="bg1">
-                    <a:lumMod val="85000"/>
-                  </a:schemeClr>
-                </a:solidFill>
-                <a:latin typeface="Consolas" panose="020B0609020204030204" pitchFamily="49" charset="0"/>
-              </a:rPr>
-              <a:t>", </a:t>
-            </a:r>
-            <a:r>
-              <a:rPr lang="tr-TR" sz="1000" dirty="0" smtClean="0">
-                <a:solidFill>
-                  <a:schemeClr val="bg1">
-                    <a:lumMod val="85000"/>
-                  </a:schemeClr>
-                </a:solidFill>
-                <a:latin typeface="Consolas" panose="020B0609020204030204" pitchFamily="49" charset="0"/>
-              </a:rPr>
-              <a:t>   </a:t>
-            </a:r>
-            <a:r>
-              <a:rPr lang="en-US" sz="1000" dirty="0" smtClean="0">
-                <a:solidFill>
-                  <a:schemeClr val="bg1">
-                    <a:lumMod val="85000"/>
-                  </a:schemeClr>
-                </a:solidFill>
-                <a:latin typeface="Consolas" panose="020B0609020204030204" pitchFamily="49" charset="0"/>
-              </a:rPr>
-              <a:t>), </a:t>
-            </a:r>
-            <a:endParaRPr lang="en-US" sz="1000" dirty="0">
-              <a:solidFill>
-                <a:schemeClr val="bg1">
-                  <a:lumMod val="85000"/>
-                </a:schemeClr>
-              </a:solidFill>
-              <a:latin typeface="Consolas" panose="020B0609020204030204" pitchFamily="49" charset="0"/>
-            </a:endParaRPr>
-          </a:p>
-          <a:p>
-            <a:r>
-              <a:rPr lang="en-US" sz="1000" dirty="0">
-                <a:solidFill>
-                  <a:schemeClr val="bg1">
-                    <a:lumMod val="85000"/>
-                  </a:schemeClr>
-                </a:solidFill>
-                <a:latin typeface="Consolas" panose="020B0609020204030204" pitchFamily="49" charset="0"/>
-              </a:rPr>
-              <a:t>Array(9, "</a:t>
-            </a:r>
-            <a:r>
-              <a:rPr lang="en-US" sz="1000" dirty="0" err="1">
-                <a:solidFill>
-                  <a:schemeClr val="bg1">
-                    <a:lumMod val="85000"/>
-                  </a:schemeClr>
-                </a:solidFill>
-                <a:latin typeface="Consolas" panose="020B0609020204030204" pitchFamily="49" charset="0"/>
-              </a:rPr>
-              <a:t>Cumhur</a:t>
-            </a:r>
-            <a:r>
-              <a:rPr lang="en-US" sz="1000" dirty="0">
-                <a:solidFill>
-                  <a:schemeClr val="bg1">
-                    <a:lumMod val="85000"/>
-                  </a:schemeClr>
-                </a:solidFill>
-                <a:latin typeface="Consolas" panose="020B0609020204030204" pitchFamily="49" charset="0"/>
-              </a:rPr>
-              <a:t>", </a:t>
-            </a:r>
-            <a:r>
-              <a:rPr lang="tr-TR" sz="1000" dirty="0" smtClean="0">
-                <a:solidFill>
-                  <a:schemeClr val="bg1">
-                    <a:lumMod val="85000"/>
-                  </a:schemeClr>
-                </a:solidFill>
-                <a:latin typeface="Consolas" panose="020B0609020204030204" pitchFamily="49" charset="0"/>
-              </a:rPr>
-              <a:t>   </a:t>
-            </a:r>
-            <a:r>
-              <a:rPr lang="en-US" sz="1000" dirty="0" smtClean="0">
-                <a:solidFill>
-                  <a:schemeClr val="bg1">
-                    <a:lumMod val="85000"/>
-                  </a:schemeClr>
-                </a:solidFill>
-                <a:latin typeface="Consolas" panose="020B0609020204030204" pitchFamily="49" charset="0"/>
-              </a:rPr>
-              <a:t>), </a:t>
-            </a:r>
-            <a:endParaRPr lang="en-US" sz="1000" dirty="0">
-              <a:solidFill>
-                <a:schemeClr val="bg1">
-                  <a:lumMod val="85000"/>
-                </a:schemeClr>
-              </a:solidFill>
-              <a:latin typeface="Consolas" panose="020B0609020204030204" pitchFamily="49" charset="0"/>
-            </a:endParaRPr>
-          </a:p>
-          <a:p>
-            <a:r>
-              <a:rPr lang="en-US" sz="1000" dirty="0">
-                <a:solidFill>
-                  <a:schemeClr val="bg1">
-                    <a:lumMod val="85000"/>
-                  </a:schemeClr>
-                </a:solidFill>
-                <a:latin typeface="Consolas" panose="020B0609020204030204" pitchFamily="49" charset="0"/>
-              </a:rPr>
-              <a:t>Array(10, "</a:t>
-            </a:r>
-            <a:r>
-              <a:rPr lang="en-US" sz="1000" dirty="0" err="1">
-                <a:solidFill>
-                  <a:schemeClr val="bg1">
-                    <a:lumMod val="85000"/>
-                  </a:schemeClr>
-                </a:solidFill>
-                <a:latin typeface="Consolas" panose="020B0609020204030204" pitchFamily="49" charset="0"/>
-              </a:rPr>
-              <a:t>Burcu</a:t>
-            </a:r>
-            <a:r>
-              <a:rPr lang="en-US" sz="1000" dirty="0" smtClean="0">
-                <a:solidFill>
-                  <a:schemeClr val="bg1">
-                    <a:lumMod val="85000"/>
-                  </a:schemeClr>
-                </a:solidFill>
-                <a:latin typeface="Consolas" panose="020B0609020204030204" pitchFamily="49" charset="0"/>
-              </a:rPr>
-              <a:t>",</a:t>
-            </a:r>
-            <a:r>
-              <a:rPr lang="tr-TR" sz="1000" dirty="0" smtClean="0">
-                <a:solidFill>
-                  <a:schemeClr val="bg1">
-                    <a:lumMod val="85000"/>
-                  </a:schemeClr>
-                </a:solidFill>
-                <a:latin typeface="Consolas" panose="020B0609020204030204" pitchFamily="49" charset="0"/>
-              </a:rPr>
-              <a:t>    </a:t>
-            </a:r>
-            <a:r>
-              <a:rPr lang="en-US" sz="1000" dirty="0" smtClean="0">
-                <a:solidFill>
-                  <a:schemeClr val="bg1">
-                    <a:lumMod val="85000"/>
-                  </a:schemeClr>
-                </a:solidFill>
-                <a:latin typeface="Consolas" panose="020B0609020204030204" pitchFamily="49" charset="0"/>
-              </a:rPr>
-              <a:t>)</a:t>
-            </a:r>
-            <a:endParaRPr lang="tr-TR" sz="1000" dirty="0" smtClean="0">
-              <a:solidFill>
-                <a:schemeClr val="bg1">
-                  <a:lumMod val="85000"/>
-                </a:schemeClr>
-              </a:solidFill>
-              <a:latin typeface="Consolas" panose="020B0609020204030204" pitchFamily="49" charset="0"/>
-            </a:endParaRPr>
-          </a:p>
-          <a:p>
-            <a:r>
-              <a:rPr lang="tr-TR" sz="1000" dirty="0" smtClean="0">
-                <a:solidFill>
-                  <a:schemeClr val="bg1">
-                    <a:lumMod val="85000"/>
-                  </a:schemeClr>
-                </a:solidFill>
-                <a:latin typeface="Consolas" panose="020B0609020204030204" pitchFamily="49" charset="0"/>
-              </a:rPr>
-              <a:t>)</a:t>
-            </a:r>
-            <a:r>
-              <a:rPr lang="en-US" sz="1000" dirty="0" smtClean="0">
-                <a:solidFill>
-                  <a:schemeClr val="bg1">
-                    <a:lumMod val="85000"/>
-                  </a:schemeClr>
-                </a:solidFill>
-                <a:latin typeface="Consolas" panose="020B0609020204030204" pitchFamily="49" charset="0"/>
-              </a:rPr>
               <a:t> </a:t>
             </a:r>
-            <a:endParaRPr lang="en-US" sz="1000" dirty="0">
-              <a:solidFill>
-                <a:schemeClr val="bg1">
-                  <a:lumMod val="85000"/>
-                </a:schemeClr>
-              </a:solidFill>
-              <a:latin typeface="Consolas" panose="020B0609020204030204" pitchFamily="49" charset="0"/>
-            </a:endParaRPr>
           </a:p>
         </p:txBody>
       </p:sp>
@@ -12641,10 +10341,10 @@
                 </a:solidFill>
                 <a:latin typeface="Consolas" panose="020B0609020204030204" pitchFamily="49" charset="0"/>
               </a:rPr>
-              <a:t>Array(5, "Hamza</a:t>
-            </a:r>
-            <a:r>
-              <a:rPr lang="en-US" sz="1000" dirty="0" smtClean="0">
+              <a:t>Array(5, "Hamza",</a:t>
+            </a:r>
+            <a:r>
+              <a:rPr lang="tr-TR" sz="1000" dirty="0">
                 <a:solidFill>
                   <a:schemeClr val="bg1">
                     <a:lumMod val="85000"/>
@@ -12652,10 +10352,10 @@
                 </a:solidFill>
                 <a:latin typeface="Consolas" panose="020B0609020204030204" pitchFamily="49" charset="0"/>
               </a:rPr>
-              <a:t>",</a:t>
-            </a:r>
-            <a:r>
-              <a:rPr lang="tr-TR" sz="1000" dirty="0" smtClean="0">
+              <a:t>    </a:t>
+            </a:r>
+            <a:r>
+              <a:rPr lang="en-US" sz="1000" dirty="0">
                 <a:solidFill>
                   <a:schemeClr val="bg1">
                     <a:lumMod val="85000"/>
@@ -12663,10 +10363,12 @@
                 </a:solidFill>
                 <a:latin typeface="Consolas" panose="020B0609020204030204" pitchFamily="49" charset="0"/>
               </a:rPr>
-              <a:t>    </a:t>
-            </a:r>
-            <a:r>
-              <a:rPr lang="en-US" sz="1000" dirty="0" smtClean="0">
+              <a:t>), </a:t>
+            </a:r>
+          </a:p>
+          <a:p>
+            <a:r>
+              <a:rPr lang="en-US" sz="1000" dirty="0">
                 <a:solidFill>
                   <a:schemeClr val="bg1">
                     <a:lumMod val="85000"/>
@@ -12674,20 +10376,10 @@
                 </a:solidFill>
                 <a:latin typeface="Consolas" panose="020B0609020204030204" pitchFamily="49" charset="0"/>
               </a:rPr>
-              <a:t>), </a:t>
-            </a:r>
-            <a:endParaRPr lang="en-US" sz="1000" dirty="0">
-              <a:solidFill>
-                <a:schemeClr val="bg1">
-                  <a:lumMod val="85000"/>
-                </a:schemeClr>
-              </a:solidFill>
-              <a:latin typeface="Consolas" panose="020B0609020204030204" pitchFamily="49" charset="0"/>
-            </a:endParaRPr>
-          </a:p>
-          <a:p>
-            <a:r>
-              <a:rPr lang="en-US" sz="1000" dirty="0">
+              <a:t>Array(6, "</a:t>
+            </a:r>
+            <a:r>
+              <a:rPr lang="en-US" sz="1000" dirty="0" err="1">
                 <a:solidFill>
                   <a:schemeClr val="bg1">
                     <a:lumMod val="85000"/>
@@ -12695,10 +10387,10 @@
                 </a:solidFill>
                 <a:latin typeface="Consolas" panose="020B0609020204030204" pitchFamily="49" charset="0"/>
               </a:rPr>
-              <a:t>Array(6, "</a:t>
-            </a:r>
-            <a:r>
-              <a:rPr lang="en-US" sz="1000" dirty="0" err="1">
+              <a:t>Yalçın</a:t>
+            </a:r>
+            <a:r>
+              <a:rPr lang="en-US" sz="1000" dirty="0">
                 <a:solidFill>
                   <a:schemeClr val="bg1">
                     <a:lumMod val="85000"/>
@@ -12706,10 +10398,10 @@
                 </a:solidFill>
                 <a:latin typeface="Consolas" panose="020B0609020204030204" pitchFamily="49" charset="0"/>
               </a:rPr>
-              <a:t>Yalçın</a:t>
-            </a:r>
-            <a:r>
-              <a:rPr lang="en-US" sz="1000" dirty="0" smtClean="0">
+              <a:t>",</a:t>
+            </a:r>
+            <a:r>
+              <a:rPr lang="tr-TR" sz="1000" dirty="0">
                 <a:solidFill>
                   <a:schemeClr val="bg1">
                     <a:lumMod val="85000"/>
@@ -12717,10 +10409,10 @@
                 </a:solidFill>
                 <a:latin typeface="Consolas" panose="020B0609020204030204" pitchFamily="49" charset="0"/>
               </a:rPr>
-              <a:t>",</a:t>
-            </a:r>
-            <a:r>
-              <a:rPr lang="tr-TR" sz="1000" dirty="0" smtClean="0">
+              <a:t>   </a:t>
+            </a:r>
+            <a:r>
+              <a:rPr lang="en-US" sz="1000" dirty="0">
                 <a:solidFill>
                   <a:schemeClr val="bg1">
                     <a:lumMod val="85000"/>
@@ -12728,10 +10420,12 @@
                 </a:solidFill>
                 <a:latin typeface="Consolas" panose="020B0609020204030204" pitchFamily="49" charset="0"/>
               </a:rPr>
-              <a:t>   </a:t>
-            </a:r>
-            <a:r>
-              <a:rPr lang="en-US" sz="1000" dirty="0" smtClean="0">
+              <a:t>), </a:t>
+            </a:r>
+          </a:p>
+          <a:p>
+            <a:r>
+              <a:rPr lang="en-US" sz="1000" dirty="0">
                 <a:solidFill>
                   <a:schemeClr val="bg1">
                     <a:lumMod val="85000"/>
@@ -12739,20 +10433,10 @@
                 </a:solidFill>
                 <a:latin typeface="Consolas" panose="020B0609020204030204" pitchFamily="49" charset="0"/>
               </a:rPr>
-              <a:t>), </a:t>
-            </a:r>
-            <a:endParaRPr lang="en-US" sz="1000" dirty="0">
-              <a:solidFill>
-                <a:schemeClr val="bg1">
-                  <a:lumMod val="85000"/>
-                </a:schemeClr>
-              </a:solidFill>
-              <a:latin typeface="Consolas" panose="020B0609020204030204" pitchFamily="49" charset="0"/>
-            </a:endParaRPr>
-          </a:p>
-          <a:p>
-            <a:r>
-              <a:rPr lang="en-US" sz="1000" dirty="0">
+              <a:t>Array(11, "</a:t>
+            </a:r>
+            <a:r>
+              <a:rPr lang="en-US" sz="1000" dirty="0" err="1">
                 <a:solidFill>
                   <a:schemeClr val="bg1">
                     <a:lumMod val="85000"/>
@@ -12760,10 +10444,10 @@
                 </a:solidFill>
                 <a:latin typeface="Consolas" panose="020B0609020204030204" pitchFamily="49" charset="0"/>
               </a:rPr>
-              <a:t>Array(11, "</a:t>
-            </a:r>
-            <a:r>
-              <a:rPr lang="en-US" sz="1000" dirty="0" err="1">
+              <a:t>Metin</a:t>
+            </a:r>
+            <a:r>
+              <a:rPr lang="en-US" sz="1000" dirty="0">
                 <a:solidFill>
                   <a:schemeClr val="bg1">
                     <a:lumMod val="85000"/>
@@ -12771,10 +10455,10 @@
                 </a:solidFill>
                 <a:latin typeface="Consolas" panose="020B0609020204030204" pitchFamily="49" charset="0"/>
               </a:rPr>
-              <a:t>Metin</a:t>
-            </a:r>
-            <a:r>
-              <a:rPr lang="en-US" sz="1000" dirty="0" smtClean="0">
+              <a:t>",</a:t>
+            </a:r>
+            <a:r>
+              <a:rPr lang="tr-TR" sz="1000" dirty="0">
                 <a:solidFill>
                   <a:schemeClr val="bg1">
                     <a:lumMod val="85000"/>
@@ -12782,10 +10466,10 @@
                 </a:solidFill>
                 <a:latin typeface="Consolas" panose="020B0609020204030204" pitchFamily="49" charset="0"/>
               </a:rPr>
-              <a:t>",</a:t>
-            </a:r>
-            <a:r>
-              <a:rPr lang="tr-TR" sz="1000" dirty="0" smtClean="0">
+              <a:t>   </a:t>
+            </a:r>
+            <a:r>
+              <a:rPr lang="en-US" sz="1000" dirty="0">
                 <a:solidFill>
                   <a:schemeClr val="bg1">
                     <a:lumMod val="85000"/>
@@ -12793,10 +10477,10 @@
                 </a:solidFill>
                 <a:latin typeface="Consolas" panose="020B0609020204030204" pitchFamily="49" charset="0"/>
               </a:rPr>
-              <a:t>   </a:t>
-            </a:r>
-            <a:r>
-              <a:rPr lang="en-US" sz="1000" dirty="0" smtClean="0">
+              <a:t>), Array(12, "</a:t>
+            </a:r>
+            <a:r>
+              <a:rPr lang="en-US" sz="1000" dirty="0" err="1">
                 <a:solidFill>
                   <a:schemeClr val="bg1">
                     <a:lumMod val="85000"/>
@@ -12804,7 +10488,7 @@
                 </a:solidFill>
                 <a:latin typeface="Consolas" panose="020B0609020204030204" pitchFamily="49" charset="0"/>
               </a:rPr>
-              <a:t>), </a:t>
+              <a:t>Veysel</a:t>
             </a:r>
             <a:r>
               <a:rPr lang="en-US" sz="1000" dirty="0">
@@ -12815,10 +10499,10 @@
                 </a:solidFill>
                 <a:latin typeface="Consolas" panose="020B0609020204030204" pitchFamily="49" charset="0"/>
               </a:rPr>
-              <a:t>Array(12, "</a:t>
-            </a:r>
-            <a:r>
-              <a:rPr lang="en-US" sz="1000" dirty="0" err="1">
+              <a:t>", </a:t>
+            </a:r>
+            <a:r>
+              <a:rPr lang="tr-TR" sz="1000" dirty="0">
                 <a:solidFill>
                   <a:schemeClr val="bg1">
                     <a:lumMod val="85000"/>
@@ -12826,7 +10510,7 @@
                 </a:solidFill>
                 <a:latin typeface="Consolas" panose="020B0609020204030204" pitchFamily="49" charset="0"/>
               </a:rPr>
-              <a:t>Veysel</a:t>
+              <a:t>  </a:t>
             </a:r>
             <a:r>
               <a:rPr lang="en-US" sz="1000" dirty="0">
@@ -12837,10 +10521,12 @@
                 </a:solidFill>
                 <a:latin typeface="Consolas" panose="020B0609020204030204" pitchFamily="49" charset="0"/>
               </a:rPr>
-              <a:t>", </a:t>
-            </a:r>
-            <a:r>
-              <a:rPr lang="tr-TR" sz="1000" dirty="0" smtClean="0">
+              <a:t>)</a:t>
+            </a:r>
+          </a:p>
+          <a:p>
+            <a:r>
+              <a:rPr lang="tr-TR" sz="1000" dirty="0">
                 <a:solidFill>
                   <a:schemeClr val="bg1">
                     <a:lumMod val="85000"/>
@@ -12848,10 +10534,10 @@
                 </a:solidFill>
                 <a:latin typeface="Consolas" panose="020B0609020204030204" pitchFamily="49" charset="0"/>
               </a:rPr>
-              <a:t>  </a:t>
-            </a:r>
-            <a:r>
-              <a:rPr lang="en-US" sz="1000" dirty="0" smtClean="0">
+              <a:t>)</a:t>
+            </a:r>
+            <a:r>
+              <a:rPr lang="en-US" sz="1000" dirty="0">
                 <a:solidFill>
                   <a:schemeClr val="bg1">
                     <a:lumMod val="85000"/>
@@ -12859,48 +10545,8 @@
                 </a:solidFill>
                 <a:latin typeface="Consolas" panose="020B0609020204030204" pitchFamily="49" charset="0"/>
               </a:rPr>
-              <a:t>)</a:t>
-            </a:r>
-            <a:endParaRPr lang="en-US" sz="1000" dirty="0">
-              <a:solidFill>
-                <a:schemeClr val="bg1">
-                  <a:lumMod val="85000"/>
-                </a:schemeClr>
-              </a:solidFill>
-              <a:latin typeface="Consolas" panose="020B0609020204030204" pitchFamily="49" charset="0"/>
-            </a:endParaRPr>
-          </a:p>
-          <a:p>
-            <a:r>
-              <a:rPr lang="tr-TR" sz="1000" dirty="0" smtClean="0">
-                <a:solidFill>
-                  <a:schemeClr val="bg1">
-                    <a:lumMod val="85000"/>
-                  </a:schemeClr>
-                </a:solidFill>
-                <a:latin typeface="Consolas" panose="020B0609020204030204" pitchFamily="49" charset="0"/>
-              </a:rPr>
-              <a:t>)</a:t>
-            </a:r>
-            <a:r>
-              <a:rPr lang="en-US" sz="1000" dirty="0" smtClean="0">
-                <a:solidFill>
-                  <a:schemeClr val="bg1">
-                    <a:lumMod val="85000"/>
-                  </a:schemeClr>
-                </a:solidFill>
-                <a:latin typeface="Consolas" panose="020B0609020204030204" pitchFamily="49" charset="0"/>
-              </a:rPr>
               <a:t> </a:t>
             </a:r>
-            <a:endParaRPr lang="en-US" sz="1000" dirty="0">
-              <a:solidFill>
-                <a:schemeClr val="bg1">
-                  <a:lumMod val="85000"/>
-                </a:schemeClr>
-              </a:solidFill>
-              <a:latin typeface="Consolas" panose="020B0609020204030204" pitchFamily="49" charset="0"/>
-            </a:endParaRPr>
           </a:p>
         </p:txBody>
       </p:sp>
@@ -12913,7 +10559,7 @@
           <p:nvPr/>
         </p:nvPicPr>
         <p:blipFill>
-          <a:blip r:embed="rId3" cstate="print">
+          <a:blip r:embed="rId2" cstate="print">
             <a:extLst>
               <a:ext uri="{28A0092B-C50C-407E-A947-70E740481C1C}">
                 <a14:useLocalDpi xmlns:a14="http://schemas.microsoft.com/office/drawing/2010/main" val="0"/>
@@ -12976,7 +10622,7 @@
           <p:nvPr/>
         </p:nvPicPr>
         <p:blipFill>
-          <a:blip r:embed="rId3" cstate="print">
+          <a:blip r:embed="rId2" cstate="print">
             <a:extLst>
               <a:ext uri="{28A0092B-C50C-407E-A947-70E740481C1C}">
                 <a14:useLocalDpi xmlns:a14="http://schemas.microsoft.com/office/drawing/2010/main" val="0"/>
@@ -13006,7 +10652,7 @@
           <p:nvPr/>
         </p:nvPicPr>
         <p:blipFill>
-          <a:blip r:embed="rId3" cstate="print">
+          <a:blip r:embed="rId2" cstate="print">
             <a:extLst>
               <a:ext uri="{28A0092B-C50C-407E-A947-70E740481C1C}">
                 <a14:useLocalDpi xmlns:a14="http://schemas.microsoft.com/office/drawing/2010/main" val="0"/>
@@ -13083,7 +10729,7 @@
           <a:p>
             <a:pPr algn="ctr"/>
             <a:r>
-              <a:rPr lang="tr-TR" sz="1200" dirty="0" smtClean="0">
+              <a:rPr lang="tr-TR" sz="1200" dirty="0">
                 <a:solidFill>
                   <a:srgbClr val="FF0000"/>
                 </a:solidFill>
@@ -13123,7 +10769,7 @@
           <a:p>
             <a:pPr algn="ctr"/>
             <a:r>
-              <a:rPr lang="tr-TR" sz="1200" dirty="0" smtClean="0">
+              <a:rPr lang="tr-TR" sz="1200" dirty="0">
                 <a:solidFill>
                   <a:srgbClr val="FF0000"/>
                 </a:solidFill>
@@ -13163,7 +10809,7 @@
           <a:p>
             <a:pPr algn="ctr"/>
             <a:r>
-              <a:rPr lang="tr-TR" sz="1200" dirty="0" smtClean="0">
+              <a:rPr lang="tr-TR" sz="1200" dirty="0">
                 <a:solidFill>
                   <a:srgbClr val="FF0000"/>
                 </a:solidFill>
@@ -13203,7 +10849,7 @@
           <a:p>
             <a:pPr algn="ctr"/>
             <a:r>
-              <a:rPr lang="tr-TR" sz="1200" dirty="0" smtClean="0">
+              <a:rPr lang="tr-TR" sz="1200" dirty="0">
                 <a:solidFill>
                   <a:srgbClr val="FF0000"/>
                 </a:solidFill>
@@ -13243,7 +10889,7 @@
           <a:p>
             <a:pPr algn="ctr"/>
             <a:r>
-              <a:rPr lang="tr-TR" sz="1200" dirty="0" smtClean="0">
+              <a:rPr lang="tr-TR" sz="1200" dirty="0">
                 <a:solidFill>
                   <a:srgbClr val="FF0000"/>
                 </a:solidFill>
@@ -13283,7 +10929,7 @@
           <a:p>
             <a:pPr algn="ctr"/>
             <a:r>
-              <a:rPr lang="tr-TR" sz="1200" dirty="0" smtClean="0">
+              <a:rPr lang="tr-TR" sz="1200" dirty="0">
                 <a:solidFill>
                   <a:srgbClr val="FF0000"/>
                 </a:solidFill>
@@ -13323,7 +10969,7 @@
           <a:p>
             <a:pPr algn="ctr"/>
             <a:r>
-              <a:rPr lang="tr-TR" sz="1200" dirty="0" smtClean="0">
+              <a:rPr lang="tr-TR" sz="1200" dirty="0">
                 <a:solidFill>
                   <a:srgbClr val="FF0000"/>
                 </a:solidFill>
@@ -13363,7 +11009,7 @@
           <a:p>
             <a:pPr algn="ctr"/>
             <a:r>
-              <a:rPr lang="tr-TR" sz="1200" dirty="0" smtClean="0">
+              <a:rPr lang="tr-TR" sz="1200" dirty="0">
                 <a:solidFill>
                   <a:srgbClr val="FF0000"/>
                 </a:solidFill>
@@ -13403,7 +11049,7 @@
           <a:p>
             <a:pPr algn="ctr"/>
             <a:r>
-              <a:rPr lang="tr-TR" sz="1200" dirty="0" smtClean="0">
+              <a:rPr lang="tr-TR" sz="1200" dirty="0">
                 <a:solidFill>
                   <a:srgbClr val="FF0000"/>
                 </a:solidFill>
@@ -13443,7 +11089,7 @@
           <a:p>
             <a:pPr algn="ctr"/>
             <a:r>
-              <a:rPr lang="tr-TR" sz="1200" dirty="0" smtClean="0">
+              <a:rPr lang="tr-TR" sz="1200" dirty="0">
                 <a:solidFill>
                   <a:srgbClr val="FF0000"/>
                 </a:solidFill>
@@ -13483,7 +11129,7 @@
           <a:p>
             <a:pPr algn="ctr"/>
             <a:r>
-              <a:rPr lang="tr-TR" sz="1200" dirty="0" smtClean="0">
+              <a:rPr lang="tr-TR" sz="1200" dirty="0">
                 <a:solidFill>
                   <a:srgbClr val="FF0000"/>
                 </a:solidFill>
@@ -13591,7 +11237,7 @@
           <a:p>
             <a:pPr algn="ctr"/>
             <a:r>
-              <a:rPr lang="tr-TR" sz="2400" dirty="0" smtClean="0">
+              <a:rPr lang="tr-TR" sz="2400" dirty="0">
                 <a:solidFill>
                   <a:schemeClr val="tx1">
                     <a:lumMod val="85000"/>
@@ -16321,369 +13967,6 @@
           </a:fontRef>
         </p:style>
       </p:cxnSp>
-      <p:grpSp>
-        <p:nvGrpSpPr>
-          <p:cNvPr id="15" name="Grup 14"/>
-          <p:cNvGrpSpPr/>
-          <p:nvPr/>
-        </p:nvGrpSpPr>
-        <p:grpSpPr>
-          <a:xfrm>
-            <a:off x="228596" y="6231467"/>
-            <a:ext cx="3041654" cy="492576"/>
-            <a:chOff x="228596" y="6231467"/>
-            <a:chExt cx="3041654" cy="492576"/>
-          </a:xfrm>
-        </p:grpSpPr>
-        <p:grpSp>
-          <p:nvGrpSpPr>
-            <p:cNvPr id="8" name="Grup 7"/>
-            <p:cNvGrpSpPr/>
-            <p:nvPr/>
-          </p:nvGrpSpPr>
-          <p:grpSpPr>
-            <a:xfrm>
-              <a:off x="228596" y="6231467"/>
-              <a:ext cx="2802471" cy="457084"/>
-              <a:chOff x="127000" y="5901146"/>
-              <a:chExt cx="5156200" cy="838200"/>
-            </a:xfrm>
-          </p:grpSpPr>
-          <p:sp>
-            <p:nvSpPr>
-              <p:cNvPr id="7" name="Dikdörtgen 6"/>
-              <p:cNvSpPr/>
-              <p:nvPr/>
-            </p:nvSpPr>
-            <p:spPr>
-              <a:xfrm>
-                <a:off x="127000" y="5901146"/>
-                <a:ext cx="5156200" cy="838200"/>
-              </a:xfrm>
-              <a:prstGeom prst="rect">
-                <a:avLst/>
-              </a:prstGeom>
-              <a:solidFill>
-                <a:schemeClr val="bg1">
-                  <a:lumMod val="95000"/>
-                </a:schemeClr>
-              </a:solidFill>
-              <a:ln>
-                <a:noFill/>
-              </a:ln>
-            </p:spPr>
-            <p:style>
-              <a:lnRef idx="2">
-                <a:schemeClr val="accent1">
-                  <a:shade val="50000"/>
-                </a:schemeClr>
-              </a:lnRef>
-              <a:fillRef idx="1">
-                <a:schemeClr val="accent1"/>
-              </a:fillRef>
-              <a:effectRef idx="0">
-                <a:schemeClr val="accent1"/>
-              </a:effectRef>
-              <a:fontRef idx="minor">
-                <a:schemeClr val="lt1"/>
-              </a:fontRef>
-            </p:style>
-            <p:txBody>
-              <a:bodyPr rtlCol="0" anchor="ctr"/>
-              <a:lstStyle/>
-              <a:p>
-                <a:pPr algn="ctr"/>
-                <a:endParaRPr lang="en-US" sz="2000"/>
-              </a:p>
-            </p:txBody>
-          </p:sp>
-          <p:grpSp>
-            <p:nvGrpSpPr>
-              <p:cNvPr id="6" name="Grup 5"/>
-              <p:cNvGrpSpPr/>
-              <p:nvPr/>
-            </p:nvGrpSpPr>
-            <p:grpSpPr>
-              <a:xfrm>
-                <a:off x="211667" y="6019800"/>
-                <a:ext cx="5012266" cy="605115"/>
-                <a:chOff x="211667" y="6019800"/>
-                <a:chExt cx="5012266" cy="605115"/>
-              </a:xfrm>
-            </p:grpSpPr>
-            <p:pic>
-              <p:nvPicPr>
-                <p:cNvPr id="4" name="Resim 3"/>
-                <p:cNvPicPr>
-                  <a:picLocks noChangeAspect="1"/>
-                </p:cNvPicPr>
-                <p:nvPr/>
-              </p:nvPicPr>
-              <p:blipFill rotWithShape="1">
-                <a:blip r:embed="rId2" cstate="print">
-                  <a:extLst>
-                    <a:ext uri="{28A0092B-C50C-407E-A947-70E740481C1C}">
-                      <a14:useLocalDpi xmlns:a14="http://schemas.microsoft.com/office/drawing/2010/main" val="0"/>
-                    </a:ext>
-                  </a:extLst>
-                </a:blip>
-                <a:srcRect l="24387" t="8319" r="18355" b="50150"/>
-                <a:stretch/>
-              </p:blipFill>
-              <p:spPr>
-                <a:xfrm>
-                  <a:off x="211667" y="6019800"/>
-                  <a:ext cx="1072095" cy="600892"/>
-                </a:xfrm>
-                <a:prstGeom prst="rect">
-                  <a:avLst/>
-                </a:prstGeom>
-              </p:spPr>
-            </p:pic>
-            <p:sp>
-              <p:nvSpPr>
-                <p:cNvPr id="5" name="Unvan 1"/>
-                <p:cNvSpPr txBox="1">
-                  <a:spLocks/>
-                </p:cNvSpPr>
-                <p:nvPr/>
-              </p:nvSpPr>
-              <p:spPr>
-                <a:xfrm>
-                  <a:off x="1283763" y="6024023"/>
-                  <a:ext cx="3940170" cy="600892"/>
-                </a:xfrm>
-                <a:prstGeom prst="rect">
-                  <a:avLst/>
-                </a:prstGeom>
-              </p:spPr>
-              <p:txBody>
-                <a:bodyPr vert="horz" lIns="91440" tIns="45720" rIns="91440" bIns="45720" rtlCol="0" anchor="b">
-                  <a:noAutofit/>
-                </a:bodyPr>
-                <a:lstStyle>
-                  <a:lvl1pPr algn="ctr" defTabSz="914400" rtl="0" eaLnBrk="1" latinLnBrk="0" hangingPunct="1">
-                    <a:lnSpc>
-                      <a:spcPct val="90000"/>
-                    </a:lnSpc>
-                    <a:spcBef>
-                      <a:spcPct val="0"/>
-                    </a:spcBef>
-                    <a:buNone/>
-                    <a:defRPr sz="6000" kern="1200">
-                      <a:solidFill>
-                        <a:schemeClr val="tx1"/>
-                      </a:solidFill>
-                      <a:latin typeface="+mj-lt"/>
-                      <a:ea typeface="+mj-ea"/>
-                      <a:cs typeface="+mj-cs"/>
-                    </a:defRPr>
-                  </a:lvl1pPr>
-                </a:lstStyle>
-                <a:p>
-                  <a:pPr algn="l"/>
-                  <a:r>
-                    <a:rPr lang="tr-TR" sz="2000" dirty="0" smtClean="0">
-                      <a:solidFill>
-                        <a:srgbClr val="CB171F"/>
-                      </a:solidFill>
-                      <a:latin typeface="Constantia" panose="02030602050306030303" pitchFamily="18" charset="0"/>
-                      <a:ea typeface="Verdana" panose="020B0604030504040204" pitchFamily="34" charset="0"/>
-                      <a:cs typeface="Arial" panose="020B0604020202020204" pitchFamily="34" charset="0"/>
-                    </a:rPr>
-                    <a:t>Veri Bilimi Okulu</a:t>
-                  </a:r>
-                  <a:endParaRPr lang="en-US" sz="2000" dirty="0">
-                    <a:solidFill>
-                      <a:srgbClr val="CB171F"/>
-                    </a:solidFill>
-                    <a:latin typeface="Constantia" panose="02030602050306030303" pitchFamily="18" charset="0"/>
-                    <a:ea typeface="Verdana" panose="020B0604030504040204" pitchFamily="34" charset="0"/>
-                    <a:cs typeface="Arial" panose="020B0604020202020204" pitchFamily="34" charset="0"/>
-                  </a:endParaRPr>
-                </a:p>
-              </p:txBody>
-            </p:sp>
-          </p:grpSp>
-        </p:grpSp>
-        <p:sp>
-          <p:nvSpPr>
-            <p:cNvPr id="12" name="Metin kutusu 11"/>
-            <p:cNvSpPr txBox="1"/>
-            <p:nvPr/>
-          </p:nvSpPr>
-          <p:spPr>
-            <a:xfrm>
-              <a:off x="1582782" y="6493211"/>
-              <a:ext cx="1687468" cy="230832"/>
-            </a:xfrm>
-            <a:prstGeom prst="rect">
-              <a:avLst/>
-            </a:prstGeom>
-            <a:noFill/>
-          </p:spPr>
-          <p:txBody>
-            <a:bodyPr wrap="square" rtlCol="0">
-              <a:spAutoFit/>
-            </a:bodyPr>
-            <a:lstStyle/>
-            <a:p>
-              <a:r>
-                <a:rPr lang="en-US" sz="900" dirty="0" smtClean="0">
-                  <a:solidFill>
-                    <a:srgbClr val="0B8043"/>
-                  </a:solidFill>
-                </a:rPr>
-                <a:t>https:</a:t>
-              </a:r>
-              <a:r>
-                <a:rPr lang="en-US" sz="900" dirty="0" smtClean="0">
-                  <a:solidFill>
-                    <a:schemeClr val="bg1">
-                      <a:lumMod val="50000"/>
-                    </a:schemeClr>
-                  </a:solidFill>
-                </a:rPr>
-                <a:t>//www.veribilimi.co</a:t>
-              </a:r>
-              <a:endParaRPr lang="en-US" sz="900" dirty="0">
-                <a:solidFill>
-                  <a:schemeClr val="bg1">
-                    <a:lumMod val="50000"/>
-                  </a:schemeClr>
-                </a:solidFill>
-              </a:endParaRPr>
-            </a:p>
-          </p:txBody>
-        </p:sp>
-      </p:grpSp>
-      <p:grpSp>
-        <p:nvGrpSpPr>
-          <p:cNvPr id="11" name="Grup 10"/>
-          <p:cNvGrpSpPr/>
-          <p:nvPr/>
-        </p:nvGrpSpPr>
-        <p:grpSpPr>
-          <a:xfrm>
-            <a:off x="9194796" y="6231467"/>
-            <a:ext cx="2802471" cy="457084"/>
-            <a:chOff x="184993" y="5905369"/>
-            <a:chExt cx="5156200" cy="838200"/>
-          </a:xfrm>
-        </p:grpSpPr>
-        <p:sp>
-          <p:nvSpPr>
-            <p:cNvPr id="13" name="Dikdörtgen 12"/>
-            <p:cNvSpPr/>
-            <p:nvPr/>
-          </p:nvSpPr>
-          <p:spPr>
-            <a:xfrm>
-              <a:off x="184993" y="5905369"/>
-              <a:ext cx="5156200" cy="838200"/>
-            </a:xfrm>
-            <a:prstGeom prst="rect">
-              <a:avLst/>
-            </a:prstGeom>
-            <a:solidFill>
-              <a:schemeClr val="bg1">
-                <a:lumMod val="95000"/>
-              </a:schemeClr>
-            </a:solidFill>
-            <a:ln>
-              <a:noFill/>
-            </a:ln>
-          </p:spPr>
-          <p:style>
-            <a:lnRef idx="2">
-              <a:schemeClr val="accent1">
-                <a:shade val="50000"/>
-              </a:schemeClr>
-            </a:lnRef>
-            <a:fillRef idx="1">
-              <a:schemeClr val="accent1"/>
-            </a:fillRef>
-            <a:effectRef idx="0">
-              <a:schemeClr val="accent1"/>
-            </a:effectRef>
-            <a:fontRef idx="minor">
-              <a:schemeClr val="lt1"/>
-            </a:fontRef>
-          </p:style>
-          <p:txBody>
-            <a:bodyPr rtlCol="0" anchor="ctr"/>
-            <a:lstStyle/>
-            <a:p>
-              <a:pPr algn="ctr"/>
-              <a:endParaRPr lang="en-US" sz="2000"/>
-            </a:p>
-          </p:txBody>
-        </p:sp>
-        <p:sp>
-          <p:nvSpPr>
-            <p:cNvPr id="14" name="Unvan 1"/>
-            <p:cNvSpPr txBox="1">
-              <a:spLocks/>
-            </p:cNvSpPr>
-            <p:nvPr/>
-          </p:nvSpPr>
-          <p:spPr>
-            <a:xfrm>
-              <a:off x="302252" y="6024023"/>
-              <a:ext cx="4921678" cy="600892"/>
-            </a:xfrm>
-            <a:prstGeom prst="rect">
-              <a:avLst/>
-            </a:prstGeom>
-          </p:spPr>
-          <p:txBody>
-            <a:bodyPr vert="horz" lIns="91440" tIns="45720" rIns="91440" bIns="45720" rtlCol="0" anchor="b">
-              <a:noAutofit/>
-            </a:bodyPr>
-            <a:lstStyle>
-              <a:lvl1pPr algn="ctr" defTabSz="914400" rtl="0" eaLnBrk="1" latinLnBrk="0" hangingPunct="1">
-                <a:lnSpc>
-                  <a:spcPct val="90000"/>
-                </a:lnSpc>
-                <a:spcBef>
-                  <a:spcPct val="0"/>
-                </a:spcBef>
-                <a:buNone/>
-                <a:defRPr sz="6000" kern="1200">
-                  <a:solidFill>
-                    <a:schemeClr val="tx1"/>
-                  </a:solidFill>
-                  <a:latin typeface="+mj-lt"/>
-                  <a:ea typeface="+mj-ea"/>
-                  <a:cs typeface="+mj-cs"/>
-                </a:defRPr>
-              </a:lvl1pPr>
-            </a:lstStyle>
-            <a:p>
-              <a:pPr algn="l"/>
-              <a:r>
-                <a:rPr lang="tr-TR" sz="2000" dirty="0">
-                  <a:solidFill>
-                    <a:srgbClr val="CB171F"/>
-                  </a:solidFill>
-                  <a:latin typeface="Constantia" panose="02030602050306030303" pitchFamily="18" charset="0"/>
-                  <a:ea typeface="Verdana" panose="020B0604030504040204" pitchFamily="34" charset="0"/>
-                  <a:cs typeface="Arial" panose="020B0604020202020204" pitchFamily="34" charset="0"/>
-                </a:rPr>
-                <a:t>A’dan Z’ye Büyük Veri</a:t>
-              </a:r>
-              <a:endParaRPr lang="en-US" sz="2000" dirty="0">
-                <a:solidFill>
-                  <a:srgbClr val="CB171F"/>
-                </a:solidFill>
-                <a:latin typeface="Constantia" panose="02030602050306030303" pitchFamily="18" charset="0"/>
-                <a:ea typeface="Verdana" panose="020B0604030504040204" pitchFamily="34" charset="0"/>
-                <a:cs typeface="Arial" panose="020B0604020202020204" pitchFamily="34" charset="0"/>
-              </a:endParaRPr>
-            </a:p>
-          </p:txBody>
-        </p:sp>
-      </p:grpSp>
       <p:sp>
         <p:nvSpPr>
           <p:cNvPr id="16" name="Unvan 1"/>
@@ -16707,7 +13990,7 @@
           <a:lstStyle/>
           <a:p>
             <a:r>
-              <a:rPr lang="tr-TR" sz="4200" b="1" dirty="0" err="1" smtClean="0">
+              <a:rPr lang="tr-TR" sz="4200" b="1" dirty="0" err="1">
                 <a:solidFill>
                   <a:srgbClr val="CD1F26"/>
                 </a:solidFill>
@@ -16755,38 +14038,14 @@
               </a:lnSpc>
             </a:pPr>
             <a:r>
-              <a:rPr lang="tr-TR" sz="2400" dirty="0" smtClean="0">
+              <a:rPr lang="tr-TR" sz="2400" dirty="0">
                 <a:solidFill>
                   <a:srgbClr val="404041"/>
                 </a:solidFill>
                 <a:latin typeface="Roboto"/>
               </a:rPr>
-              <a:t>Uygulamanın çalışacağı ortam </a:t>
-            </a:r>
-            <a:r>
-              <a:rPr lang="tr-TR" sz="2400" dirty="0" smtClean="0">
-                <a:solidFill>
-                  <a:srgbClr val="404041"/>
-                </a:solidFill>
-                <a:latin typeface="Roboto"/>
-              </a:rPr>
-              <a:t>ile ilgili </a:t>
-            </a:r>
-            <a:r>
-              <a:rPr lang="tr-TR" sz="2400" dirty="0" smtClean="0">
-                <a:solidFill>
-                  <a:srgbClr val="404041"/>
-                </a:solidFill>
-                <a:latin typeface="Roboto"/>
-              </a:rPr>
-              <a:t>konfigürasyon bilgilerini tutan nesne.</a:t>
-            </a:r>
-            <a:endParaRPr lang="tr-TR" sz="2400" dirty="0" smtClean="0">
-              <a:solidFill>
-                <a:srgbClr val="404041"/>
-              </a:solidFill>
-              <a:latin typeface="Roboto"/>
-            </a:endParaRPr>
+              <a:t>Uygulamanın çalışacağı ortam ile ilgili konfigürasyon bilgilerini tutan nesne.</a:t>
+            </a:r>
           </a:p>
         </p:txBody>
       </p:sp>
@@ -16818,12 +14077,12 @@
               <a:t>import </a:t>
             </a:r>
             <a:r>
-              <a:rPr lang="en-US" dirty="0" err="1" smtClean="0">
+              <a:rPr lang="en-US" dirty="0" err="1">
                 <a:latin typeface="Consolas" panose="020B0609020204030204" pitchFamily="49" charset="0"/>
               </a:rPr>
               <a:t>org.apache.spark.SparkConf</a:t>
             </a:r>
-            <a:endParaRPr lang="tr-TR" dirty="0" smtClean="0">
+            <a:endParaRPr lang="tr-TR" dirty="0">
               <a:latin typeface="Consolas" panose="020B0609020204030204" pitchFamily="49" charset="0"/>
             </a:endParaRPr>
           </a:p>
@@ -16864,12 +14123,12 @@
               <a:t>SparkConf</a:t>
             </a:r>
             <a:r>
-              <a:rPr lang="en-US" dirty="0" smtClean="0">
+              <a:rPr lang="en-US" dirty="0">
                 <a:latin typeface="Consolas" panose="020B0609020204030204" pitchFamily="49" charset="0"/>
               </a:rPr>
               <a:t>()</a:t>
             </a:r>
-            <a:endParaRPr lang="tr-TR" dirty="0" smtClean="0">
+            <a:endParaRPr lang="tr-TR" dirty="0">
               <a:latin typeface="Consolas" panose="020B0609020204030204" pitchFamily="49" charset="0"/>
             </a:endParaRPr>
           </a:p>
@@ -16878,22 +14137,16 @@
               <a:rPr lang="tr-TR" dirty="0">
                 <a:latin typeface="Consolas" panose="020B0609020204030204" pitchFamily="49" charset="0"/>
               </a:rPr>
-              <a:t>	</a:t>
-            </a:r>
-            <a:r>
-              <a:rPr lang="tr-TR" dirty="0" smtClean="0">
-                <a:latin typeface="Consolas" panose="020B0609020204030204" pitchFamily="49" charset="0"/>
-              </a:rPr>
-              <a:t>	  </a:t>
-            </a:r>
-            <a:r>
-              <a:rPr lang="en-US" dirty="0" smtClean="0">
+              <a:t>		  </a:t>
+            </a:r>
+            <a:r>
+              <a:rPr lang="en-US" dirty="0">
                 <a:latin typeface="Consolas" panose="020B0609020204030204" pitchFamily="49" charset="0"/>
               </a:rPr>
               <a:t>.</a:t>
             </a:r>
             <a:r>
-              <a:rPr lang="tr-TR" dirty="0" smtClean="0"/>
+              <a:rPr lang="tr-TR" dirty="0"/>
               <a:t> </a:t>
             </a:r>
             <a:r>
@@ -16901,54 +14154,47 @@
               <a:t>setMaster</a:t>
             </a:r>
             <a:r>
-              <a:rPr lang="tr-TR" dirty="0" smtClean="0"/>
+              <a:rPr lang="tr-TR" dirty="0"/>
               <a:t>("</a:t>
             </a:r>
             <a:r>
-              <a:rPr lang="tr-TR" dirty="0" err="1" smtClean="0"/>
+              <a:rPr lang="tr-TR" dirty="0" err="1"/>
               <a:t>yarn</a:t>
             </a:r>
             <a:r>
-              <a:rPr lang="tr-TR" dirty="0" smtClean="0"/>
+              <a:rPr lang="tr-TR" dirty="0"/>
               <a:t>")</a:t>
             </a:r>
           </a:p>
           <a:p>
             <a:r>
               <a:rPr lang="tr-TR" dirty="0"/>
-              <a:t>	</a:t>
-            </a:r>
-            <a:r>
-              <a:rPr lang="tr-TR" dirty="0" smtClean="0"/>
-              <a:t>	     .</a:t>
-            </a:r>
-            <a:r>
-              <a:rPr lang="en-US" dirty="0" err="1" smtClean="0">
+              <a:t>		     .</a:t>
+            </a:r>
+            <a:r>
+              <a:rPr lang="en-US" dirty="0" err="1">
                 <a:latin typeface="Consolas" panose="020B0609020204030204" pitchFamily="49" charset="0"/>
               </a:rPr>
               <a:t>setAppName</a:t>
             </a:r>
             <a:r>
-              <a:rPr lang="en-US" dirty="0" smtClean="0">
+              <a:rPr lang="en-US" dirty="0">
                 <a:latin typeface="Consolas" panose="020B0609020204030204" pitchFamily="49" charset="0"/>
               </a:rPr>
               <a:t>("</a:t>
             </a:r>
             <a:r>
-              <a:rPr lang="tr-TR" dirty="0" smtClean="0">
+              <a:rPr lang="tr-TR" dirty="0">
                 <a:latin typeface="Consolas" panose="020B0609020204030204" pitchFamily="49" charset="0"/>
               </a:rPr>
               <a:t>Uygulamam</a:t>
             </a:r>
             <a:r>
-              <a:rPr lang="en-US" dirty="0" smtClean="0">
+              <a:rPr lang="en-US" dirty="0">
                 <a:latin typeface="Consolas" panose="020B0609020204030204" pitchFamily="49" charset="0"/>
               </a:rPr>
               <a:t>")</a:t>
             </a:r>
-            <a:endParaRPr lang="en-US" dirty="0">
-              <a:latin typeface="Consolas" panose="020B0609020204030204" pitchFamily="49" charset="0"/>
-            </a:endParaRPr>
           </a:p>
         </p:txBody>
       </p:sp>
@@ -16962,13 +14208,6 @@
   <p:clrMapOvr>
     <a:masterClrMapping/>
   </p:clrMapOvr>
-  <p:timing>
-    <p:tnLst>
-      <p:par>
-        <p:cTn id="1" dur="indefinite" restart="never" nodeType="tmRoot"/>
-      </p:par>
-    </p:tnLst>
-  </p:timing>
 </p:sld>
 </file>
 
@@ -17026,369 +14265,6 @@
           </a:fontRef>
         </p:style>
       </p:cxnSp>
-      <p:grpSp>
-        <p:nvGrpSpPr>
-          <p:cNvPr id="15" name="Grup 14"/>
-          <p:cNvGrpSpPr/>
-          <p:nvPr/>
-        </p:nvGrpSpPr>
-        <p:grpSpPr>
-          <a:xfrm>
-            <a:off x="228596" y="6231467"/>
-            <a:ext cx="3041654" cy="492576"/>
-            <a:chOff x="228596" y="6231467"/>
-            <a:chExt cx="3041654" cy="492576"/>
-          </a:xfrm>
-        </p:grpSpPr>
-        <p:grpSp>
-          <p:nvGrpSpPr>
-            <p:cNvPr id="8" name="Grup 7"/>
-            <p:cNvGrpSpPr/>
-            <p:nvPr/>
-          </p:nvGrpSpPr>
-          <p:grpSpPr>
-            <a:xfrm>
-              <a:off x="228596" y="6231467"/>
-              <a:ext cx="2802471" cy="457084"/>
-              <a:chOff x="127000" y="5901146"/>
-              <a:chExt cx="5156200" cy="838200"/>
-            </a:xfrm>
-          </p:grpSpPr>
-          <p:sp>
-            <p:nvSpPr>
-              <p:cNvPr id="7" name="Dikdörtgen 6"/>
-              <p:cNvSpPr/>
-              <p:nvPr/>
-            </p:nvSpPr>
-            <p:spPr>
-              <a:xfrm>
-                <a:off x="127000" y="5901146"/>
-                <a:ext cx="5156200" cy="838200"/>
-              </a:xfrm>
-              <a:prstGeom prst="rect">
-                <a:avLst/>
-              </a:prstGeom>
-              <a:solidFill>
-                <a:schemeClr val="bg1">
-                  <a:lumMod val="95000"/>
-                </a:schemeClr>
-              </a:solidFill>
-              <a:ln>
-                <a:noFill/>
-              </a:ln>
-            </p:spPr>
-            <p:style>
-              <a:lnRef idx="2">
-                <a:schemeClr val="accent1">
-                  <a:shade val="50000"/>
-                </a:schemeClr>
-              </a:lnRef>
-              <a:fillRef idx="1">
-                <a:schemeClr val="accent1"/>
-              </a:fillRef>
-              <a:effectRef idx="0">
-                <a:schemeClr val="accent1"/>
-              </a:effectRef>
-              <a:fontRef idx="minor">
-                <a:schemeClr val="lt1"/>
-              </a:fontRef>
-            </p:style>
-            <p:txBody>
-              <a:bodyPr rtlCol="0" anchor="ctr"/>
-              <a:lstStyle/>
-              <a:p>
-                <a:pPr algn="ctr"/>
-                <a:endParaRPr lang="en-US" sz="2000"/>
-              </a:p>
-            </p:txBody>
-          </p:sp>
-          <p:grpSp>
-            <p:nvGrpSpPr>
-              <p:cNvPr id="6" name="Grup 5"/>
-              <p:cNvGrpSpPr/>
-              <p:nvPr/>
-            </p:nvGrpSpPr>
-            <p:grpSpPr>
-              <a:xfrm>
-                <a:off x="211667" y="6019800"/>
-                <a:ext cx="5012266" cy="605115"/>
-                <a:chOff x="211667" y="6019800"/>
-                <a:chExt cx="5012266" cy="605115"/>
-              </a:xfrm>
-            </p:grpSpPr>
-            <p:pic>
-              <p:nvPicPr>
-                <p:cNvPr id="4" name="Resim 3"/>
-                <p:cNvPicPr>
-                  <a:picLocks noChangeAspect="1"/>
-                </p:cNvPicPr>
-                <p:nvPr/>
-              </p:nvPicPr>
-              <p:blipFill rotWithShape="1">
-                <a:blip r:embed="rId2" cstate="print">
-                  <a:extLst>
-                    <a:ext uri="{28A0092B-C50C-407E-A947-70E740481C1C}">
-                      <a14:useLocalDpi xmlns:a14="http://schemas.microsoft.com/office/drawing/2010/main" val="0"/>
-                    </a:ext>
-                  </a:extLst>
-                </a:blip>
-                <a:srcRect l="24387" t="8319" r="18355" b="50150"/>
-                <a:stretch/>
-              </p:blipFill>
-              <p:spPr>
-                <a:xfrm>
-                  <a:off x="211667" y="6019800"/>
-                  <a:ext cx="1072095" cy="600892"/>
-                </a:xfrm>
-                <a:prstGeom prst="rect">
-                  <a:avLst/>
-                </a:prstGeom>
-              </p:spPr>
-            </p:pic>
-            <p:sp>
-              <p:nvSpPr>
-                <p:cNvPr id="5" name="Unvan 1"/>
-                <p:cNvSpPr txBox="1">
-                  <a:spLocks/>
-                </p:cNvSpPr>
-                <p:nvPr/>
-              </p:nvSpPr>
-              <p:spPr>
-                <a:xfrm>
-                  <a:off x="1283763" y="6024023"/>
-                  <a:ext cx="3940170" cy="600892"/>
-                </a:xfrm>
-                <a:prstGeom prst="rect">
-                  <a:avLst/>
-                </a:prstGeom>
-              </p:spPr>
-              <p:txBody>
-                <a:bodyPr vert="horz" lIns="91440" tIns="45720" rIns="91440" bIns="45720" rtlCol="0" anchor="b">
-                  <a:noAutofit/>
-                </a:bodyPr>
-                <a:lstStyle>
-                  <a:lvl1pPr algn="ctr" defTabSz="914400" rtl="0" eaLnBrk="1" latinLnBrk="0" hangingPunct="1">
-                    <a:lnSpc>
-                      <a:spcPct val="90000"/>
-                    </a:lnSpc>
-                    <a:spcBef>
-                      <a:spcPct val="0"/>
-                    </a:spcBef>
-                    <a:buNone/>
-                    <a:defRPr sz="6000" kern="1200">
-                      <a:solidFill>
-                        <a:schemeClr val="tx1"/>
-                      </a:solidFill>
-                      <a:latin typeface="+mj-lt"/>
-                      <a:ea typeface="+mj-ea"/>
-                      <a:cs typeface="+mj-cs"/>
-                    </a:defRPr>
-                  </a:lvl1pPr>
-                </a:lstStyle>
-                <a:p>
-                  <a:pPr algn="l"/>
-                  <a:r>
-                    <a:rPr lang="tr-TR" sz="2000" dirty="0" smtClean="0">
-                      <a:solidFill>
-                        <a:srgbClr val="CB171F"/>
-                      </a:solidFill>
-                      <a:latin typeface="Constantia" panose="02030602050306030303" pitchFamily="18" charset="0"/>
-                      <a:ea typeface="Verdana" panose="020B0604030504040204" pitchFamily="34" charset="0"/>
-                      <a:cs typeface="Arial" panose="020B0604020202020204" pitchFamily="34" charset="0"/>
-                    </a:rPr>
-                    <a:t>Veri Bilimi Okulu</a:t>
-                  </a:r>
-                  <a:endParaRPr lang="en-US" sz="2000" dirty="0">
-                    <a:solidFill>
-                      <a:srgbClr val="CB171F"/>
-                    </a:solidFill>
-                    <a:latin typeface="Constantia" panose="02030602050306030303" pitchFamily="18" charset="0"/>
-                    <a:ea typeface="Verdana" panose="020B0604030504040204" pitchFamily="34" charset="0"/>
-                    <a:cs typeface="Arial" panose="020B0604020202020204" pitchFamily="34" charset="0"/>
-                  </a:endParaRPr>
-                </a:p>
-              </p:txBody>
-            </p:sp>
-          </p:grpSp>
-        </p:grpSp>
-        <p:sp>
-          <p:nvSpPr>
-            <p:cNvPr id="12" name="Metin kutusu 11"/>
-            <p:cNvSpPr txBox="1"/>
-            <p:nvPr/>
-          </p:nvSpPr>
-          <p:spPr>
-            <a:xfrm>
-              <a:off x="1582782" y="6493211"/>
-              <a:ext cx="1687468" cy="230832"/>
-            </a:xfrm>
-            <a:prstGeom prst="rect">
-              <a:avLst/>
-            </a:prstGeom>
-            <a:noFill/>
-          </p:spPr>
-          <p:txBody>
-            <a:bodyPr wrap="square" rtlCol="0">
-              <a:spAutoFit/>
-            </a:bodyPr>
-            <a:lstStyle/>
-            <a:p>
-              <a:r>
-                <a:rPr lang="en-US" sz="900" dirty="0" smtClean="0">
-                  <a:solidFill>
-                    <a:srgbClr val="0B8043"/>
-                  </a:solidFill>
-                </a:rPr>
-                <a:t>https:</a:t>
-              </a:r>
-              <a:r>
-                <a:rPr lang="en-US" sz="900" dirty="0" smtClean="0">
-                  <a:solidFill>
-                    <a:schemeClr val="bg1">
-                      <a:lumMod val="50000"/>
-                    </a:schemeClr>
-                  </a:solidFill>
-                </a:rPr>
-                <a:t>//www.veribilimi.co</a:t>
-              </a:r>
-              <a:endParaRPr lang="en-US" sz="900" dirty="0">
-                <a:solidFill>
-                  <a:schemeClr val="bg1">
-                    <a:lumMod val="50000"/>
-                  </a:schemeClr>
-                </a:solidFill>
-              </a:endParaRPr>
-            </a:p>
-          </p:txBody>
-        </p:sp>
-      </p:grpSp>
-      <p:grpSp>
-        <p:nvGrpSpPr>
-          <p:cNvPr id="11" name="Grup 10"/>
-          <p:cNvGrpSpPr/>
-          <p:nvPr/>
-        </p:nvGrpSpPr>
-        <p:grpSpPr>
-          <a:xfrm>
-            <a:off x="9194796" y="6231467"/>
-            <a:ext cx="2802471" cy="457084"/>
-            <a:chOff x="184993" y="5905369"/>
-            <a:chExt cx="5156200" cy="838200"/>
-          </a:xfrm>
-        </p:grpSpPr>
-        <p:sp>
-          <p:nvSpPr>
-            <p:cNvPr id="13" name="Dikdörtgen 12"/>
-            <p:cNvSpPr/>
-            <p:nvPr/>
-          </p:nvSpPr>
-          <p:spPr>
-            <a:xfrm>
-              <a:off x="184993" y="5905369"/>
-              <a:ext cx="5156200" cy="838200"/>
-            </a:xfrm>
-            <a:prstGeom prst="rect">
-              <a:avLst/>
-            </a:prstGeom>
-            <a:solidFill>
-              <a:schemeClr val="bg1">
-                <a:lumMod val="95000"/>
-              </a:schemeClr>
-            </a:solidFill>
-            <a:ln>
-              <a:noFill/>
-            </a:ln>
-          </p:spPr>
-          <p:style>
-            <a:lnRef idx="2">
-              <a:schemeClr val="accent1">
-                <a:shade val="50000"/>
-              </a:schemeClr>
-            </a:lnRef>
-            <a:fillRef idx="1">
-              <a:schemeClr val="accent1"/>
-            </a:fillRef>
-            <a:effectRef idx="0">
-              <a:schemeClr val="accent1"/>
-            </a:effectRef>
-            <a:fontRef idx="minor">
-              <a:schemeClr val="lt1"/>
-            </a:fontRef>
-          </p:style>
-          <p:txBody>
-            <a:bodyPr rtlCol="0" anchor="ctr"/>
-            <a:lstStyle/>
-            <a:p>
-              <a:pPr algn="ctr"/>
-              <a:endParaRPr lang="en-US" sz="2000"/>
-            </a:p>
-          </p:txBody>
-        </p:sp>
-        <p:sp>
-          <p:nvSpPr>
-            <p:cNvPr id="14" name="Unvan 1"/>
-            <p:cNvSpPr txBox="1">
-              <a:spLocks/>
-            </p:cNvSpPr>
-            <p:nvPr/>
-          </p:nvSpPr>
-          <p:spPr>
-            <a:xfrm>
-              <a:off x="302252" y="6024023"/>
-              <a:ext cx="4921678" cy="600892"/>
-            </a:xfrm>
-            <a:prstGeom prst="rect">
-              <a:avLst/>
-            </a:prstGeom>
-          </p:spPr>
-          <p:txBody>
-            <a:bodyPr vert="horz" lIns="91440" tIns="45720" rIns="91440" bIns="45720" rtlCol="0" anchor="b">
-              <a:noAutofit/>
-            </a:bodyPr>
-            <a:lstStyle>
-              <a:lvl1pPr algn="ctr" defTabSz="914400" rtl="0" eaLnBrk="1" latinLnBrk="0" hangingPunct="1">
-                <a:lnSpc>
-                  <a:spcPct val="90000"/>
-                </a:lnSpc>
-                <a:spcBef>
-                  <a:spcPct val="0"/>
-                </a:spcBef>
-                <a:buNone/>
-                <a:defRPr sz="6000" kern="1200">
-                  <a:solidFill>
-                    <a:schemeClr val="tx1"/>
-                  </a:solidFill>
-                  <a:latin typeface="+mj-lt"/>
-                  <a:ea typeface="+mj-ea"/>
-                  <a:cs typeface="+mj-cs"/>
-                </a:defRPr>
-              </a:lvl1pPr>
-            </a:lstStyle>
-            <a:p>
-              <a:pPr algn="l"/>
-              <a:r>
-                <a:rPr lang="tr-TR" sz="2000" dirty="0">
-                  <a:solidFill>
-                    <a:srgbClr val="CB171F"/>
-                  </a:solidFill>
-                  <a:latin typeface="Constantia" panose="02030602050306030303" pitchFamily="18" charset="0"/>
-                  <a:ea typeface="Verdana" panose="020B0604030504040204" pitchFamily="34" charset="0"/>
-                  <a:cs typeface="Arial" panose="020B0604020202020204" pitchFamily="34" charset="0"/>
-                </a:rPr>
-                <a:t>A’dan Z’ye Büyük Veri</a:t>
-              </a:r>
-              <a:endParaRPr lang="en-US" sz="2000" dirty="0">
-                <a:solidFill>
-                  <a:srgbClr val="CB171F"/>
-                </a:solidFill>
-                <a:latin typeface="Constantia" panose="02030602050306030303" pitchFamily="18" charset="0"/>
-                <a:ea typeface="Verdana" panose="020B0604030504040204" pitchFamily="34" charset="0"/>
-                <a:cs typeface="Arial" panose="020B0604020202020204" pitchFamily="34" charset="0"/>
-              </a:endParaRPr>
-            </a:p>
-          </p:txBody>
-        </p:sp>
-      </p:grpSp>
       <p:sp>
         <p:nvSpPr>
           <p:cNvPr id="16" name="Unvan 1"/>
@@ -17412,7 +14288,7 @@
           <a:lstStyle/>
           <a:p>
             <a:r>
-              <a:rPr lang="tr-TR" sz="4200" b="1" dirty="0" err="1" smtClean="0">
+              <a:rPr lang="tr-TR" sz="4200" b="1" dirty="0" err="1">
                 <a:solidFill>
                   <a:srgbClr val="CD1F26"/>
                 </a:solidFill>
@@ -17462,7 +14338,7 @@
               <a:buChar char="ü"/>
             </a:pPr>
             <a:r>
-              <a:rPr lang="tr-TR" sz="2400" dirty="0" err="1" smtClean="0">
+              <a:rPr lang="tr-TR" sz="2400" dirty="0" err="1">
                 <a:solidFill>
                   <a:srgbClr val="404041"/>
                 </a:solidFill>
@@ -17471,7 +14347,7 @@
               <a:t>Cluster’a</a:t>
             </a:r>
             <a:r>
-              <a:rPr lang="tr-TR" sz="2400" dirty="0" smtClean="0">
+              <a:rPr lang="tr-TR" sz="2400" dirty="0">
                 <a:solidFill>
                   <a:srgbClr val="404041"/>
                 </a:solidFill>
@@ -17479,12 +14355,6 @@
               </a:rPr>
               <a:t> ne şekilde erişileceğiyle ilgili nesne.</a:t>
             </a:r>
-            <a:endParaRPr lang="tr-TR" sz="2400" dirty="0" smtClean="0">
-              <a:solidFill>
-                <a:srgbClr val="404041"/>
-              </a:solidFill>
-              <a:latin typeface="Roboto"/>
-            </a:endParaRPr>
           </a:p>
           <a:p>
             <a:pPr marL="342900" indent="-342900">
@@ -17495,7 +14365,7 @@
               <a:buChar char="ü"/>
             </a:pPr>
             <a:r>
-              <a:rPr lang="tr-TR" sz="2400" dirty="0" smtClean="0">
+              <a:rPr lang="tr-TR" sz="2400" dirty="0">
                 <a:solidFill>
                   <a:srgbClr val="404041"/>
                 </a:solidFill>
@@ -17504,7 +14374,7 @@
               <a:t>RDD, </a:t>
             </a:r>
             <a:r>
-              <a:rPr lang="tr-TR" sz="2400" dirty="0" err="1" smtClean="0">
+              <a:rPr lang="tr-TR" sz="2400" dirty="0" err="1">
                 <a:solidFill>
                   <a:srgbClr val="404041"/>
                 </a:solidFill>
@@ -17513,7 +14383,7 @@
               <a:t>accumulator</a:t>
             </a:r>
             <a:r>
-              <a:rPr lang="tr-TR" sz="2400" dirty="0" smtClean="0">
+              <a:rPr lang="tr-TR" sz="2400" dirty="0">
                 <a:solidFill>
                   <a:srgbClr val="404041"/>
                 </a:solidFill>
@@ -17522,7 +14392,7 @@
               <a:t> ve </a:t>
             </a:r>
             <a:r>
-              <a:rPr lang="tr-TR" sz="2400" dirty="0" err="1" smtClean="0">
+              <a:rPr lang="tr-TR" sz="2400" dirty="0" err="1">
                 <a:solidFill>
                   <a:srgbClr val="404041"/>
                 </a:solidFill>
@@ -17531,7 +14401,7 @@
               <a:t>broadcast</a:t>
             </a:r>
             <a:r>
-              <a:rPr lang="tr-TR" sz="2400" dirty="0" smtClean="0">
+              <a:rPr lang="tr-TR" sz="2400" dirty="0">
                 <a:solidFill>
                   <a:srgbClr val="404041"/>
                 </a:solidFill>
@@ -17540,7 +14410,7 @@
               <a:t> </a:t>
             </a:r>
             <a:r>
-              <a:rPr lang="tr-TR" sz="2400" dirty="0" err="1" smtClean="0">
+              <a:rPr lang="tr-TR" sz="2400" dirty="0" err="1">
                 <a:solidFill>
                   <a:srgbClr val="404041"/>
                 </a:solidFill>
@@ -17549,7 +14419,7 @@
               <a:t>variables</a:t>
             </a:r>
             <a:r>
-              <a:rPr lang="tr-TR" sz="2400" dirty="0" smtClean="0">
+              <a:rPr lang="tr-TR" sz="2400" dirty="0">
                 <a:solidFill>
                   <a:srgbClr val="404041"/>
                 </a:solidFill>
@@ -17567,7 +14437,7 @@
               <a:buChar char="ü"/>
             </a:pPr>
             <a:r>
-              <a:rPr lang="tr-TR" sz="2400" dirty="0" err="1" smtClean="0">
+              <a:rPr lang="tr-TR" sz="2400" dirty="0" err="1">
                 <a:solidFill>
                   <a:srgbClr val="404041"/>
                 </a:solidFill>
@@ -17576,7 +14446,7 @@
               <a:t>Spark</a:t>
             </a:r>
             <a:r>
-              <a:rPr lang="tr-TR" sz="2400" dirty="0" smtClean="0">
+              <a:rPr lang="tr-TR" sz="2400" dirty="0">
                 <a:solidFill>
                   <a:srgbClr val="404041"/>
                 </a:solidFill>
@@ -17585,56 +14455,23 @@
               <a:t> 2.0’dan önce </a:t>
             </a:r>
             <a:r>
-              <a:rPr lang="tr-TR" sz="2400" dirty="0" err="1" smtClean="0">
+              <a:rPr lang="tr-TR" sz="2400" dirty="0" err="1">
                 <a:solidFill>
                   <a:srgbClr val="404041"/>
                 </a:solidFill>
                 <a:latin typeface="Roboto"/>
               </a:rPr>
-              <a:t>Spark</a:t>
-            </a:r>
-            <a:r>
-              <a:rPr lang="tr-TR" sz="2400" dirty="0" err="1" smtClean="0">
+              <a:t>Spark’a</a:t>
+            </a:r>
+            <a:r>
+              <a:rPr lang="tr-TR" sz="2400" dirty="0">
                 <a:solidFill>
                   <a:srgbClr val="404041"/>
                 </a:solidFill>
                 <a:latin typeface="Roboto"/>
               </a:rPr>
-              <a:t>’a</a:t>
-            </a:r>
-            <a:r>
-              <a:rPr lang="tr-TR" sz="2400" dirty="0" smtClean="0">
-                <a:solidFill>
-                  <a:srgbClr val="404041"/>
-                </a:solidFill>
-                <a:latin typeface="Roboto"/>
-              </a:rPr>
-              <a:t> tek </a:t>
-            </a:r>
-            <a:r>
-              <a:rPr lang="tr-TR" sz="2400" dirty="0" smtClean="0">
-                <a:solidFill>
-                  <a:srgbClr val="404041"/>
-                </a:solidFill>
-                <a:latin typeface="Roboto"/>
-              </a:rPr>
-              <a:t>giriş </a:t>
-            </a:r>
-            <a:r>
-              <a:rPr lang="tr-TR" sz="2400" dirty="0" smtClean="0">
-                <a:solidFill>
-                  <a:srgbClr val="404041"/>
-                </a:solidFill>
-                <a:latin typeface="Roboto"/>
-              </a:rPr>
-              <a:t>noktasıydı. </a:t>
-            </a:r>
-            <a:endParaRPr lang="tr-TR" sz="2400" dirty="0" smtClean="0">
-              <a:solidFill>
-                <a:srgbClr val="404041"/>
-              </a:solidFill>
-              <a:latin typeface="Roboto"/>
-            </a:endParaRPr>
+              <a:t> tek giriş noktasıydı. </a:t>
+            </a:r>
           </a:p>
           <a:p>
             <a:pPr marL="342900" indent="-342900">
@@ -17645,7 +14482,7 @@
               <a:buChar char="ü"/>
             </a:pPr>
             <a:r>
-              <a:rPr lang="tr-TR" sz="2400" dirty="0" err="1" smtClean="0">
+              <a:rPr lang="tr-TR" sz="2400" dirty="0" err="1">
                 <a:solidFill>
                   <a:srgbClr val="404041"/>
                 </a:solidFill>
@@ -17654,7 +14491,7 @@
               <a:t>Spark</a:t>
             </a:r>
             <a:r>
-              <a:rPr lang="tr-TR" sz="2400" dirty="0" smtClean="0">
+              <a:rPr lang="tr-TR" sz="2400" dirty="0">
                 <a:solidFill>
                   <a:srgbClr val="404041"/>
                 </a:solidFill>
@@ -17663,7 +14500,7 @@
               <a:t> 2.0’dan sonra </a:t>
             </a:r>
             <a:r>
-              <a:rPr lang="tr-TR" sz="2400" dirty="0" err="1" smtClean="0">
+              <a:rPr lang="tr-TR" sz="2400" dirty="0" err="1">
                 <a:solidFill>
                   <a:srgbClr val="404041"/>
                 </a:solidFill>
@@ -17672,88 +14509,61 @@
               <a:t>SparkContext</a:t>
             </a:r>
             <a:r>
-              <a:rPr lang="tr-TR" sz="2400" dirty="0" smtClean="0">
+              <a:rPr lang="tr-TR" sz="2400" dirty="0">
                 <a:solidFill>
                   <a:srgbClr val="404041"/>
                 </a:solidFill>
                 <a:latin typeface="Roboto"/>
               </a:rPr>
-              <a:t> </a:t>
-            </a:r>
-            <a:r>
-              <a:rPr lang="tr-TR" sz="2400" dirty="0" smtClean="0">
+              <a:t> ve </a:t>
+            </a:r>
+            <a:r>
+              <a:rPr lang="tr-TR" sz="2400" dirty="0" err="1">
                 <a:solidFill>
                   <a:srgbClr val="404041"/>
                 </a:solidFill>
                 <a:latin typeface="Roboto"/>
               </a:rPr>
-              <a:t>ve </a:t>
-            </a:r>
-            <a:r>
-              <a:rPr lang="tr-TR" sz="2400" dirty="0" err="1" smtClean="0">
+              <a:t>SQLContext</a:t>
+            </a:r>
+            <a:r>
+              <a:rPr lang="tr-TR" sz="2400" dirty="0">
                 <a:solidFill>
                   <a:srgbClr val="404041"/>
                 </a:solidFill>
                 <a:latin typeface="Roboto"/>
               </a:rPr>
-              <a:t>SQLContext</a:t>
-            </a:r>
-            <a:r>
-              <a:rPr lang="tr-TR" sz="2400" dirty="0" smtClean="0">
+              <a:t>, </a:t>
+            </a:r>
+            <a:r>
+              <a:rPr lang="tr-TR" sz="2400" dirty="0" err="1">
                 <a:solidFill>
                   <a:srgbClr val="404041"/>
                 </a:solidFill>
                 <a:latin typeface="Roboto"/>
               </a:rPr>
-              <a:t>, </a:t>
-            </a:r>
-            <a:r>
-              <a:rPr lang="tr-TR" sz="2400" dirty="0" err="1" smtClean="0">
+              <a:t>SparkSession</a:t>
+            </a:r>
+            <a:r>
+              <a:rPr lang="tr-TR" sz="2400" dirty="0">
                 <a:solidFill>
                   <a:srgbClr val="404041"/>
                 </a:solidFill>
                 <a:latin typeface="Roboto"/>
               </a:rPr>
-              <a:t>SparkSession</a:t>
-            </a:r>
-            <a:r>
-              <a:rPr lang="tr-TR" sz="2400" dirty="0" smtClean="0">
+              <a:t> da birleşti ve </a:t>
+            </a:r>
+            <a:r>
+              <a:rPr lang="tr-TR" sz="2400" dirty="0" err="1">
                 <a:solidFill>
                   <a:srgbClr val="404041"/>
                 </a:solidFill>
                 <a:latin typeface="Roboto"/>
               </a:rPr>
-              <a:t> </a:t>
-            </a:r>
-            <a:r>
-              <a:rPr lang="tr-TR" sz="2400" dirty="0" smtClean="0">
-                <a:solidFill>
-                  <a:srgbClr val="404041"/>
-                </a:solidFill>
-                <a:latin typeface="Roboto"/>
-              </a:rPr>
-              <a:t>da </a:t>
-            </a:r>
-            <a:r>
-              <a:rPr lang="tr-TR" sz="2400" dirty="0" smtClean="0">
-                <a:solidFill>
-                  <a:srgbClr val="404041"/>
-                </a:solidFill>
-                <a:latin typeface="Roboto"/>
-              </a:rPr>
-              <a:t>birleşti ve </a:t>
-            </a:r>
-            <a:r>
-              <a:rPr lang="tr-TR" sz="2400" dirty="0" err="1" smtClean="0">
-                <a:solidFill>
-                  <a:srgbClr val="404041"/>
-                </a:solidFill>
-                <a:latin typeface="Roboto"/>
-              </a:rPr>
               <a:t>spark</a:t>
             </a:r>
             <a:r>
-              <a:rPr lang="tr-TR" sz="2400" dirty="0" smtClean="0">
+              <a:rPr lang="tr-TR" sz="2400" dirty="0">
                 <a:solidFill>
                   <a:srgbClr val="404041"/>
                 </a:solidFill>
@@ -17771,7 +14581,7 @@
               <a:buChar char="ü"/>
             </a:pPr>
             <a:r>
-              <a:rPr lang="tr-TR" sz="2400" dirty="0" err="1" smtClean="0">
+              <a:rPr lang="tr-TR" sz="2400" dirty="0" err="1">
                 <a:solidFill>
                   <a:srgbClr val="404041"/>
                 </a:solidFill>
@@ -17780,7 +14590,7 @@
               <a:t>sc</a:t>
             </a:r>
             <a:r>
-              <a:rPr lang="tr-TR" sz="2400" dirty="0" smtClean="0">
+              <a:rPr lang="tr-TR" sz="2400" dirty="0">
                 <a:solidFill>
                   <a:srgbClr val="404041"/>
                 </a:solidFill>
@@ -17938,13 +14748,6 @@
   <p:clrMapOvr>
     <a:masterClrMapping/>
   </p:clrMapOvr>
-  <p:timing>
-    <p:tnLst>
-      <p:par>
-        <p:cTn id="1" dur="indefinite" restart="never" nodeType="tmRoot"/>
-      </p:par>
-    </p:tnLst>
-  </p:timing>
 </p:sld>
 </file>
 
@@ -18002,369 +14805,6 @@
           </a:fontRef>
         </p:style>
       </p:cxnSp>
-      <p:grpSp>
-        <p:nvGrpSpPr>
-          <p:cNvPr id="15" name="Grup 14"/>
-          <p:cNvGrpSpPr/>
-          <p:nvPr/>
-        </p:nvGrpSpPr>
-        <p:grpSpPr>
-          <a:xfrm>
-            <a:off x="228596" y="6231467"/>
-            <a:ext cx="3041654" cy="492576"/>
-            <a:chOff x="228596" y="6231467"/>
-            <a:chExt cx="3041654" cy="492576"/>
-          </a:xfrm>
-        </p:grpSpPr>
-        <p:grpSp>
-          <p:nvGrpSpPr>
-            <p:cNvPr id="8" name="Grup 7"/>
-            <p:cNvGrpSpPr/>
-            <p:nvPr/>
-          </p:nvGrpSpPr>
-          <p:grpSpPr>
-            <a:xfrm>
-              <a:off x="228596" y="6231467"/>
-              <a:ext cx="2802471" cy="457084"/>
-              <a:chOff x="127000" y="5901146"/>
-              <a:chExt cx="5156200" cy="838200"/>
-            </a:xfrm>
-          </p:grpSpPr>
-          <p:sp>
-            <p:nvSpPr>
-              <p:cNvPr id="7" name="Dikdörtgen 6"/>
-              <p:cNvSpPr/>
-              <p:nvPr/>
-            </p:nvSpPr>
-            <p:spPr>
-              <a:xfrm>
-                <a:off x="127000" y="5901146"/>
-                <a:ext cx="5156200" cy="838200"/>
-              </a:xfrm>
-              <a:prstGeom prst="rect">
-                <a:avLst/>
-              </a:prstGeom>
-              <a:solidFill>
-                <a:schemeClr val="bg1">
-                  <a:lumMod val="95000"/>
-                </a:schemeClr>
-              </a:solidFill>
-              <a:ln>
-                <a:noFill/>
-              </a:ln>
-            </p:spPr>
-            <p:style>
-              <a:lnRef idx="2">
-                <a:schemeClr val="accent1">
-                  <a:shade val="50000"/>
-                </a:schemeClr>
-              </a:lnRef>
-              <a:fillRef idx="1">
-                <a:schemeClr val="accent1"/>
-              </a:fillRef>
-              <a:effectRef idx="0">
-                <a:schemeClr val="accent1"/>
-              </a:effectRef>
-              <a:fontRef idx="minor">
-                <a:schemeClr val="lt1"/>
-              </a:fontRef>
-            </p:style>
-            <p:txBody>
-              <a:bodyPr rtlCol="0" anchor="ctr"/>
-              <a:lstStyle/>
-              <a:p>
-                <a:pPr algn="ctr"/>
-                <a:endParaRPr lang="en-US" sz="2000"/>
-              </a:p>
-            </p:txBody>
-          </p:sp>
-          <p:grpSp>
-            <p:nvGrpSpPr>
-              <p:cNvPr id="6" name="Grup 5"/>
-              <p:cNvGrpSpPr/>
-              <p:nvPr/>
-            </p:nvGrpSpPr>
-            <p:grpSpPr>
-              <a:xfrm>
-                <a:off x="211667" y="6019800"/>
-                <a:ext cx="5012266" cy="605115"/>
-                <a:chOff x="211667" y="6019800"/>
-                <a:chExt cx="5012266" cy="605115"/>
-              </a:xfrm>
-            </p:grpSpPr>
-            <p:pic>
-              <p:nvPicPr>
-                <p:cNvPr id="4" name="Resim 3"/>
-                <p:cNvPicPr>
-                  <a:picLocks noChangeAspect="1"/>
-                </p:cNvPicPr>
-                <p:nvPr/>
-              </p:nvPicPr>
-              <p:blipFill rotWithShape="1">
-                <a:blip r:embed="rId2" cstate="print">
-                  <a:extLst>
-                    <a:ext uri="{28A0092B-C50C-407E-A947-70E740481C1C}">
-                      <a14:useLocalDpi xmlns:a14="http://schemas.microsoft.com/office/drawing/2010/main" val="0"/>
-                    </a:ext>
-                  </a:extLst>
-                </a:blip>
-                <a:srcRect l="24387" t="8319" r="18355" b="50150"/>
-                <a:stretch/>
-              </p:blipFill>
-              <p:spPr>
-                <a:xfrm>
-                  <a:off x="211667" y="6019800"/>
-                  <a:ext cx="1072095" cy="600892"/>
-                </a:xfrm>
-                <a:prstGeom prst="rect">
-                  <a:avLst/>
-                </a:prstGeom>
-              </p:spPr>
-            </p:pic>
-            <p:sp>
-              <p:nvSpPr>
-                <p:cNvPr id="5" name="Unvan 1"/>
-                <p:cNvSpPr txBox="1">
-                  <a:spLocks/>
-                </p:cNvSpPr>
-                <p:nvPr/>
-              </p:nvSpPr>
-              <p:spPr>
-                <a:xfrm>
-                  <a:off x="1283763" y="6024023"/>
-                  <a:ext cx="3940170" cy="600892"/>
-                </a:xfrm>
-                <a:prstGeom prst="rect">
-                  <a:avLst/>
-                </a:prstGeom>
-              </p:spPr>
-              <p:txBody>
-                <a:bodyPr vert="horz" lIns="91440" tIns="45720" rIns="91440" bIns="45720" rtlCol="0" anchor="b">
-                  <a:noAutofit/>
-                </a:bodyPr>
-                <a:lstStyle>
-                  <a:lvl1pPr algn="ctr" defTabSz="914400" rtl="0" eaLnBrk="1" latinLnBrk="0" hangingPunct="1">
-                    <a:lnSpc>
-                      <a:spcPct val="90000"/>
-                    </a:lnSpc>
-                    <a:spcBef>
-                      <a:spcPct val="0"/>
-                    </a:spcBef>
-                    <a:buNone/>
-                    <a:defRPr sz="6000" kern="1200">
-                      <a:solidFill>
-                        <a:schemeClr val="tx1"/>
-                      </a:solidFill>
-                      <a:latin typeface="+mj-lt"/>
-                      <a:ea typeface="+mj-ea"/>
-                      <a:cs typeface="+mj-cs"/>
-                    </a:defRPr>
-                  </a:lvl1pPr>
-                </a:lstStyle>
-                <a:p>
-                  <a:pPr algn="l"/>
-                  <a:r>
-                    <a:rPr lang="tr-TR" sz="2000" dirty="0" smtClean="0">
-                      <a:solidFill>
-                        <a:srgbClr val="CB171F"/>
-                      </a:solidFill>
-                      <a:latin typeface="Constantia" panose="02030602050306030303" pitchFamily="18" charset="0"/>
-                      <a:ea typeface="Verdana" panose="020B0604030504040204" pitchFamily="34" charset="0"/>
-                      <a:cs typeface="Arial" panose="020B0604020202020204" pitchFamily="34" charset="0"/>
-                    </a:rPr>
-                    <a:t>Veri Bilimi Okulu</a:t>
-                  </a:r>
-                  <a:endParaRPr lang="en-US" sz="2000" dirty="0">
-                    <a:solidFill>
-                      <a:srgbClr val="CB171F"/>
-                    </a:solidFill>
-                    <a:latin typeface="Constantia" panose="02030602050306030303" pitchFamily="18" charset="0"/>
-                    <a:ea typeface="Verdana" panose="020B0604030504040204" pitchFamily="34" charset="0"/>
-                    <a:cs typeface="Arial" panose="020B0604020202020204" pitchFamily="34" charset="0"/>
-                  </a:endParaRPr>
-                </a:p>
-              </p:txBody>
-            </p:sp>
-          </p:grpSp>
-        </p:grpSp>
-        <p:sp>
-          <p:nvSpPr>
-            <p:cNvPr id="12" name="Metin kutusu 11"/>
-            <p:cNvSpPr txBox="1"/>
-            <p:nvPr/>
-          </p:nvSpPr>
-          <p:spPr>
-            <a:xfrm>
-              <a:off x="1582782" y="6493211"/>
-              <a:ext cx="1687468" cy="230832"/>
-            </a:xfrm>
-            <a:prstGeom prst="rect">
-              <a:avLst/>
-            </a:prstGeom>
-            <a:noFill/>
-          </p:spPr>
-          <p:txBody>
-            <a:bodyPr wrap="square" rtlCol="0">
-              <a:spAutoFit/>
-            </a:bodyPr>
-            <a:lstStyle/>
-            <a:p>
-              <a:r>
-                <a:rPr lang="en-US" sz="900" dirty="0" smtClean="0">
-                  <a:solidFill>
-                    <a:srgbClr val="0B8043"/>
-                  </a:solidFill>
-                </a:rPr>
-                <a:t>https:</a:t>
-              </a:r>
-              <a:r>
-                <a:rPr lang="en-US" sz="900" dirty="0" smtClean="0">
-                  <a:solidFill>
-                    <a:schemeClr val="bg1">
-                      <a:lumMod val="50000"/>
-                    </a:schemeClr>
-                  </a:solidFill>
-                </a:rPr>
-                <a:t>//www.veribilimi.co</a:t>
-              </a:r>
-              <a:endParaRPr lang="en-US" sz="900" dirty="0">
-                <a:solidFill>
-                  <a:schemeClr val="bg1">
-                    <a:lumMod val="50000"/>
-                  </a:schemeClr>
-                </a:solidFill>
-              </a:endParaRPr>
-            </a:p>
-          </p:txBody>
-        </p:sp>
-      </p:grpSp>
-      <p:grpSp>
-        <p:nvGrpSpPr>
-          <p:cNvPr id="11" name="Grup 10"/>
-          <p:cNvGrpSpPr/>
-          <p:nvPr/>
-        </p:nvGrpSpPr>
-        <p:grpSpPr>
-          <a:xfrm>
-            <a:off x="9194796" y="6231467"/>
-            <a:ext cx="2802471" cy="457084"/>
-            <a:chOff x="184993" y="5905369"/>
-            <a:chExt cx="5156200" cy="838200"/>
-          </a:xfrm>
-        </p:grpSpPr>
-        <p:sp>
-          <p:nvSpPr>
-            <p:cNvPr id="13" name="Dikdörtgen 12"/>
-            <p:cNvSpPr/>
-            <p:nvPr/>
-          </p:nvSpPr>
-          <p:spPr>
-            <a:xfrm>
-              <a:off x="184993" y="5905369"/>
-              <a:ext cx="5156200" cy="838200"/>
-            </a:xfrm>
-            <a:prstGeom prst="rect">
-              <a:avLst/>
-            </a:prstGeom>
-            <a:solidFill>
-              <a:schemeClr val="bg1">
-                <a:lumMod val="95000"/>
-              </a:schemeClr>
-            </a:solidFill>
-            <a:ln>
-              <a:noFill/>
-            </a:ln>
-          </p:spPr>
-          <p:style>
-            <a:lnRef idx="2">
-              <a:schemeClr val="accent1">
-                <a:shade val="50000"/>
-              </a:schemeClr>
-            </a:lnRef>
-            <a:fillRef idx="1">
-              <a:schemeClr val="accent1"/>
-            </a:fillRef>
-            <a:effectRef idx="0">
-              <a:schemeClr val="accent1"/>
-            </a:effectRef>
-            <a:fontRef idx="minor">
-              <a:schemeClr val="lt1"/>
-            </a:fontRef>
-          </p:style>
-          <p:txBody>
-            <a:bodyPr rtlCol="0" anchor="ctr"/>
-            <a:lstStyle/>
-            <a:p>
-              <a:pPr algn="ctr"/>
-              <a:endParaRPr lang="en-US" sz="2000"/>
-            </a:p>
-          </p:txBody>
-        </p:sp>
-        <p:sp>
-          <p:nvSpPr>
-            <p:cNvPr id="14" name="Unvan 1"/>
-            <p:cNvSpPr txBox="1">
-              <a:spLocks/>
-            </p:cNvSpPr>
-            <p:nvPr/>
-          </p:nvSpPr>
-          <p:spPr>
-            <a:xfrm>
-              <a:off x="302252" y="6024023"/>
-              <a:ext cx="4921678" cy="600892"/>
-            </a:xfrm>
-            <a:prstGeom prst="rect">
-              <a:avLst/>
-            </a:prstGeom>
-          </p:spPr>
-          <p:txBody>
-            <a:bodyPr vert="horz" lIns="91440" tIns="45720" rIns="91440" bIns="45720" rtlCol="0" anchor="b">
-              <a:noAutofit/>
-            </a:bodyPr>
-            <a:lstStyle>
-              <a:lvl1pPr algn="ctr" defTabSz="914400" rtl="0" eaLnBrk="1" latinLnBrk="0" hangingPunct="1">
-                <a:lnSpc>
-                  <a:spcPct val="90000"/>
-                </a:lnSpc>
-                <a:spcBef>
-                  <a:spcPct val="0"/>
-                </a:spcBef>
-                <a:buNone/>
-                <a:defRPr sz="6000" kern="1200">
-                  <a:solidFill>
-                    <a:schemeClr val="tx1"/>
-                  </a:solidFill>
-                  <a:latin typeface="+mj-lt"/>
-                  <a:ea typeface="+mj-ea"/>
-                  <a:cs typeface="+mj-cs"/>
-                </a:defRPr>
-              </a:lvl1pPr>
-            </a:lstStyle>
-            <a:p>
-              <a:pPr algn="l"/>
-              <a:r>
-                <a:rPr lang="tr-TR" sz="2000" dirty="0">
-                  <a:solidFill>
-                    <a:srgbClr val="CB171F"/>
-                  </a:solidFill>
-                  <a:latin typeface="Constantia" panose="02030602050306030303" pitchFamily="18" charset="0"/>
-                  <a:ea typeface="Verdana" panose="020B0604030504040204" pitchFamily="34" charset="0"/>
-                  <a:cs typeface="Arial" panose="020B0604020202020204" pitchFamily="34" charset="0"/>
-                </a:rPr>
-                <a:t>A’dan Z’ye Büyük Veri</a:t>
-              </a:r>
-              <a:endParaRPr lang="en-US" sz="2000" dirty="0">
-                <a:solidFill>
-                  <a:srgbClr val="CB171F"/>
-                </a:solidFill>
-                <a:latin typeface="Constantia" panose="02030602050306030303" pitchFamily="18" charset="0"/>
-                <a:ea typeface="Verdana" panose="020B0604030504040204" pitchFamily="34" charset="0"/>
-                <a:cs typeface="Arial" panose="020B0604020202020204" pitchFamily="34" charset="0"/>
-              </a:endParaRPr>
-            </a:p>
-          </p:txBody>
-        </p:sp>
-      </p:grpSp>
       <p:sp>
         <p:nvSpPr>
           <p:cNvPr id="16" name="Unvan 1"/>
@@ -18388,7 +14828,7 @@
           <a:lstStyle/>
           <a:p>
             <a:r>
-              <a:rPr lang="tr-TR" sz="4200" b="1" dirty="0" smtClean="0">
+              <a:rPr lang="tr-TR" sz="4200" b="1" dirty="0">
                 <a:solidFill>
                   <a:srgbClr val="CD1F26"/>
                 </a:solidFill>
@@ -18431,13 +14871,13 @@
           <a:lstStyle/>
           <a:p>
             <a:r>
-              <a:rPr lang="en-US" dirty="0" err="1" smtClean="0">
+              <a:rPr lang="en-US" dirty="0" err="1">
                 <a:latin typeface="Consolas" panose="020B0609020204030204" pitchFamily="49" charset="0"/>
               </a:rPr>
               <a:t>val</a:t>
             </a:r>
             <a:r>
-              <a:rPr lang="en-US" dirty="0" smtClean="0">
+              <a:rPr lang="en-US" dirty="0">
                 <a:latin typeface="Consolas" panose="020B0609020204030204" pitchFamily="49" charset="0"/>
               </a:rPr>
               <a:t> </a:t>
@@ -18476,190 +14916,178 @@
               <a:rPr lang="en-US" dirty="0">
                 <a:latin typeface="Consolas" panose="020B0609020204030204" pitchFamily="49" charset="0"/>
               </a:rPr>
-              <a:t>(1,2,3,4,5,6,7,8</a:t>
-            </a:r>
-            <a:r>
-              <a:rPr lang="en-US" dirty="0" smtClean="0">
-                <a:latin typeface="Consolas" panose="020B0609020204030204" pitchFamily="49" charset="0"/>
-              </a:rPr>
-              <a:t>))</a:t>
-            </a:r>
-            <a:endParaRPr lang="tr-TR" dirty="0" smtClean="0">
-              <a:latin typeface="Consolas" panose="020B0609020204030204" pitchFamily="49" charset="0"/>
-            </a:endParaRPr>
-          </a:p>
-          <a:p>
+              <a:t>(1,2,3,4,5,6,7,8))</a:t>
+            </a:r>
             <a:endParaRPr lang="tr-TR" dirty="0">
               <a:latin typeface="Consolas" panose="020B0609020204030204" pitchFamily="49" charset="0"/>
             </a:endParaRPr>
           </a:p>
           <a:p>
-            <a:r>
-              <a:rPr lang="en-US" dirty="0" err="1">
-                <a:latin typeface="Consolas" panose="020B0609020204030204" pitchFamily="49" charset="0"/>
-              </a:rPr>
-              <a:t>def</a:t>
-            </a:r>
-            <a:r>
-              <a:rPr lang="en-US" dirty="0">
-                <a:latin typeface="Consolas" panose="020B0609020204030204" pitchFamily="49" charset="0"/>
-              </a:rPr>
-              <a:t> </a:t>
-            </a:r>
-            <a:r>
-              <a:rPr lang="en-US" dirty="0" err="1">
-                <a:latin typeface="Consolas" panose="020B0609020204030204" pitchFamily="49" charset="0"/>
-              </a:rPr>
-              <a:t>karesiniAl</a:t>
-            </a:r>
-            <a:r>
-              <a:rPr lang="en-US" dirty="0">
-                <a:latin typeface="Consolas" panose="020B0609020204030204" pitchFamily="49" charset="0"/>
-              </a:rPr>
-              <a:t>(x: </a:t>
-            </a:r>
-            <a:r>
-              <a:rPr lang="en-US" dirty="0" err="1">
-                <a:latin typeface="Consolas" panose="020B0609020204030204" pitchFamily="49" charset="0"/>
-              </a:rPr>
-              <a:t>Int</a:t>
-            </a:r>
-            <a:r>
-              <a:rPr lang="en-US" dirty="0">
-                <a:latin typeface="Consolas" panose="020B0609020204030204" pitchFamily="49" charset="0"/>
-              </a:rPr>
-              <a:t>):</a:t>
-            </a:r>
-            <a:r>
-              <a:rPr lang="en-US" dirty="0" err="1">
-                <a:latin typeface="Consolas" panose="020B0609020204030204" pitchFamily="49" charset="0"/>
-              </a:rPr>
-              <a:t>Int</a:t>
-            </a:r>
-            <a:r>
-              <a:rPr lang="en-US" dirty="0">
-                <a:latin typeface="Consolas" panose="020B0609020204030204" pitchFamily="49" charset="0"/>
-              </a:rPr>
-              <a:t> </a:t>
-            </a:r>
-            <a:r>
-              <a:rPr lang="en-US" dirty="0" smtClean="0">
-                <a:latin typeface="Consolas" panose="020B0609020204030204" pitchFamily="49" charset="0"/>
-              </a:rPr>
-              <a:t>={</a:t>
-            </a:r>
-            <a:endParaRPr lang="tr-TR" dirty="0" smtClean="0">
-              <a:latin typeface="Consolas" panose="020B0609020204030204" pitchFamily="49" charset="0"/>
-            </a:endParaRPr>
-          </a:p>
-          <a:p>
-            <a:r>
-              <a:rPr lang="en-US" dirty="0" smtClean="0">
-                <a:latin typeface="Consolas" panose="020B0609020204030204" pitchFamily="49" charset="0"/>
-              </a:rPr>
-              <a:t>    x*x</a:t>
-            </a:r>
-            <a:endParaRPr lang="tr-TR" dirty="0" smtClean="0">
-              <a:latin typeface="Consolas" panose="020B0609020204030204" pitchFamily="49" charset="0"/>
-            </a:endParaRPr>
-          </a:p>
-          <a:p>
-            <a:r>
-              <a:rPr lang="en-US" dirty="0" smtClean="0">
-                <a:latin typeface="Consolas" panose="020B0609020204030204" pitchFamily="49" charset="0"/>
-              </a:rPr>
-              <a:t>}</a:t>
-            </a:r>
-            <a:endParaRPr lang="tr-TR" dirty="0" smtClean="0">
-              <a:latin typeface="Consolas" panose="020B0609020204030204" pitchFamily="49" charset="0"/>
-            </a:endParaRPr>
-          </a:p>
-          <a:p>
-            <a:endParaRPr lang="tr-TR" dirty="0" smtClean="0">
-              <a:latin typeface="Consolas" panose="020B0609020204030204" pitchFamily="49" charset="0"/>
-            </a:endParaRPr>
-          </a:p>
-          <a:p>
-            <a:r>
-              <a:rPr lang="tr-TR" dirty="0" err="1">
-                <a:latin typeface="Consolas" panose="020B0609020204030204" pitchFamily="49" charset="0"/>
-              </a:rPr>
-              <a:t>val</a:t>
-            </a:r>
-            <a:r>
-              <a:rPr lang="tr-TR" dirty="0">
-                <a:latin typeface="Consolas" panose="020B0609020204030204" pitchFamily="49" charset="0"/>
-              </a:rPr>
-              <a:t> </a:t>
-            </a:r>
-            <a:r>
-              <a:rPr lang="tr-TR" dirty="0" err="1">
-                <a:latin typeface="Consolas" panose="020B0609020204030204" pitchFamily="49" charset="0"/>
-              </a:rPr>
-              <a:t>kareliRDD</a:t>
-            </a:r>
-            <a:r>
-              <a:rPr lang="tr-TR" dirty="0">
-                <a:latin typeface="Consolas" panose="020B0609020204030204" pitchFamily="49" charset="0"/>
-              </a:rPr>
-              <a:t> = </a:t>
-            </a:r>
-            <a:r>
-              <a:rPr lang="tr-TR" dirty="0" err="1">
-                <a:latin typeface="Consolas" panose="020B0609020204030204" pitchFamily="49" charset="0"/>
-              </a:rPr>
-              <a:t>sayilarRDD.map</a:t>
-            </a:r>
-            <a:r>
-              <a:rPr lang="tr-TR" dirty="0">
-                <a:latin typeface="Consolas" panose="020B0609020204030204" pitchFamily="49" charset="0"/>
-              </a:rPr>
-              <a:t>(</a:t>
-            </a:r>
-            <a:r>
-              <a:rPr lang="tr-TR" dirty="0" err="1">
-                <a:latin typeface="Consolas" panose="020B0609020204030204" pitchFamily="49" charset="0"/>
-              </a:rPr>
-              <a:t>karesiniAl</a:t>
-            </a:r>
-            <a:r>
-              <a:rPr lang="tr-TR" dirty="0" smtClean="0">
-                <a:latin typeface="Consolas" panose="020B0609020204030204" pitchFamily="49" charset="0"/>
-              </a:rPr>
-              <a:t>)</a:t>
-            </a:r>
-          </a:p>
-          <a:p>
             <a:endParaRPr lang="tr-TR" dirty="0">
               <a:latin typeface="Consolas" panose="020B0609020204030204" pitchFamily="49" charset="0"/>
             </a:endParaRPr>
           </a:p>
           <a:p>
             <a:r>
-              <a:rPr lang="tr-TR" dirty="0" err="1" smtClean="0">
-                <a:latin typeface="Consolas" panose="020B0609020204030204" pitchFamily="49" charset="0"/>
-              </a:rPr>
-              <a:t>kareliRDD.take</a:t>
-            </a:r>
-            <a:r>
-              <a:rPr lang="tr-TR" dirty="0" smtClean="0">
-                <a:latin typeface="Consolas" panose="020B0609020204030204" pitchFamily="49" charset="0"/>
-              </a:rPr>
-              <a:t>(8)</a:t>
-            </a:r>
-          </a:p>
-          <a:p>
-            <a:endParaRPr lang="tr-TR" dirty="0" smtClean="0">
-              <a:latin typeface="Consolas" panose="020B0609020204030204" pitchFamily="49" charset="0"/>
-            </a:endParaRPr>
-          </a:p>
-          <a:p>
+              <a:rPr lang="en-US" dirty="0" err="1">
+                <a:latin typeface="Consolas" panose="020B0609020204030204" pitchFamily="49" charset="0"/>
+              </a:rPr>
+              <a:t>def</a:t>
+            </a:r>
+            <a:r>
+              <a:rPr lang="en-US" dirty="0">
+                <a:latin typeface="Consolas" panose="020B0609020204030204" pitchFamily="49" charset="0"/>
+              </a:rPr>
+              <a:t> </a:t>
+            </a:r>
+            <a:r>
+              <a:rPr lang="en-US" dirty="0" err="1">
+                <a:latin typeface="Consolas" panose="020B0609020204030204" pitchFamily="49" charset="0"/>
+              </a:rPr>
+              <a:t>karesiniAl</a:t>
+            </a:r>
+            <a:r>
+              <a:rPr lang="en-US" dirty="0">
+                <a:latin typeface="Consolas" panose="020B0609020204030204" pitchFamily="49" charset="0"/>
+              </a:rPr>
+              <a:t>(x: </a:t>
+            </a:r>
+            <a:r>
+              <a:rPr lang="en-US" dirty="0" err="1">
+                <a:latin typeface="Consolas" panose="020B0609020204030204" pitchFamily="49" charset="0"/>
+              </a:rPr>
+              <a:t>Int</a:t>
+            </a:r>
+            <a:r>
+              <a:rPr lang="en-US" dirty="0">
+                <a:latin typeface="Consolas" panose="020B0609020204030204" pitchFamily="49" charset="0"/>
+              </a:rPr>
+              <a:t>):</a:t>
+            </a:r>
+            <a:r>
+              <a:rPr lang="en-US" dirty="0" err="1">
+                <a:latin typeface="Consolas" panose="020B0609020204030204" pitchFamily="49" charset="0"/>
+              </a:rPr>
+              <a:t>Int</a:t>
+            </a:r>
+            <a:r>
+              <a:rPr lang="en-US" dirty="0">
+                <a:latin typeface="Consolas" panose="020B0609020204030204" pitchFamily="49" charset="0"/>
+              </a:rPr>
+              <a:t> ={</a:t>
+            </a:r>
             <a:endParaRPr lang="tr-TR" dirty="0">
               <a:latin typeface="Consolas" panose="020B0609020204030204" pitchFamily="49" charset="0"/>
             </a:endParaRPr>
           </a:p>
           <a:p>
             <a:r>
+              <a:rPr lang="en-US" dirty="0">
+                <a:latin typeface="Consolas" panose="020B0609020204030204" pitchFamily="49" charset="0"/>
+              </a:rPr>
+              <a:t>    x*x</a:t>
+            </a:r>
+            <a:endParaRPr lang="tr-TR" dirty="0">
+              <a:latin typeface="Consolas" panose="020B0609020204030204" pitchFamily="49" charset="0"/>
+            </a:endParaRPr>
+          </a:p>
+          <a:p>
+            <a:r>
+              <a:rPr lang="en-US" dirty="0">
+                <a:latin typeface="Consolas" panose="020B0609020204030204" pitchFamily="49" charset="0"/>
+              </a:rPr>
+              <a:t>}</a:t>
+            </a:r>
+            <a:endParaRPr lang="tr-TR" dirty="0">
+              <a:latin typeface="Consolas" panose="020B0609020204030204" pitchFamily="49" charset="0"/>
+            </a:endParaRPr>
+          </a:p>
+          <a:p>
+            <a:endParaRPr lang="tr-TR" dirty="0">
+              <a:latin typeface="Consolas" panose="020B0609020204030204" pitchFamily="49" charset="0"/>
+            </a:endParaRPr>
+          </a:p>
+          <a:p>
+            <a:r>
+              <a:rPr lang="tr-TR" dirty="0" err="1">
+                <a:latin typeface="Consolas" panose="020B0609020204030204" pitchFamily="49" charset="0"/>
+              </a:rPr>
+              <a:t>val</a:t>
+            </a:r>
+            <a:r>
+              <a:rPr lang="tr-TR" dirty="0">
+                <a:latin typeface="Consolas" panose="020B0609020204030204" pitchFamily="49" charset="0"/>
+              </a:rPr>
+              <a:t> </a:t>
+            </a:r>
+            <a:r>
+              <a:rPr lang="tr-TR" dirty="0" err="1">
+                <a:latin typeface="Consolas" panose="020B0609020204030204" pitchFamily="49" charset="0"/>
+              </a:rPr>
+              <a:t>kareliRDD</a:t>
+            </a:r>
+            <a:r>
+              <a:rPr lang="tr-TR" dirty="0">
+                <a:latin typeface="Consolas" panose="020B0609020204030204" pitchFamily="49" charset="0"/>
+              </a:rPr>
+              <a:t> = </a:t>
+            </a:r>
+            <a:r>
+              <a:rPr lang="tr-TR" dirty="0" err="1">
+                <a:latin typeface="Consolas" panose="020B0609020204030204" pitchFamily="49" charset="0"/>
+              </a:rPr>
+              <a:t>sayilarRDD.map</a:t>
+            </a:r>
+            <a:r>
+              <a:rPr lang="tr-TR" dirty="0">
+                <a:latin typeface="Consolas" panose="020B0609020204030204" pitchFamily="49" charset="0"/>
+              </a:rPr>
+              <a:t>(</a:t>
+            </a:r>
+            <a:r>
+              <a:rPr lang="tr-TR" dirty="0" err="1">
+                <a:latin typeface="Consolas" panose="020B0609020204030204" pitchFamily="49" charset="0"/>
+              </a:rPr>
+              <a:t>karesiniAl</a:t>
+            </a:r>
+            <a:r>
+              <a:rPr lang="tr-TR" dirty="0">
+                <a:latin typeface="Consolas" panose="020B0609020204030204" pitchFamily="49" charset="0"/>
+              </a:rPr>
+              <a:t>)</a:t>
+            </a:r>
+          </a:p>
+          <a:p>
+            <a:endParaRPr lang="tr-TR" dirty="0">
+              <a:latin typeface="Consolas" panose="020B0609020204030204" pitchFamily="49" charset="0"/>
+            </a:endParaRPr>
+          </a:p>
+          <a:p>
+            <a:r>
+              <a:rPr lang="tr-TR" dirty="0" err="1">
+                <a:latin typeface="Consolas" panose="020B0609020204030204" pitchFamily="49" charset="0"/>
+              </a:rPr>
+              <a:t>kareliRDD.take</a:t>
+            </a:r>
+            <a:r>
+              <a:rPr lang="tr-TR" dirty="0">
+                <a:latin typeface="Consolas" panose="020B0609020204030204" pitchFamily="49" charset="0"/>
+              </a:rPr>
+              <a:t>(8)</a:t>
+            </a:r>
+          </a:p>
+          <a:p>
+            <a:endParaRPr lang="tr-TR" dirty="0">
+              <a:latin typeface="Consolas" panose="020B0609020204030204" pitchFamily="49" charset="0"/>
+            </a:endParaRPr>
+          </a:p>
+          <a:p>
+            <a:endParaRPr lang="tr-TR" dirty="0">
+              <a:latin typeface="Consolas" panose="020B0609020204030204" pitchFamily="49" charset="0"/>
+            </a:endParaRPr>
+          </a:p>
+          <a:p>
+            <a:r>
               <a:rPr lang="tr-TR" sz="1200" dirty="0" err="1">
                 <a:latin typeface="Consolas" panose="020B0609020204030204" pitchFamily="49" charset="0"/>
               </a:rPr>
@@ -18777,7 +15205,7 @@
             </a:r>
           </a:p>
           <a:p>
-            <a:endParaRPr lang="tr-TR" dirty="0" smtClean="0">
+            <a:endParaRPr lang="tr-TR" dirty="0">
               <a:latin typeface="Consolas" panose="020B0609020204030204" pitchFamily="49" charset="0"/>
             </a:endParaRPr>
           </a:p>
@@ -18798,13 +15226,6 @@
   <p:clrMapOvr>
     <a:masterClrMapping/>
   </p:clrMapOvr>
-  <p:timing>
-    <p:tnLst>
-      <p:par>
-        <p:cTn id="1" dur="indefinite" restart="never" nodeType="tmRoot"/>
-      </p:par>
-    </p:tnLst>
-  </p:timing>
 </p:sld>
 </file>
 
@@ -18862,369 +15283,6 @@
           </a:fontRef>
         </p:style>
       </p:cxnSp>
-      <p:grpSp>
-        <p:nvGrpSpPr>
-          <p:cNvPr id="15" name="Grup 14"/>
-          <p:cNvGrpSpPr/>
-          <p:nvPr/>
-        </p:nvGrpSpPr>
-        <p:grpSpPr>
-          <a:xfrm>
-            <a:off x="228596" y="6231467"/>
-            <a:ext cx="3041654" cy="492576"/>
-            <a:chOff x="228596" y="6231467"/>
-            <a:chExt cx="3041654" cy="492576"/>
-          </a:xfrm>
-        </p:grpSpPr>
-        <p:grpSp>
-          <p:nvGrpSpPr>
-            <p:cNvPr id="8" name="Grup 7"/>
-            <p:cNvGrpSpPr/>
-            <p:nvPr/>
-          </p:nvGrpSpPr>
-          <p:grpSpPr>
-            <a:xfrm>
-              <a:off x="228596" y="6231467"/>
-              <a:ext cx="2802471" cy="457084"/>
-              <a:chOff x="127000" y="5901146"/>
-              <a:chExt cx="5156200" cy="838200"/>
-            </a:xfrm>
-          </p:grpSpPr>
-          <p:sp>
-            <p:nvSpPr>
-              <p:cNvPr id="7" name="Dikdörtgen 6"/>
-              <p:cNvSpPr/>
-              <p:nvPr/>
-            </p:nvSpPr>
-            <p:spPr>
-              <a:xfrm>
-                <a:off x="127000" y="5901146"/>
-                <a:ext cx="5156200" cy="838200"/>
-              </a:xfrm>
-              <a:prstGeom prst="rect">
-                <a:avLst/>
-              </a:prstGeom>
-              <a:solidFill>
-                <a:schemeClr val="bg1">
-                  <a:lumMod val="95000"/>
-                </a:schemeClr>
-              </a:solidFill>
-              <a:ln>
-                <a:noFill/>
-              </a:ln>
-            </p:spPr>
-            <p:style>
-              <a:lnRef idx="2">
-                <a:schemeClr val="accent1">
-                  <a:shade val="50000"/>
-                </a:schemeClr>
-              </a:lnRef>
-              <a:fillRef idx="1">
-                <a:schemeClr val="accent1"/>
-              </a:fillRef>
-              <a:effectRef idx="0">
-                <a:schemeClr val="accent1"/>
-              </a:effectRef>
-              <a:fontRef idx="minor">
-                <a:schemeClr val="lt1"/>
-              </a:fontRef>
-            </p:style>
-            <p:txBody>
-              <a:bodyPr rtlCol="0" anchor="ctr"/>
-              <a:lstStyle/>
-              <a:p>
-                <a:pPr algn="ctr"/>
-                <a:endParaRPr lang="en-US" sz="2000"/>
-              </a:p>
-            </p:txBody>
-          </p:sp>
-          <p:grpSp>
-            <p:nvGrpSpPr>
-              <p:cNvPr id="6" name="Grup 5"/>
-              <p:cNvGrpSpPr/>
-              <p:nvPr/>
-            </p:nvGrpSpPr>
-            <p:grpSpPr>
-              <a:xfrm>
-                <a:off x="211667" y="6019800"/>
-                <a:ext cx="5012266" cy="605115"/>
-                <a:chOff x="211667" y="6019800"/>
-                <a:chExt cx="5012266" cy="605115"/>
-              </a:xfrm>
-            </p:grpSpPr>
-            <p:pic>
-              <p:nvPicPr>
-                <p:cNvPr id="4" name="Resim 3"/>
-                <p:cNvPicPr>
-                  <a:picLocks noChangeAspect="1"/>
-                </p:cNvPicPr>
-                <p:nvPr/>
-              </p:nvPicPr>
-              <p:blipFill rotWithShape="1">
-                <a:blip r:embed="rId2" cstate="print">
-                  <a:extLst>
-                    <a:ext uri="{28A0092B-C50C-407E-A947-70E740481C1C}">
-                      <a14:useLocalDpi xmlns:a14="http://schemas.microsoft.com/office/drawing/2010/main" val="0"/>
-                    </a:ext>
-                  </a:extLst>
-                </a:blip>
-                <a:srcRect l="24387" t="8319" r="18355" b="50150"/>
-                <a:stretch/>
-              </p:blipFill>
-              <p:spPr>
-                <a:xfrm>
-                  <a:off x="211667" y="6019800"/>
-                  <a:ext cx="1072095" cy="600892"/>
-                </a:xfrm>
-                <a:prstGeom prst="rect">
-                  <a:avLst/>
-                </a:prstGeom>
-              </p:spPr>
-            </p:pic>
-            <p:sp>
-              <p:nvSpPr>
-                <p:cNvPr id="5" name="Unvan 1"/>
-                <p:cNvSpPr txBox="1">
-                  <a:spLocks/>
-                </p:cNvSpPr>
-                <p:nvPr/>
-              </p:nvSpPr>
-              <p:spPr>
-                <a:xfrm>
-                  <a:off x="1283763" y="6024023"/>
-                  <a:ext cx="3940170" cy="600892"/>
-                </a:xfrm>
-                <a:prstGeom prst="rect">
-                  <a:avLst/>
-                </a:prstGeom>
-              </p:spPr>
-              <p:txBody>
-                <a:bodyPr vert="horz" lIns="91440" tIns="45720" rIns="91440" bIns="45720" rtlCol="0" anchor="b">
-                  <a:noAutofit/>
-                </a:bodyPr>
-                <a:lstStyle>
-                  <a:lvl1pPr algn="ctr" defTabSz="914400" rtl="0" eaLnBrk="1" latinLnBrk="0" hangingPunct="1">
-                    <a:lnSpc>
-                      <a:spcPct val="90000"/>
-                    </a:lnSpc>
-                    <a:spcBef>
-                      <a:spcPct val="0"/>
-                    </a:spcBef>
-                    <a:buNone/>
-                    <a:defRPr sz="6000" kern="1200">
-                      <a:solidFill>
-                        <a:schemeClr val="tx1"/>
-                      </a:solidFill>
-                      <a:latin typeface="+mj-lt"/>
-                      <a:ea typeface="+mj-ea"/>
-                      <a:cs typeface="+mj-cs"/>
-                    </a:defRPr>
-                  </a:lvl1pPr>
-                </a:lstStyle>
-                <a:p>
-                  <a:pPr algn="l"/>
-                  <a:r>
-                    <a:rPr lang="tr-TR" sz="2000" dirty="0" smtClean="0">
-                      <a:solidFill>
-                        <a:srgbClr val="CB171F"/>
-                      </a:solidFill>
-                      <a:latin typeface="Constantia" panose="02030602050306030303" pitchFamily="18" charset="0"/>
-                      <a:ea typeface="Verdana" panose="020B0604030504040204" pitchFamily="34" charset="0"/>
-                      <a:cs typeface="Arial" panose="020B0604020202020204" pitchFamily="34" charset="0"/>
-                    </a:rPr>
-                    <a:t>Veri Bilimi Okulu</a:t>
-                  </a:r>
-                  <a:endParaRPr lang="en-US" sz="2000" dirty="0">
-                    <a:solidFill>
-                      <a:srgbClr val="CB171F"/>
-                    </a:solidFill>
-                    <a:latin typeface="Constantia" panose="02030602050306030303" pitchFamily="18" charset="0"/>
-                    <a:ea typeface="Verdana" panose="020B0604030504040204" pitchFamily="34" charset="0"/>
-                    <a:cs typeface="Arial" panose="020B0604020202020204" pitchFamily="34" charset="0"/>
-                  </a:endParaRPr>
-                </a:p>
-              </p:txBody>
-            </p:sp>
-          </p:grpSp>
-        </p:grpSp>
-        <p:sp>
-          <p:nvSpPr>
-            <p:cNvPr id="12" name="Metin kutusu 11"/>
-            <p:cNvSpPr txBox="1"/>
-            <p:nvPr/>
-          </p:nvSpPr>
-          <p:spPr>
-            <a:xfrm>
-              <a:off x="1582782" y="6493211"/>
-              <a:ext cx="1687468" cy="230832"/>
-            </a:xfrm>
-            <a:prstGeom prst="rect">
-              <a:avLst/>
-            </a:prstGeom>
-            <a:noFill/>
-          </p:spPr>
-          <p:txBody>
-            <a:bodyPr wrap="square" rtlCol="0">
-              <a:spAutoFit/>
-            </a:bodyPr>
-            <a:lstStyle/>
-            <a:p>
-              <a:r>
-                <a:rPr lang="en-US" sz="900" dirty="0" smtClean="0">
-                  <a:solidFill>
-                    <a:srgbClr val="0B8043"/>
-                  </a:solidFill>
-                </a:rPr>
-                <a:t>https:</a:t>
-              </a:r>
-              <a:r>
-                <a:rPr lang="en-US" sz="900" dirty="0" smtClean="0">
-                  <a:solidFill>
-                    <a:schemeClr val="bg1">
-                      <a:lumMod val="50000"/>
-                    </a:schemeClr>
-                  </a:solidFill>
-                </a:rPr>
-                <a:t>//www.veribilimi.co</a:t>
-              </a:r>
-              <a:endParaRPr lang="en-US" sz="900" dirty="0">
-                <a:solidFill>
-                  <a:schemeClr val="bg1">
-                    <a:lumMod val="50000"/>
-                  </a:schemeClr>
-                </a:solidFill>
-              </a:endParaRPr>
-            </a:p>
-          </p:txBody>
-        </p:sp>
-      </p:grpSp>
-      <p:grpSp>
-        <p:nvGrpSpPr>
-          <p:cNvPr id="11" name="Grup 10"/>
-          <p:cNvGrpSpPr/>
-          <p:nvPr/>
-        </p:nvGrpSpPr>
-        <p:grpSpPr>
-          <a:xfrm>
-            <a:off x="9194796" y="6231467"/>
-            <a:ext cx="2802471" cy="457084"/>
-            <a:chOff x="184993" y="5905369"/>
-            <a:chExt cx="5156200" cy="838200"/>
-          </a:xfrm>
-        </p:grpSpPr>
-        <p:sp>
-          <p:nvSpPr>
-            <p:cNvPr id="13" name="Dikdörtgen 12"/>
-            <p:cNvSpPr/>
-            <p:nvPr/>
-          </p:nvSpPr>
-          <p:spPr>
-            <a:xfrm>
-              <a:off x="184993" y="5905369"/>
-              <a:ext cx="5156200" cy="838200"/>
-            </a:xfrm>
-            <a:prstGeom prst="rect">
-              <a:avLst/>
-            </a:prstGeom>
-            <a:solidFill>
-              <a:schemeClr val="bg1">
-                <a:lumMod val="95000"/>
-              </a:schemeClr>
-            </a:solidFill>
-            <a:ln>
-              <a:noFill/>
-            </a:ln>
-          </p:spPr>
-          <p:style>
-            <a:lnRef idx="2">
-              <a:schemeClr val="accent1">
-                <a:shade val="50000"/>
-              </a:schemeClr>
-            </a:lnRef>
-            <a:fillRef idx="1">
-              <a:schemeClr val="accent1"/>
-            </a:fillRef>
-            <a:effectRef idx="0">
-              <a:schemeClr val="accent1"/>
-            </a:effectRef>
-            <a:fontRef idx="minor">
-              <a:schemeClr val="lt1"/>
-            </a:fontRef>
-          </p:style>
-          <p:txBody>
-            <a:bodyPr rtlCol="0" anchor="ctr"/>
-            <a:lstStyle/>
-            <a:p>
-              <a:pPr algn="ctr"/>
-              <a:endParaRPr lang="en-US" sz="2000"/>
-            </a:p>
-          </p:txBody>
-        </p:sp>
-        <p:sp>
-          <p:nvSpPr>
-            <p:cNvPr id="14" name="Unvan 1"/>
-            <p:cNvSpPr txBox="1">
-              <a:spLocks/>
-            </p:cNvSpPr>
-            <p:nvPr/>
-          </p:nvSpPr>
-          <p:spPr>
-            <a:xfrm>
-              <a:off x="302252" y="6024023"/>
-              <a:ext cx="4921678" cy="600892"/>
-            </a:xfrm>
-            <a:prstGeom prst="rect">
-              <a:avLst/>
-            </a:prstGeom>
-          </p:spPr>
-          <p:txBody>
-            <a:bodyPr vert="horz" lIns="91440" tIns="45720" rIns="91440" bIns="45720" rtlCol="0" anchor="b">
-              <a:noAutofit/>
-            </a:bodyPr>
-            <a:lstStyle>
-              <a:lvl1pPr algn="ctr" defTabSz="914400" rtl="0" eaLnBrk="1" latinLnBrk="0" hangingPunct="1">
-                <a:lnSpc>
-                  <a:spcPct val="90000"/>
-                </a:lnSpc>
-                <a:spcBef>
-                  <a:spcPct val="0"/>
-                </a:spcBef>
-                <a:buNone/>
-                <a:defRPr sz="6000" kern="1200">
-                  <a:solidFill>
-                    <a:schemeClr val="tx1"/>
-                  </a:solidFill>
-                  <a:latin typeface="+mj-lt"/>
-                  <a:ea typeface="+mj-ea"/>
-                  <a:cs typeface="+mj-cs"/>
-                </a:defRPr>
-              </a:lvl1pPr>
-            </a:lstStyle>
-            <a:p>
-              <a:pPr algn="l"/>
-              <a:r>
-                <a:rPr lang="tr-TR" sz="2000" dirty="0">
-                  <a:solidFill>
-                    <a:srgbClr val="CB171F"/>
-                  </a:solidFill>
-                  <a:latin typeface="Constantia" panose="02030602050306030303" pitchFamily="18" charset="0"/>
-                  <a:ea typeface="Verdana" panose="020B0604030504040204" pitchFamily="34" charset="0"/>
-                  <a:cs typeface="Arial" panose="020B0604020202020204" pitchFamily="34" charset="0"/>
-                </a:rPr>
-                <a:t>A’dan Z’ye Büyük Veri</a:t>
-              </a:r>
-              <a:endParaRPr lang="en-US" sz="2000" dirty="0">
-                <a:solidFill>
-                  <a:srgbClr val="CB171F"/>
-                </a:solidFill>
-                <a:latin typeface="Constantia" panose="02030602050306030303" pitchFamily="18" charset="0"/>
-                <a:ea typeface="Verdana" panose="020B0604030504040204" pitchFamily="34" charset="0"/>
-                <a:cs typeface="Arial" panose="020B0604020202020204" pitchFamily="34" charset="0"/>
-              </a:endParaRPr>
-            </a:p>
-          </p:txBody>
-        </p:sp>
-      </p:grpSp>
       <p:sp>
         <p:nvSpPr>
           <p:cNvPr id="16" name="Unvan 1"/>
@@ -19331,22 +15389,13 @@
               <a:buChar char="ü"/>
             </a:pPr>
             <a:r>
-              <a:rPr lang="tr-TR" sz="2400" dirty="0" smtClean="0">
+              <a:rPr lang="tr-TR" sz="2400" dirty="0">
                 <a:solidFill>
                   <a:srgbClr val="404041"/>
                 </a:solidFill>
                 <a:latin typeface="Roboto"/>
               </a:rPr>
-              <a:t>Spark-1’de </a:t>
-            </a:r>
-            <a:r>
-              <a:rPr lang="tr-TR" sz="2400" dirty="0" smtClean="0">
-                <a:solidFill>
-                  <a:srgbClr val="404041"/>
-                </a:solidFill>
-                <a:latin typeface="Roboto"/>
-              </a:rPr>
-              <a:t>kullanılan en eski ve en düşük seviyeli API.</a:t>
+              <a:t>Spark-1’de kullanılan en eski ve en düşük seviyeli API.</a:t>
             </a:r>
           </a:p>
           <a:p>
@@ -19358,7 +15407,7 @@
               <a:buChar char="ü"/>
             </a:pPr>
             <a:r>
-              <a:rPr lang="tr-TR" sz="2400" dirty="0" smtClean="0">
+              <a:rPr lang="tr-TR" sz="2400" dirty="0">
                 <a:solidFill>
                   <a:srgbClr val="404041"/>
                 </a:solidFill>
@@ -19373,43 +15422,16 @@
                 </a:solidFill>
                 <a:latin typeface="Roboto"/>
               </a:rPr>
-              <a:t>S</a:t>
-            </a:r>
-            <a:r>
-              <a:rPr lang="tr-TR" sz="2400" dirty="0" err="1" smtClean="0">
+              <a:t>Structured</a:t>
+            </a:r>
+            <a:r>
+              <a:rPr lang="tr-TR" sz="2400" dirty="0">
                 <a:solidFill>
                   <a:srgbClr val="404041"/>
                 </a:solidFill>
                 <a:latin typeface="Roboto"/>
               </a:rPr>
-              <a:t>tructured</a:t>
-            </a:r>
-            <a:r>
-              <a:rPr lang="tr-TR" sz="2400" dirty="0" smtClean="0">
-                <a:solidFill>
-                  <a:srgbClr val="404041"/>
-                </a:solidFill>
-                <a:latin typeface="Roboto"/>
-              </a:rPr>
-              <a:t> API geldi ve </a:t>
-            </a:r>
-            <a:r>
-              <a:rPr lang="tr-TR" sz="2400" dirty="0" smtClean="0">
-                <a:solidFill>
-                  <a:srgbClr val="404041"/>
-                </a:solidFill>
-                <a:latin typeface="Roboto"/>
-              </a:rPr>
-              <a:t>kullanımı azalmaya başladı. </a:t>
-            </a:r>
-            <a:r>
-              <a:rPr lang="tr-TR" sz="2400" dirty="0" smtClean="0">
-                <a:solidFill>
-                  <a:srgbClr val="404041"/>
-                </a:solidFill>
-                <a:latin typeface="Roboto"/>
-              </a:rPr>
-              <a:t>Ancak Spark-2’de de hala kullanılabilir.</a:t>
+              <a:t> API geldi ve kullanımı azalmaya başladı. Ancak Spark-2’de de hala kullanılabilir.</a:t>
             </a:r>
           </a:p>
           <a:p>
@@ -19421,7 +15443,7 @@
               <a:buChar char="ü"/>
             </a:pPr>
             <a:r>
-              <a:rPr lang="tr-TR" sz="2400" dirty="0" err="1" smtClean="0">
+              <a:rPr lang="tr-TR" sz="2400" dirty="0" err="1">
                 <a:solidFill>
                   <a:srgbClr val="404041"/>
                 </a:solidFill>
@@ -19430,67 +15452,31 @@
               <a:t>Structured</a:t>
             </a:r>
             <a:r>
-              <a:rPr lang="tr-TR" sz="2400" dirty="0" smtClean="0">
+              <a:rPr lang="tr-TR" sz="2400" dirty="0">
                 <a:solidFill>
                   <a:srgbClr val="404041"/>
                 </a:solidFill>
                 <a:latin typeface="Roboto"/>
               </a:rPr>
-              <a:t> API da </a:t>
-            </a:r>
-            <a:r>
-              <a:rPr lang="tr-TR" sz="2400" dirty="0" smtClean="0">
+              <a:t> API da kolaylıkla yapılan işler </a:t>
+            </a:r>
+            <a:r>
+              <a:rPr lang="tr-TR" sz="2400" dirty="0" err="1">
                 <a:solidFill>
                   <a:srgbClr val="404041"/>
                 </a:solidFill>
                 <a:latin typeface="Roboto"/>
               </a:rPr>
-              <a:t>kolaylıkla yapılan </a:t>
-            </a:r>
-            <a:r>
-              <a:rPr lang="tr-TR" sz="2400" dirty="0" smtClean="0">
+              <a:t>RDD’de</a:t>
+            </a:r>
+            <a:r>
+              <a:rPr lang="tr-TR" sz="2400" dirty="0">
                 <a:solidFill>
                   <a:srgbClr val="404041"/>
                 </a:solidFill>
                 <a:latin typeface="Roboto"/>
               </a:rPr>
-              <a:t>işler </a:t>
-            </a:r>
-            <a:r>
-              <a:rPr lang="tr-TR" sz="2400" dirty="0" err="1" smtClean="0">
-                <a:solidFill>
-                  <a:srgbClr val="404041"/>
-                </a:solidFill>
-                <a:latin typeface="Roboto"/>
-              </a:rPr>
-              <a:t>RDD’de</a:t>
-            </a:r>
-            <a:r>
-              <a:rPr lang="tr-TR" sz="2400" dirty="0" smtClean="0">
-                <a:solidFill>
-                  <a:srgbClr val="404041"/>
-                </a:solidFill>
-                <a:latin typeface="Roboto"/>
-              </a:rPr>
-              <a:t> daha </a:t>
-            </a:r>
-            <a:r>
-              <a:rPr lang="tr-TR" sz="2400" dirty="0" smtClean="0">
-                <a:solidFill>
-                  <a:srgbClr val="404041"/>
-                </a:solidFill>
-                <a:latin typeface="Roboto"/>
-              </a:rPr>
-              <a:t>zor ve uzun</a:t>
-            </a:r>
-            <a:r>
-              <a:rPr lang="tr-TR" sz="2400" dirty="0" smtClean="0">
-                <a:solidFill>
-                  <a:srgbClr val="404041"/>
-                </a:solidFill>
-                <a:latin typeface="Roboto"/>
-              </a:rPr>
-              <a:t>.</a:t>
+              <a:t> daha zor ve uzun.</a:t>
             </a:r>
           </a:p>
           <a:p>
@@ -19502,7 +15488,7 @@
               <a:buChar char="ü"/>
             </a:pPr>
             <a:r>
-              <a:rPr lang="tr-TR" sz="2400" dirty="0" err="1" smtClean="0">
+              <a:rPr lang="tr-TR" sz="2400" dirty="0" err="1">
                 <a:solidFill>
                   <a:srgbClr val="404041"/>
                 </a:solidFill>
@@ -19517,41 +15503,26 @@
                 </a:solidFill>
                 <a:latin typeface="Roboto"/>
               </a:rPr>
-              <a:t> </a:t>
-            </a:r>
-            <a:r>
-              <a:rPr lang="tr-TR" sz="2400" dirty="0" smtClean="0">
+              <a:t> kullanıcı tanımlı fonksiyonları </a:t>
+            </a:r>
+            <a:r>
+              <a:rPr lang="tr-TR" sz="2400" dirty="0" err="1">
                 <a:solidFill>
                   <a:srgbClr val="404041"/>
                 </a:solidFill>
                 <a:latin typeface="Roboto"/>
               </a:rPr>
-              <a:t>kullanıcı tanımlı fonksiyonları </a:t>
-            </a:r>
-            <a:r>
-              <a:rPr lang="tr-TR" sz="2400" dirty="0" err="1" smtClean="0">
+              <a:t>Scala’ya</a:t>
+            </a:r>
+            <a:r>
+              <a:rPr lang="tr-TR" sz="2400" dirty="0">
                 <a:solidFill>
                   <a:srgbClr val="404041"/>
                 </a:solidFill>
                 <a:latin typeface="Roboto"/>
               </a:rPr>
-              <a:t>Scala’ya</a:t>
-            </a:r>
-            <a:r>
-              <a:rPr lang="tr-TR" sz="2400" dirty="0" smtClean="0">
-                <a:solidFill>
-                  <a:srgbClr val="404041"/>
-                </a:solidFill>
-                <a:latin typeface="Roboto"/>
-              </a:rPr>
               <a:t> göre yavaş.</a:t>
             </a:r>
-            <a:endParaRPr lang="tr-TR" sz="2400" dirty="0" smtClean="0">
-              <a:solidFill>
-                <a:srgbClr val="404041"/>
-              </a:solidFill>
-              <a:latin typeface="Roboto"/>
-            </a:endParaRPr>
           </a:p>
           <a:p>
             <a:pPr>
@@ -19559,7 +15530,7 @@
                 <a:spcPct val="150000"/>
               </a:lnSpc>
             </a:pPr>
-            <a:endParaRPr lang="tr-TR" sz="2400" dirty="0" smtClean="0">
+            <a:endParaRPr lang="tr-TR" sz="2400" dirty="0">
               <a:solidFill>
                 <a:srgbClr val="404041"/>
               </a:solidFill>
@@ -19578,13 +15549,6 @@
   <p:clrMapOvr>
     <a:masterClrMapping/>
   </p:clrMapOvr>
-  <p:timing>
-    <p:tnLst>
-      <p:par>
-        <p:cTn id="1" dur="indefinite" restart="never" nodeType="tmRoot"/>
-      </p:par>
-    </p:tnLst>
-  </p:timing>
 </p:sld>
 </file>
 
